--- a/docs/AMDeSS_MidtermProgressReport.pptx
+++ b/docs/AMDeSS_MidtermProgressReport.pptx
@@ -7,9 +7,17 @@
   <p:sldIdLst>
     <p:sldId id="256" r:id="rId2"/>
     <p:sldId id="257" r:id="rId3"/>
-    <p:sldId id="258" r:id="rId4"/>
-    <p:sldId id="259" r:id="rId5"/>
-    <p:sldId id="260" r:id="rId6"/>
+    <p:sldId id="263" r:id="rId4"/>
+    <p:sldId id="262" r:id="rId5"/>
+    <p:sldId id="261" r:id="rId6"/>
+    <p:sldId id="264" r:id="rId7"/>
+    <p:sldId id="258" r:id="rId8"/>
+    <p:sldId id="259" r:id="rId9"/>
+    <p:sldId id="260" r:id="rId10"/>
+    <p:sldId id="265" r:id="rId11"/>
+    <p:sldId id="266" r:id="rId12"/>
+    <p:sldId id="267" r:id="rId13"/>
+    <p:sldId id="268" r:id="rId14"/>
   </p:sldIdLst>
   <p:sldSz cx="12192000" cy="6858000"/>
   <p:notesSz cx="6858000" cy="9144000"/>
@@ -3032,6 +3040,301 @@
   <p:clrMapOvr>
     <a:masterClrMapping/>
   </p:clrMapOvr>
+  <p:timing>
+    <p:tnLst>
+      <p:par>
+        <p:cTn id="1" dur="indefinite" restart="never" nodeType="tmRoot"/>
+      </p:par>
+    </p:tnLst>
+  </p:timing>
+</p:sld>
+</file>
+
+<file path=ppt/slides/slide10.xml><?xml version="1.0" encoding="utf-8"?>
+<p:sld xmlns:a="http://schemas.openxmlformats.org/drawingml/2006/main" xmlns:r="http://schemas.openxmlformats.org/officeDocument/2006/relationships" xmlns:p="http://schemas.openxmlformats.org/presentationml/2006/main">
+  <p:cSld>
+    <p:spTree>
+      <p:nvGrpSpPr>
+        <p:cNvPr id="1" name=""/>
+        <p:cNvGrpSpPr/>
+        <p:nvPr/>
+      </p:nvGrpSpPr>
+      <p:grpSpPr>
+        <a:xfrm>
+          <a:off x="0" y="0"/>
+          <a:ext cx="0" cy="0"/>
+          <a:chOff x="0" y="0"/>
+          <a:chExt cx="0" cy="0"/>
+        </a:xfrm>
+      </p:grpSpPr>
+      <p:sp>
+        <p:nvSpPr>
+          <p:cNvPr id="2" name="Title 1"/>
+          <p:cNvSpPr>
+            <a:spLocks noGrp="1"/>
+          </p:cNvSpPr>
+          <p:nvPr>
+            <p:ph type="title"/>
+          </p:nvPr>
+        </p:nvSpPr>
+        <p:spPr/>
+        <p:txBody>
+          <a:bodyPr/>
+          <a:lstStyle/>
+          <a:p>
+            <a:r>
+              <a:rPr lang="en-US" dirty="0" smtClean="0"/>
+              <a:t>What we’re working on now</a:t>
+            </a:r>
+            <a:endParaRPr lang="en-US" dirty="0"/>
+          </a:p>
+        </p:txBody>
+      </p:sp>
+      <p:sp>
+        <p:nvSpPr>
+          <p:cNvPr id="3" name="Text Placeholder 2"/>
+          <p:cNvSpPr>
+            <a:spLocks noGrp="1"/>
+          </p:cNvSpPr>
+          <p:nvPr>
+            <p:ph type="body" idx="1"/>
+          </p:nvPr>
+        </p:nvSpPr>
+        <p:spPr/>
+        <p:txBody>
+          <a:bodyPr/>
+          <a:lstStyle/>
+          <a:p>
+            <a:endParaRPr lang="en-US"/>
+          </a:p>
+        </p:txBody>
+      </p:sp>
+    </p:spTree>
+    <p:extLst>
+      <p:ext uri="{BB962C8B-B14F-4D97-AF65-F5344CB8AC3E}">
+        <p14:creationId xmlns:p14="http://schemas.microsoft.com/office/powerpoint/2010/main" val="4011490972"/>
+      </p:ext>
+    </p:extLst>
+  </p:cSld>
+  <p:clrMapOvr>
+    <a:masterClrMapping/>
+  </p:clrMapOvr>
+</p:sld>
+</file>
+
+<file path=ppt/slides/slide11.xml><?xml version="1.0" encoding="utf-8"?>
+<p:sld xmlns:a="http://schemas.openxmlformats.org/drawingml/2006/main" xmlns:r="http://schemas.openxmlformats.org/officeDocument/2006/relationships" xmlns:p="http://schemas.openxmlformats.org/presentationml/2006/main">
+  <p:cSld>
+    <p:spTree>
+      <p:nvGrpSpPr>
+        <p:cNvPr id="1" name=""/>
+        <p:cNvGrpSpPr/>
+        <p:nvPr/>
+      </p:nvGrpSpPr>
+      <p:grpSpPr>
+        <a:xfrm>
+          <a:off x="0" y="0"/>
+          <a:ext cx="0" cy="0"/>
+          <a:chOff x="0" y="0"/>
+          <a:chExt cx="0" cy="0"/>
+        </a:xfrm>
+      </p:grpSpPr>
+      <p:sp>
+        <p:nvSpPr>
+          <p:cNvPr id="2" name="Title 1"/>
+          <p:cNvSpPr>
+            <a:spLocks noGrp="1"/>
+          </p:cNvSpPr>
+          <p:nvPr>
+            <p:ph type="title"/>
+          </p:nvPr>
+        </p:nvSpPr>
+        <p:spPr/>
+        <p:txBody>
+          <a:bodyPr/>
+          <a:lstStyle/>
+          <a:p>
+            <a:r>
+              <a:rPr lang="en-US" dirty="0" smtClean="0"/>
+              <a:t>Tasks In Progress</a:t>
+            </a:r>
+            <a:endParaRPr lang="en-US" dirty="0"/>
+          </a:p>
+        </p:txBody>
+      </p:sp>
+      <p:sp>
+        <p:nvSpPr>
+          <p:cNvPr id="3" name="Content Placeholder 2"/>
+          <p:cNvSpPr>
+            <a:spLocks noGrp="1"/>
+          </p:cNvSpPr>
+          <p:nvPr>
+            <p:ph idx="1"/>
+          </p:nvPr>
+        </p:nvSpPr>
+        <p:spPr/>
+        <p:txBody>
+          <a:bodyPr/>
+          <a:lstStyle/>
+          <a:p>
+            <a:endParaRPr lang="en-US" dirty="0"/>
+          </a:p>
+        </p:txBody>
+      </p:sp>
+    </p:spTree>
+    <p:extLst>
+      <p:ext uri="{BB962C8B-B14F-4D97-AF65-F5344CB8AC3E}">
+        <p14:creationId xmlns:p14="http://schemas.microsoft.com/office/powerpoint/2010/main" val="1701579242"/>
+      </p:ext>
+    </p:extLst>
+  </p:cSld>
+  <p:clrMapOvr>
+    <a:masterClrMapping/>
+  </p:clrMapOvr>
+</p:sld>
+</file>
+
+<file path=ppt/slides/slide12.xml><?xml version="1.0" encoding="utf-8"?>
+<p:sld xmlns:a="http://schemas.openxmlformats.org/drawingml/2006/main" xmlns:r="http://schemas.openxmlformats.org/officeDocument/2006/relationships" xmlns:p="http://schemas.openxmlformats.org/presentationml/2006/main">
+  <p:cSld>
+    <p:spTree>
+      <p:nvGrpSpPr>
+        <p:cNvPr id="1" name=""/>
+        <p:cNvGrpSpPr/>
+        <p:nvPr/>
+      </p:nvGrpSpPr>
+      <p:grpSpPr>
+        <a:xfrm>
+          <a:off x="0" y="0"/>
+          <a:ext cx="0" cy="0"/>
+          <a:chOff x="0" y="0"/>
+          <a:chExt cx="0" cy="0"/>
+        </a:xfrm>
+      </p:grpSpPr>
+      <p:sp>
+        <p:nvSpPr>
+          <p:cNvPr id="2" name="Title 1"/>
+          <p:cNvSpPr>
+            <a:spLocks noGrp="1"/>
+          </p:cNvSpPr>
+          <p:nvPr>
+            <p:ph type="title"/>
+          </p:nvPr>
+        </p:nvSpPr>
+        <p:spPr/>
+        <p:txBody>
+          <a:bodyPr/>
+          <a:lstStyle/>
+          <a:p>
+            <a:r>
+              <a:rPr lang="en-US" dirty="0" smtClean="0"/>
+              <a:t>Where we’re going</a:t>
+            </a:r>
+            <a:endParaRPr lang="en-US" dirty="0"/>
+          </a:p>
+        </p:txBody>
+      </p:sp>
+      <p:sp>
+        <p:nvSpPr>
+          <p:cNvPr id="3" name="Text Placeholder 2"/>
+          <p:cNvSpPr>
+            <a:spLocks noGrp="1"/>
+          </p:cNvSpPr>
+          <p:nvPr>
+            <p:ph type="body" idx="1"/>
+          </p:nvPr>
+        </p:nvSpPr>
+        <p:spPr/>
+        <p:txBody>
+          <a:bodyPr/>
+          <a:lstStyle/>
+          <a:p>
+            <a:endParaRPr lang="en-US"/>
+          </a:p>
+        </p:txBody>
+      </p:sp>
+    </p:spTree>
+    <p:extLst>
+      <p:ext uri="{BB962C8B-B14F-4D97-AF65-F5344CB8AC3E}">
+        <p14:creationId xmlns:p14="http://schemas.microsoft.com/office/powerpoint/2010/main" val="4293721982"/>
+      </p:ext>
+    </p:extLst>
+  </p:cSld>
+  <p:clrMapOvr>
+    <a:masterClrMapping/>
+  </p:clrMapOvr>
+</p:sld>
+</file>
+
+<file path=ppt/slides/slide13.xml><?xml version="1.0" encoding="utf-8"?>
+<p:sld xmlns:a="http://schemas.openxmlformats.org/drawingml/2006/main" xmlns:r="http://schemas.openxmlformats.org/officeDocument/2006/relationships" xmlns:p="http://schemas.openxmlformats.org/presentationml/2006/main">
+  <p:cSld>
+    <p:spTree>
+      <p:nvGrpSpPr>
+        <p:cNvPr id="1" name=""/>
+        <p:cNvGrpSpPr/>
+        <p:nvPr/>
+      </p:nvGrpSpPr>
+      <p:grpSpPr>
+        <a:xfrm>
+          <a:off x="0" y="0"/>
+          <a:ext cx="0" cy="0"/>
+          <a:chOff x="0" y="0"/>
+          <a:chExt cx="0" cy="0"/>
+        </a:xfrm>
+      </p:grpSpPr>
+      <p:sp>
+        <p:nvSpPr>
+          <p:cNvPr id="2" name="Title 1"/>
+          <p:cNvSpPr>
+            <a:spLocks noGrp="1"/>
+          </p:cNvSpPr>
+          <p:nvPr>
+            <p:ph type="title"/>
+          </p:nvPr>
+        </p:nvSpPr>
+        <p:spPr/>
+        <p:txBody>
+          <a:bodyPr/>
+          <a:lstStyle/>
+          <a:p>
+            <a:r>
+              <a:rPr lang="en-US" dirty="0" smtClean="0"/>
+              <a:t>Goals for remainder of semester</a:t>
+            </a:r>
+            <a:endParaRPr lang="en-US" dirty="0"/>
+          </a:p>
+        </p:txBody>
+      </p:sp>
+      <p:sp>
+        <p:nvSpPr>
+          <p:cNvPr id="3" name="Content Placeholder 2"/>
+          <p:cNvSpPr>
+            <a:spLocks noGrp="1"/>
+          </p:cNvSpPr>
+          <p:nvPr>
+            <p:ph idx="1"/>
+          </p:nvPr>
+        </p:nvSpPr>
+        <p:spPr/>
+        <p:txBody>
+          <a:bodyPr/>
+          <a:lstStyle/>
+          <a:p>
+            <a:endParaRPr lang="en-US"/>
+          </a:p>
+        </p:txBody>
+      </p:sp>
+    </p:spTree>
+    <p:extLst>
+      <p:ext uri="{BB962C8B-B14F-4D97-AF65-F5344CB8AC3E}">
+        <p14:creationId xmlns:p14="http://schemas.microsoft.com/office/powerpoint/2010/main" val="1608571957"/>
+      </p:ext>
+    </p:extLst>
+  </p:cSld>
+  <p:clrMapOvr>
+    <a:masterClrMapping/>
+  </p:clrMapOvr>
 </p:sld>
 </file>
 
@@ -3094,19 +3397,33 @@
           <a:p>
             <a:r>
               <a:rPr lang="en-US" dirty="0" smtClean="0"/>
-              <a:t>What we’ve done (accomplishments)</a:t>
-            </a:r>
-          </a:p>
-          <a:p>
+              <a:t>The </a:t>
+            </a:r>
+            <a:r>
+              <a:rPr lang="en-US" dirty="0" err="1" smtClean="0"/>
+              <a:t>AMDeSS</a:t>
+            </a:r>
             <a:r>
               <a:rPr lang="en-US" dirty="0" smtClean="0"/>
-              <a:t>Where we are (in-progress tasks)</a:t>
+              <a:t> Concept</a:t>
             </a:r>
           </a:p>
           <a:p>
             <a:r>
               <a:rPr lang="en-US" dirty="0" smtClean="0"/>
-              <a:t>Where we’re going by the end of the semester (goals)</a:t>
+              <a:t>What we’ve accomplished so far</a:t>
+            </a:r>
+          </a:p>
+          <a:p>
+            <a:r>
+              <a:rPr lang="en-US" dirty="0" smtClean="0"/>
+              <a:t>What we’re working on now</a:t>
+            </a:r>
+          </a:p>
+          <a:p>
+            <a:r>
+              <a:rPr lang="en-US" dirty="0" smtClean="0"/>
+              <a:t>Goals for the remainder of the semester</a:t>
             </a:r>
             <a:endParaRPr lang="en-US" dirty="0"/>
           </a:p>
@@ -3122,6 +3439,13 @@
   <p:clrMapOvr>
     <a:masterClrMapping/>
   </p:clrMapOvr>
+  <p:timing>
+    <p:tnLst>
+      <p:par>
+        <p:cTn id="1" dur="indefinite" restart="never" nodeType="tmRoot"/>
+      </p:par>
+    </p:tnLst>
+  </p:timing>
 </p:sld>
 </file>
 
@@ -3159,7 +3483,15 @@
           <a:p>
             <a:r>
               <a:rPr lang="en-US" dirty="0" smtClean="0"/>
-              <a:t>What we’ve done so far</a:t>
+              <a:t>The </a:t>
+            </a:r>
+            <a:r>
+              <a:rPr lang="en-US" dirty="0" err="1" smtClean="0"/>
+              <a:t>AMDeSS</a:t>
+            </a:r>
+            <a:r>
+              <a:rPr lang="en-US" dirty="0" smtClean="0"/>
+              <a:t> Concept</a:t>
             </a:r>
             <a:endParaRPr lang="en-US" dirty="0"/>
           </a:p>
@@ -3167,156 +3499,40 @@
       </p:sp>
       <p:sp>
         <p:nvSpPr>
-          <p:cNvPr id="3" name="Content Placeholder 2"/>
-          <p:cNvSpPr>
-            <a:spLocks noGrp="1"/>
-          </p:cNvSpPr>
-          <p:nvPr>
-            <p:ph idx="1"/>
-          </p:nvPr>
-        </p:nvSpPr>
-        <p:spPr/>
-        <p:txBody>
-          <a:bodyPr>
-            <a:normAutofit fontScale="62500" lnSpcReduction="20000"/>
-          </a:bodyPr>
-          <a:lstStyle/>
-          <a:p>
-            <a:r>
-              <a:rPr lang="en-US" dirty="0" smtClean="0"/>
-              <a:t>Started with the </a:t>
-            </a:r>
-            <a:r>
-              <a:rPr lang="en-US" dirty="0" err="1" smtClean="0"/>
-              <a:t>Jovanov</a:t>
-            </a:r>
-            <a:r>
-              <a:rPr lang="en-US" dirty="0" smtClean="0"/>
-              <a:t> development board (JDB)</a:t>
-            </a:r>
-          </a:p>
-          <a:p>
-            <a:pPr lvl="1"/>
-            <a:r>
-              <a:rPr lang="en-US" dirty="0" smtClean="0"/>
-              <a:t>Attempted Bluetooth connection – device recognized on Laird app</a:t>
-            </a:r>
-          </a:p>
-          <a:p>
-            <a:pPr lvl="1"/>
-            <a:r>
-              <a:rPr lang="en-US" dirty="0" smtClean="0"/>
-              <a:t>Considered trying to program over UART through Teensy board (bad idea)</a:t>
-            </a:r>
-          </a:p>
-          <a:p>
-            <a:pPr lvl="1"/>
-            <a:r>
-              <a:rPr lang="en-US" dirty="0" smtClean="0"/>
-              <a:t>Realized we did not have a way to determine whether or not OTA programming attempts were successful.</a:t>
-            </a:r>
-          </a:p>
-          <a:p>
-            <a:pPr lvl="1"/>
-            <a:r>
-              <a:rPr lang="en-US" dirty="0" smtClean="0"/>
-              <a:t>Decided we needed to start with the Laird development board and then move to OTA programming later</a:t>
-            </a:r>
-          </a:p>
-          <a:p>
-            <a:r>
-              <a:rPr lang="en-US" dirty="0" smtClean="0"/>
-              <a:t>Obtained the Laird development board for the BL600 module</a:t>
-            </a:r>
-          </a:p>
-          <a:p>
-            <a:r>
-              <a:rPr lang="en-US" dirty="0" smtClean="0"/>
-              <a:t>Started learning the Android environment for the smartphone app</a:t>
-            </a:r>
-          </a:p>
-          <a:p>
-            <a:r>
-              <a:rPr lang="en-US" dirty="0" smtClean="0"/>
-              <a:t>Started learning the </a:t>
-            </a:r>
-            <a:r>
-              <a:rPr lang="en-US" dirty="0" err="1" smtClean="0"/>
-              <a:t>smartBASIC</a:t>
-            </a:r>
-            <a:r>
-              <a:rPr lang="en-US" dirty="0" smtClean="0"/>
-              <a:t> language and APIs for the BL600</a:t>
-            </a:r>
-          </a:p>
-          <a:p>
-            <a:r>
-              <a:rPr lang="en-US" dirty="0" smtClean="0"/>
-              <a:t>Developed state diagrams for the sensor device and the smartphone</a:t>
-            </a:r>
-          </a:p>
-          <a:p>
-            <a:r>
-              <a:rPr lang="en-US" dirty="0" smtClean="0"/>
-              <a:t>Learned the basics of BLE communication</a:t>
-            </a:r>
-          </a:p>
-          <a:p>
-            <a:pPr lvl="1"/>
-            <a:r>
-              <a:rPr lang="en-US" dirty="0" smtClean="0"/>
-              <a:t>General protocol overview</a:t>
-            </a:r>
-          </a:p>
-          <a:p>
-            <a:pPr lvl="1"/>
-            <a:r>
-              <a:rPr lang="en-US" dirty="0" smtClean="0"/>
-              <a:t>Android BLE API</a:t>
-            </a:r>
-          </a:p>
-          <a:p>
-            <a:pPr lvl="1"/>
-            <a:r>
-              <a:rPr lang="en-US" dirty="0" err="1" smtClean="0"/>
-              <a:t>smartBASIC</a:t>
-            </a:r>
-            <a:r>
-              <a:rPr lang="en-US" dirty="0" smtClean="0"/>
-              <a:t> BLE API</a:t>
-            </a:r>
-          </a:p>
-          <a:p>
-            <a:pPr lvl="1"/>
-            <a:r>
-              <a:rPr lang="en-US" dirty="0" smtClean="0"/>
-              <a:t>Pairing vs. bonding</a:t>
-            </a:r>
-          </a:p>
-          <a:p>
-            <a:r>
-              <a:rPr lang="en-US" dirty="0" smtClean="0"/>
-              <a:t>Successfully advertised over BLE from BL600 to smartphone</a:t>
-            </a:r>
-          </a:p>
-          <a:p>
-            <a:r>
-              <a:rPr lang="en-US" dirty="0" smtClean="0"/>
-              <a:t>Successfully paired BL600 with smartphone</a:t>
-            </a:r>
+          <p:cNvPr id="3" name="Text Placeholder 2"/>
+          <p:cNvSpPr>
+            <a:spLocks noGrp="1"/>
+          </p:cNvSpPr>
+          <p:nvPr>
+            <p:ph type="body" idx="1"/>
+          </p:nvPr>
+        </p:nvSpPr>
+        <p:spPr/>
+        <p:txBody>
+          <a:bodyPr/>
+          <a:lstStyle/>
+          <a:p>
+            <a:endParaRPr lang="en-US"/>
           </a:p>
         </p:txBody>
       </p:sp>
     </p:spTree>
     <p:extLst>
       <p:ext uri="{BB962C8B-B14F-4D97-AF65-F5344CB8AC3E}">
-        <p14:creationId xmlns:p14="http://schemas.microsoft.com/office/powerpoint/2010/main" val="3562797837"/>
+        <p14:creationId xmlns:p14="http://schemas.microsoft.com/office/powerpoint/2010/main" val="1172724699"/>
       </p:ext>
     </p:extLst>
   </p:cSld>
   <p:clrMapOvr>
     <a:masterClrMapping/>
   </p:clrMapOvr>
+  <p:timing>
+    <p:tnLst>
+      <p:par>
+        <p:cTn id="1" dur="indefinite" restart="never" nodeType="tmRoot"/>
+      </p:par>
+    </p:tnLst>
+  </p:timing>
 </p:sld>
 </file>
 
@@ -3347,6 +3563,610 @@
             <p:ph type="title"/>
           </p:nvPr>
         </p:nvSpPr>
+        <p:spPr/>
+        <p:txBody>
+          <a:bodyPr/>
+          <a:lstStyle/>
+          <a:p>
+            <a:r>
+              <a:rPr lang="en-US" dirty="0" err="1" smtClean="0"/>
+              <a:t>AMDeSS</a:t>
+            </a:r>
+            <a:r>
+              <a:rPr lang="en-US" dirty="0" smtClean="0"/>
+              <a:t> Concept Summary</a:t>
+            </a:r>
+            <a:endParaRPr lang="en-US" dirty="0"/>
+          </a:p>
+        </p:txBody>
+      </p:sp>
+      <p:sp>
+        <p:nvSpPr>
+          <p:cNvPr id="3" name="Content Placeholder 2"/>
+          <p:cNvSpPr>
+            <a:spLocks noGrp="1"/>
+          </p:cNvSpPr>
+          <p:nvPr>
+            <p:ph idx="1"/>
+          </p:nvPr>
+        </p:nvSpPr>
+        <p:spPr/>
+        <p:txBody>
+          <a:bodyPr/>
+          <a:lstStyle/>
+          <a:p>
+            <a:pPr marL="0" indent="0">
+              <a:buNone/>
+            </a:pPr>
+            <a:r>
+              <a:rPr lang="en-US" dirty="0" err="1" smtClean="0"/>
+              <a:t>AMDeSS</a:t>
+            </a:r>
+            <a:r>
+              <a:rPr lang="en-US" dirty="0" smtClean="0"/>
+              <a:t> is a physically attachable, motion-detecting security module that the user can interact with via a smartphone application.</a:t>
+            </a:r>
+            <a:endParaRPr lang="en-US" dirty="0"/>
+          </a:p>
+        </p:txBody>
+      </p:sp>
+    </p:spTree>
+    <p:extLst>
+      <p:ext uri="{BB962C8B-B14F-4D97-AF65-F5344CB8AC3E}">
+        <p14:creationId xmlns:p14="http://schemas.microsoft.com/office/powerpoint/2010/main" val="3914706799"/>
+      </p:ext>
+    </p:extLst>
+  </p:cSld>
+  <p:clrMapOvr>
+    <a:masterClrMapping/>
+  </p:clrMapOvr>
+  <p:timing>
+    <p:tnLst>
+      <p:par>
+        <p:cTn id="1" dur="indefinite" restart="never" nodeType="tmRoot"/>
+      </p:par>
+    </p:tnLst>
+  </p:timing>
+</p:sld>
+</file>
+
+<file path=ppt/slides/slide5.xml><?xml version="1.0" encoding="utf-8"?>
+<p:sld xmlns:a="http://schemas.openxmlformats.org/drawingml/2006/main" xmlns:r="http://schemas.openxmlformats.org/officeDocument/2006/relationships" xmlns:p="http://schemas.openxmlformats.org/presentationml/2006/main">
+  <p:cSld>
+    <p:spTree>
+      <p:nvGrpSpPr>
+        <p:cNvPr id="1" name=""/>
+        <p:cNvGrpSpPr/>
+        <p:nvPr/>
+      </p:nvGrpSpPr>
+      <p:grpSpPr>
+        <a:xfrm>
+          <a:off x="0" y="0"/>
+          <a:ext cx="0" cy="0"/>
+          <a:chOff x="0" y="0"/>
+          <a:chExt cx="0" cy="0"/>
+        </a:xfrm>
+      </p:grpSpPr>
+      <p:sp>
+        <p:nvSpPr>
+          <p:cNvPr id="2" name="Title 1"/>
+          <p:cNvSpPr>
+            <a:spLocks noGrp="1"/>
+          </p:cNvSpPr>
+          <p:nvPr>
+            <p:ph type="title"/>
+          </p:nvPr>
+        </p:nvSpPr>
+        <p:spPr/>
+        <p:txBody>
+          <a:bodyPr/>
+          <a:lstStyle/>
+          <a:p>
+            <a:r>
+              <a:rPr lang="en-US" dirty="0" err="1" smtClean="0"/>
+              <a:t>AMDeSS</a:t>
+            </a:r>
+            <a:r>
+              <a:rPr lang="en-US" dirty="0" smtClean="0"/>
+              <a:t> Use Case</a:t>
+            </a:r>
+            <a:endParaRPr lang="en-US" dirty="0"/>
+          </a:p>
+        </p:txBody>
+      </p:sp>
+      <p:sp>
+        <p:nvSpPr>
+          <p:cNvPr id="3" name="Content Placeholder 2"/>
+          <p:cNvSpPr>
+            <a:spLocks noGrp="1"/>
+          </p:cNvSpPr>
+          <p:nvPr>
+            <p:ph idx="1"/>
+          </p:nvPr>
+        </p:nvSpPr>
+        <p:spPr/>
+        <p:txBody>
+          <a:bodyPr>
+            <a:normAutofit fontScale="92500"/>
+          </a:bodyPr>
+          <a:lstStyle/>
+          <a:p>
+            <a:pPr marL="514350" indent="-514350">
+              <a:buFont typeface="+mj-lt"/>
+              <a:buAutoNum type="arabicPeriod"/>
+            </a:pPr>
+            <a:r>
+              <a:rPr lang="en-US" dirty="0" smtClean="0"/>
+              <a:t>User configures </a:t>
+            </a:r>
+            <a:r>
+              <a:rPr lang="en-US" dirty="0" err="1" smtClean="0"/>
+              <a:t>AMDeSS</a:t>
+            </a:r>
+            <a:r>
+              <a:rPr lang="en-US" dirty="0" smtClean="0"/>
+              <a:t> device via smartphone app</a:t>
+            </a:r>
+          </a:p>
+          <a:p>
+            <a:pPr marL="514350" indent="-514350">
+              <a:buFont typeface="+mj-lt"/>
+              <a:buAutoNum type="arabicPeriod"/>
+            </a:pPr>
+            <a:r>
+              <a:rPr lang="en-US" dirty="0" smtClean="0"/>
+              <a:t>User attaches </a:t>
+            </a:r>
+            <a:r>
+              <a:rPr lang="en-US" dirty="0" err="1" smtClean="0"/>
+              <a:t>AMDeSS</a:t>
+            </a:r>
+            <a:r>
+              <a:rPr lang="en-US" dirty="0" smtClean="0"/>
+              <a:t> device in desired location (on door, window, etc.)</a:t>
+            </a:r>
+          </a:p>
+          <a:p>
+            <a:pPr marL="514350" indent="-514350">
+              <a:buFont typeface="+mj-lt"/>
+              <a:buAutoNum type="arabicPeriod"/>
+            </a:pPr>
+            <a:r>
+              <a:rPr lang="en-US" dirty="0" smtClean="0"/>
+              <a:t>User arms the </a:t>
+            </a:r>
+            <a:r>
+              <a:rPr lang="en-US" dirty="0" err="1" smtClean="0"/>
+              <a:t>AMDeSS</a:t>
+            </a:r>
+            <a:r>
+              <a:rPr lang="en-US" dirty="0" smtClean="0"/>
+              <a:t> device from smartphone app</a:t>
+            </a:r>
+          </a:p>
+          <a:p>
+            <a:pPr marL="514350" indent="-514350">
+              <a:buFont typeface="+mj-lt"/>
+              <a:buAutoNum type="arabicPeriod"/>
+            </a:pPr>
+            <a:r>
+              <a:rPr lang="en-US" dirty="0" smtClean="0"/>
+              <a:t>When </a:t>
+            </a:r>
+            <a:r>
+              <a:rPr lang="en-US" dirty="0" err="1" smtClean="0"/>
+              <a:t>AMDeSS</a:t>
+            </a:r>
+            <a:r>
+              <a:rPr lang="en-US" dirty="0" smtClean="0"/>
+              <a:t> device is physically displaced, an alert is sent to the smartphone app and the user is notified</a:t>
+            </a:r>
+          </a:p>
+          <a:p>
+            <a:pPr marL="514350" indent="-514350">
+              <a:buFont typeface="+mj-lt"/>
+              <a:buAutoNum type="arabicPeriod"/>
+            </a:pPr>
+            <a:r>
+              <a:rPr lang="en-US" dirty="0" smtClean="0"/>
+              <a:t>User acknowledges the alert/disarms the </a:t>
+            </a:r>
+            <a:r>
+              <a:rPr lang="en-US" dirty="0" err="1" smtClean="0"/>
+              <a:t>AMDeSS</a:t>
+            </a:r>
+            <a:r>
+              <a:rPr lang="en-US" dirty="0" smtClean="0"/>
+              <a:t> device</a:t>
+            </a:r>
+            <a:endParaRPr lang="en-US" dirty="0" smtClean="0"/>
+          </a:p>
+          <a:p>
+            <a:pPr marL="514350" indent="-514350">
+              <a:buFont typeface="+mj-lt"/>
+              <a:buAutoNum type="arabicPeriod"/>
+            </a:pPr>
+            <a:r>
+              <a:rPr lang="en-US" dirty="0" smtClean="0"/>
+              <a:t>User takes appropriate action at his discretion</a:t>
+            </a:r>
+          </a:p>
+          <a:p>
+            <a:pPr marL="971550" lvl="1" indent="-514350">
+              <a:buFont typeface="+mj-lt"/>
+              <a:buAutoNum type="alphaLcPeriod"/>
+            </a:pPr>
+            <a:r>
+              <a:rPr lang="en-US" dirty="0" smtClean="0"/>
+              <a:t>Ignore alert and re-arm device</a:t>
+            </a:r>
+          </a:p>
+          <a:p>
+            <a:pPr marL="971550" lvl="1" indent="-514350">
+              <a:buFont typeface="+mj-lt"/>
+              <a:buAutoNum type="alphaLcPeriod"/>
+            </a:pPr>
+            <a:r>
+              <a:rPr lang="en-US" dirty="0" smtClean="0"/>
+              <a:t>Command </a:t>
+            </a:r>
+            <a:r>
+              <a:rPr lang="en-US" dirty="0" err="1" smtClean="0"/>
+              <a:t>AMDeSS</a:t>
+            </a:r>
+            <a:r>
+              <a:rPr lang="en-US" dirty="0" smtClean="0"/>
+              <a:t> device to panic</a:t>
+            </a:r>
+          </a:p>
+          <a:p>
+            <a:pPr marL="971550" lvl="1" indent="-514350">
+              <a:buFont typeface="+mj-lt"/>
+              <a:buAutoNum type="alphaLcPeriod"/>
+            </a:pPr>
+            <a:r>
+              <a:rPr lang="en-US" dirty="0" smtClean="0"/>
+              <a:t>Silence </a:t>
+            </a:r>
+            <a:r>
+              <a:rPr lang="en-US" dirty="0" err="1" smtClean="0"/>
+              <a:t>AMDeSS</a:t>
+            </a:r>
+            <a:r>
+              <a:rPr lang="en-US" dirty="0" smtClean="0"/>
+              <a:t> device (if already in panic mode)</a:t>
+            </a:r>
+          </a:p>
+        </p:txBody>
+      </p:sp>
+    </p:spTree>
+    <p:extLst>
+      <p:ext uri="{BB962C8B-B14F-4D97-AF65-F5344CB8AC3E}">
+        <p14:creationId xmlns:p14="http://schemas.microsoft.com/office/powerpoint/2010/main" val="2502472449"/>
+      </p:ext>
+    </p:extLst>
+  </p:cSld>
+  <p:clrMapOvr>
+    <a:masterClrMapping/>
+  </p:clrMapOvr>
+  <p:timing>
+    <p:tnLst>
+      <p:par>
+        <p:cTn id="1" dur="indefinite" restart="never" nodeType="tmRoot"/>
+      </p:par>
+    </p:tnLst>
+  </p:timing>
+</p:sld>
+</file>
+
+<file path=ppt/slides/slide6.xml><?xml version="1.0" encoding="utf-8"?>
+<p:sld xmlns:a="http://schemas.openxmlformats.org/drawingml/2006/main" xmlns:r="http://schemas.openxmlformats.org/officeDocument/2006/relationships" xmlns:p="http://schemas.openxmlformats.org/presentationml/2006/main">
+  <p:cSld>
+    <p:spTree>
+      <p:nvGrpSpPr>
+        <p:cNvPr id="1" name=""/>
+        <p:cNvGrpSpPr/>
+        <p:nvPr/>
+      </p:nvGrpSpPr>
+      <p:grpSpPr>
+        <a:xfrm>
+          <a:off x="0" y="0"/>
+          <a:ext cx="0" cy="0"/>
+          <a:chOff x="0" y="0"/>
+          <a:chExt cx="0" cy="0"/>
+        </a:xfrm>
+      </p:grpSpPr>
+      <p:sp>
+        <p:nvSpPr>
+          <p:cNvPr id="2" name="Title 1"/>
+          <p:cNvSpPr>
+            <a:spLocks noGrp="1"/>
+          </p:cNvSpPr>
+          <p:nvPr>
+            <p:ph type="title"/>
+          </p:nvPr>
+        </p:nvSpPr>
+        <p:spPr/>
+        <p:txBody>
+          <a:bodyPr/>
+          <a:lstStyle/>
+          <a:p>
+            <a:r>
+              <a:rPr lang="en-US" dirty="0" smtClean="0"/>
+              <a:t>What we’ve done so far</a:t>
+            </a:r>
+            <a:endParaRPr lang="en-US" dirty="0"/>
+          </a:p>
+        </p:txBody>
+      </p:sp>
+      <p:sp>
+        <p:nvSpPr>
+          <p:cNvPr id="3" name="Text Placeholder 2"/>
+          <p:cNvSpPr>
+            <a:spLocks noGrp="1"/>
+          </p:cNvSpPr>
+          <p:nvPr>
+            <p:ph type="body" idx="1"/>
+          </p:nvPr>
+        </p:nvSpPr>
+        <p:spPr/>
+        <p:txBody>
+          <a:bodyPr/>
+          <a:lstStyle/>
+          <a:p>
+            <a:endParaRPr lang="en-US"/>
+          </a:p>
+        </p:txBody>
+      </p:sp>
+    </p:spTree>
+    <p:extLst>
+      <p:ext uri="{BB962C8B-B14F-4D97-AF65-F5344CB8AC3E}">
+        <p14:creationId xmlns:p14="http://schemas.microsoft.com/office/powerpoint/2010/main" val="1331718950"/>
+      </p:ext>
+    </p:extLst>
+  </p:cSld>
+  <p:clrMapOvr>
+    <a:masterClrMapping/>
+  </p:clrMapOvr>
+  <p:timing>
+    <p:tnLst>
+      <p:par>
+        <p:cTn id="1" dur="indefinite" restart="never" nodeType="tmRoot"/>
+      </p:par>
+    </p:tnLst>
+  </p:timing>
+</p:sld>
+</file>
+
+<file path=ppt/slides/slide7.xml><?xml version="1.0" encoding="utf-8"?>
+<p:sld xmlns:a="http://schemas.openxmlformats.org/drawingml/2006/main" xmlns:r="http://schemas.openxmlformats.org/officeDocument/2006/relationships" xmlns:p="http://schemas.openxmlformats.org/presentationml/2006/main">
+  <p:cSld>
+    <p:spTree>
+      <p:nvGrpSpPr>
+        <p:cNvPr id="1" name=""/>
+        <p:cNvGrpSpPr/>
+        <p:nvPr/>
+      </p:nvGrpSpPr>
+      <p:grpSpPr>
+        <a:xfrm>
+          <a:off x="0" y="0"/>
+          <a:ext cx="0" cy="0"/>
+          <a:chOff x="0" y="0"/>
+          <a:chExt cx="0" cy="0"/>
+        </a:xfrm>
+      </p:grpSpPr>
+      <p:sp>
+        <p:nvSpPr>
+          <p:cNvPr id="2" name="Title 1"/>
+          <p:cNvSpPr>
+            <a:spLocks noGrp="1"/>
+          </p:cNvSpPr>
+          <p:nvPr>
+            <p:ph type="title"/>
+          </p:nvPr>
+        </p:nvSpPr>
+        <p:spPr/>
+        <p:txBody>
+          <a:bodyPr/>
+          <a:lstStyle/>
+          <a:p>
+            <a:r>
+              <a:rPr lang="en-US" dirty="0" smtClean="0"/>
+              <a:t>Accomplishments</a:t>
+            </a:r>
+            <a:endParaRPr lang="en-US" dirty="0"/>
+          </a:p>
+        </p:txBody>
+      </p:sp>
+      <p:sp>
+        <p:nvSpPr>
+          <p:cNvPr id="3" name="Content Placeholder 2"/>
+          <p:cNvSpPr>
+            <a:spLocks noGrp="1"/>
+          </p:cNvSpPr>
+          <p:nvPr>
+            <p:ph idx="1"/>
+          </p:nvPr>
+        </p:nvSpPr>
+        <p:spPr/>
+        <p:txBody>
+          <a:bodyPr>
+            <a:normAutofit fontScale="62500" lnSpcReduction="20000"/>
+          </a:bodyPr>
+          <a:lstStyle/>
+          <a:p>
+            <a:r>
+              <a:rPr lang="en-US" dirty="0" smtClean="0"/>
+              <a:t>Started with the </a:t>
+            </a:r>
+            <a:r>
+              <a:rPr lang="en-US" dirty="0" err="1" smtClean="0"/>
+              <a:t>Jovanov</a:t>
+            </a:r>
+            <a:r>
+              <a:rPr lang="en-US" dirty="0" smtClean="0"/>
+              <a:t> development board (JDB)</a:t>
+            </a:r>
+          </a:p>
+          <a:p>
+            <a:pPr lvl="1"/>
+            <a:r>
+              <a:rPr lang="en-US" dirty="0" smtClean="0"/>
+              <a:t>Attempted Bluetooth connection – device recognized on Laird app</a:t>
+            </a:r>
+          </a:p>
+          <a:p>
+            <a:pPr lvl="1"/>
+            <a:r>
+              <a:rPr lang="en-US" dirty="0" smtClean="0"/>
+              <a:t>Considered trying to program over UART through Teensy board (bad idea)</a:t>
+            </a:r>
+          </a:p>
+          <a:p>
+            <a:pPr lvl="1"/>
+            <a:r>
+              <a:rPr lang="en-US" dirty="0" smtClean="0"/>
+              <a:t>Realized we did not have a way to determine whether or not OTA programming attempts were successful.</a:t>
+            </a:r>
+          </a:p>
+          <a:p>
+            <a:pPr lvl="1"/>
+            <a:r>
+              <a:rPr lang="en-US" dirty="0" smtClean="0"/>
+              <a:t>Decided we needed to start with the Laird development board and then move to OTA programming later</a:t>
+            </a:r>
+          </a:p>
+          <a:p>
+            <a:r>
+              <a:rPr lang="en-US" dirty="0" smtClean="0"/>
+              <a:t>Obtained the Laird development board for the BL600 module</a:t>
+            </a:r>
+          </a:p>
+          <a:p>
+            <a:r>
+              <a:rPr lang="en-US" dirty="0" smtClean="0"/>
+              <a:t>Started learning the Android environment for the smartphone app</a:t>
+            </a:r>
+          </a:p>
+          <a:p>
+            <a:r>
+              <a:rPr lang="en-US" dirty="0" smtClean="0"/>
+              <a:t>Started learning the </a:t>
+            </a:r>
+            <a:r>
+              <a:rPr lang="en-US" dirty="0" err="1" smtClean="0"/>
+              <a:t>smartBASIC</a:t>
+            </a:r>
+            <a:r>
+              <a:rPr lang="en-US" dirty="0" smtClean="0"/>
+              <a:t> language and APIs for the BL600</a:t>
+            </a:r>
+          </a:p>
+          <a:p>
+            <a:r>
+              <a:rPr lang="en-US" dirty="0" smtClean="0"/>
+              <a:t>Developed state diagrams for the sensor device and the smartphone</a:t>
+            </a:r>
+          </a:p>
+          <a:p>
+            <a:r>
+              <a:rPr lang="en-US" dirty="0" smtClean="0"/>
+              <a:t>Learned the basics of BLE communication</a:t>
+            </a:r>
+          </a:p>
+          <a:p>
+            <a:pPr lvl="1"/>
+            <a:r>
+              <a:rPr lang="en-US" dirty="0" smtClean="0"/>
+              <a:t>General protocol overview</a:t>
+            </a:r>
+          </a:p>
+          <a:p>
+            <a:pPr lvl="1"/>
+            <a:r>
+              <a:rPr lang="en-US" dirty="0" smtClean="0"/>
+              <a:t>Android BLE API</a:t>
+            </a:r>
+          </a:p>
+          <a:p>
+            <a:pPr lvl="1"/>
+            <a:r>
+              <a:rPr lang="en-US" dirty="0" err="1" smtClean="0"/>
+              <a:t>smartBASIC</a:t>
+            </a:r>
+            <a:r>
+              <a:rPr lang="en-US" dirty="0" smtClean="0"/>
+              <a:t> BLE API</a:t>
+            </a:r>
+          </a:p>
+          <a:p>
+            <a:pPr lvl="1"/>
+            <a:r>
+              <a:rPr lang="en-US" dirty="0" smtClean="0"/>
+              <a:t>Pairing vs. bonding</a:t>
+            </a:r>
+          </a:p>
+          <a:p>
+            <a:r>
+              <a:rPr lang="en-US" dirty="0" smtClean="0"/>
+              <a:t>Successfully advertised over BLE from BL600 to smartphone</a:t>
+            </a:r>
+          </a:p>
+          <a:p>
+            <a:r>
+              <a:rPr lang="en-US" dirty="0" smtClean="0"/>
+              <a:t>Successfully paired BL600 with smartphone</a:t>
+            </a:r>
+          </a:p>
+        </p:txBody>
+      </p:sp>
+    </p:spTree>
+    <p:extLst>
+      <p:ext uri="{BB962C8B-B14F-4D97-AF65-F5344CB8AC3E}">
+        <p14:creationId xmlns:p14="http://schemas.microsoft.com/office/powerpoint/2010/main" val="3562797837"/>
+      </p:ext>
+    </p:extLst>
+  </p:cSld>
+  <p:clrMapOvr>
+    <a:masterClrMapping/>
+  </p:clrMapOvr>
+  <p:timing>
+    <p:tnLst>
+      <p:par>
+        <p:cTn id="1" dur="indefinite" restart="never" nodeType="tmRoot"/>
+      </p:par>
+    </p:tnLst>
+  </p:timing>
+</p:sld>
+</file>
+
+<file path=ppt/slides/slide8.xml><?xml version="1.0" encoding="utf-8"?>
+<p:sld xmlns:a="http://schemas.openxmlformats.org/drawingml/2006/main" xmlns:r="http://schemas.openxmlformats.org/officeDocument/2006/relationships" xmlns:p="http://schemas.openxmlformats.org/presentationml/2006/main">
+  <p:cSld>
+    <p:spTree>
+      <p:nvGrpSpPr>
+        <p:cNvPr id="1" name=""/>
+        <p:cNvGrpSpPr/>
+        <p:nvPr/>
+      </p:nvGrpSpPr>
+      <p:grpSpPr>
+        <a:xfrm>
+          <a:off x="0" y="0"/>
+          <a:ext cx="0" cy="0"/>
+          <a:chOff x="0" y="0"/>
+          <a:chExt cx="0" cy="0"/>
+        </a:xfrm>
+      </p:grpSpPr>
+      <p:sp>
+        <p:nvSpPr>
+          <p:cNvPr id="2" name="Title 1"/>
+          <p:cNvSpPr>
+            <a:spLocks noGrp="1"/>
+          </p:cNvSpPr>
+          <p:nvPr>
+            <p:ph type="title"/>
+          </p:nvPr>
+        </p:nvSpPr>
         <p:spPr>
           <a:solidFill>
             <a:srgbClr val="FFFF00"/>
@@ -3393,10 +4213,17 @@
   <p:clrMapOvr>
     <a:masterClrMapping/>
   </p:clrMapOvr>
+  <p:timing>
+    <p:tnLst>
+      <p:par>
+        <p:cTn id="1" dur="indefinite" restart="never" nodeType="tmRoot"/>
+      </p:par>
+    </p:tnLst>
+  </p:timing>
 </p:sld>
 </file>
 
-<file path=ppt/slides/slide5.xml><?xml version="1.0" encoding="utf-8"?>
+<file path=ppt/slides/slide9.xml><?xml version="1.0" encoding="utf-8"?>
 <p:sld xmlns:a="http://schemas.openxmlformats.org/drawingml/2006/main" xmlns:r="http://schemas.openxmlformats.org/officeDocument/2006/relationships" xmlns:p="http://schemas.openxmlformats.org/presentationml/2006/main">
   <p:cSld>
     <p:spTree>
@@ -4781,6 +5608,13 @@
   <p:clrMapOvr>
     <a:masterClrMapping/>
   </p:clrMapOvr>
+  <p:timing>
+    <p:tnLst>
+      <p:par>
+        <p:cTn id="1" dur="indefinite" restart="never" nodeType="tmRoot"/>
+      </p:par>
+    </p:tnLst>
+  </p:timing>
 </p:sld>
 </file>
 

--- a/docs/AMDeSS_MidtermProgressReport.pptx
+++ b/docs/AMDeSS_MidtermProgressReport.pptx
@@ -18,6 +18,7 @@
     <p:sldId id="266" r:id="rId12"/>
     <p:sldId id="267" r:id="rId13"/>
     <p:sldId id="268" r:id="rId14"/>
+    <p:sldId id="269" r:id="rId15"/>
   </p:sldIdLst>
   <p:sldSz cx="12192000" cy="6858000"/>
   <p:notesSz cx="6858000" cy="9144000"/>
@@ -3119,6 +3120,13 @@
   <p:clrMapOvr>
     <a:masterClrMapping/>
   </p:clrMapOvr>
+  <p:timing>
+    <p:tnLst>
+      <p:par>
+        <p:cTn id="1" dur="indefinite" restart="never" nodeType="tmRoot"/>
+      </p:par>
+    </p:tnLst>
+  </p:timing>
 </p:sld>
 </file>
 
@@ -3156,7 +3164,7 @@
           <a:p>
             <a:r>
               <a:rPr lang="en-US" dirty="0" smtClean="0"/>
-              <a:t>Tasks In Progress</a:t>
+              <a:t>Tasks In Progress/Next Steps</a:t>
             </a:r>
             <a:endParaRPr lang="en-US" dirty="0"/>
           </a:p>
@@ -3177,6 +3185,28 @@
           <a:bodyPr/>
           <a:lstStyle/>
           <a:p>
+            <a:r>
+              <a:rPr lang="en-US" dirty="0" smtClean="0"/>
+              <a:t>Get BL600 and smartphone communicating via BLE profiles/services</a:t>
+            </a:r>
+          </a:p>
+          <a:p>
+            <a:r>
+              <a:rPr lang="en-US" dirty="0" smtClean="0"/>
+              <a:t>Define the set of BLE services that will be used when operating over BLE</a:t>
+            </a:r>
+          </a:p>
+          <a:p>
+            <a:r>
+              <a:rPr lang="en-US" dirty="0" smtClean="0"/>
+              <a:t>Implement app user interface</a:t>
+            </a:r>
+          </a:p>
+          <a:p>
+            <a:r>
+              <a:rPr lang="en-US" dirty="0" smtClean="0"/>
+              <a:t>Interface with accelerometer from BL600</a:t>
+            </a:r>
             <a:endParaRPr lang="en-US" dirty="0"/>
           </a:p>
         </p:txBody>
@@ -3191,6 +3221,13 @@
   <p:clrMapOvr>
     <a:masterClrMapping/>
   </p:clrMapOvr>
+  <p:timing>
+    <p:tnLst>
+      <p:par>
+        <p:cTn id="1" dur="indefinite" restart="never" nodeType="tmRoot"/>
+      </p:par>
+    </p:tnLst>
+  </p:timing>
 </p:sld>
 </file>
 
@@ -3263,6 +3300,13 @@
   <p:clrMapOvr>
     <a:masterClrMapping/>
   </p:clrMapOvr>
+  <p:timing>
+    <p:tnLst>
+      <p:par>
+        <p:cTn id="1" dur="indefinite" restart="never" nodeType="tmRoot"/>
+      </p:par>
+    </p:tnLst>
+  </p:timing>
 </p:sld>
 </file>
 
@@ -3321,7 +3365,42 @@
           <a:bodyPr/>
           <a:lstStyle/>
           <a:p>
-            <a:endParaRPr lang="en-US"/>
+            <a:r>
+              <a:rPr lang="en-US" dirty="0" smtClean="0"/>
+              <a:t>User can pair/bond with BL600 via smartphone (10/24)</a:t>
+            </a:r>
+          </a:p>
+          <a:p>
+            <a:r>
+              <a:rPr lang="en-US" dirty="0" smtClean="0"/>
+              <a:t>User can arm/disarm device (10/24)</a:t>
+            </a:r>
+          </a:p>
+          <a:p>
+            <a:r>
+              <a:rPr lang="en-US" dirty="0" smtClean="0"/>
+              <a:t>Get OTA programming working on Dr. </a:t>
+            </a:r>
+            <a:r>
+              <a:rPr lang="en-US" dirty="0" err="1" smtClean="0"/>
+              <a:t>Jovanov’s</a:t>
+            </a:r>
+            <a:r>
+              <a:rPr lang="en-US" dirty="0" smtClean="0"/>
+              <a:t> development board (11/1)</a:t>
+            </a:r>
+          </a:p>
+          <a:p>
+            <a:r>
+              <a:rPr lang="en-US" dirty="0" smtClean="0"/>
+              <a:t>User is notified when the BL600 detects motion (11/7)</a:t>
+            </a:r>
+          </a:p>
+          <a:p>
+            <a:endParaRPr lang="en-US" dirty="0" smtClean="0"/>
+          </a:p>
+          <a:p>
+            <a:endParaRPr lang="en-US" dirty="0"/>
           </a:p>
         </p:txBody>
       </p:sp>
@@ -3335,6 +3414,92 @@
   <p:clrMapOvr>
     <a:masterClrMapping/>
   </p:clrMapOvr>
+  <p:timing>
+    <p:tnLst>
+      <p:par>
+        <p:cTn id="1" dur="indefinite" restart="never" nodeType="tmRoot"/>
+      </p:par>
+    </p:tnLst>
+  </p:timing>
+</p:sld>
+</file>
+
+<file path=ppt/slides/slide14.xml><?xml version="1.0" encoding="utf-8"?>
+<p:sld xmlns:a="http://schemas.openxmlformats.org/drawingml/2006/main" xmlns:r="http://schemas.openxmlformats.org/officeDocument/2006/relationships" xmlns:p="http://schemas.openxmlformats.org/presentationml/2006/main">
+  <p:cSld>
+    <p:spTree>
+      <p:nvGrpSpPr>
+        <p:cNvPr id="1" name=""/>
+        <p:cNvGrpSpPr/>
+        <p:nvPr/>
+      </p:nvGrpSpPr>
+      <p:grpSpPr>
+        <a:xfrm>
+          <a:off x="0" y="0"/>
+          <a:ext cx="0" cy="0"/>
+          <a:chOff x="0" y="0"/>
+          <a:chExt cx="0" cy="0"/>
+        </a:xfrm>
+      </p:grpSpPr>
+      <p:sp>
+        <p:nvSpPr>
+          <p:cNvPr id="2" name="Title 1"/>
+          <p:cNvSpPr>
+            <a:spLocks noGrp="1"/>
+          </p:cNvSpPr>
+          <p:nvPr>
+            <p:ph type="title"/>
+          </p:nvPr>
+        </p:nvSpPr>
+        <p:spPr/>
+        <p:txBody>
+          <a:bodyPr/>
+          <a:lstStyle/>
+          <a:p>
+            <a:r>
+              <a:rPr lang="en-US" dirty="0" smtClean="0"/>
+              <a:t>Questions?</a:t>
+            </a:r>
+            <a:endParaRPr lang="en-US" dirty="0"/>
+          </a:p>
+        </p:txBody>
+      </p:sp>
+      <p:sp>
+        <p:nvSpPr>
+          <p:cNvPr id="3" name="Text Placeholder 2"/>
+          <p:cNvSpPr>
+            <a:spLocks noGrp="1"/>
+          </p:cNvSpPr>
+          <p:nvPr>
+            <p:ph type="body" idx="1"/>
+          </p:nvPr>
+        </p:nvSpPr>
+        <p:spPr/>
+        <p:txBody>
+          <a:bodyPr/>
+          <a:lstStyle/>
+          <a:p>
+            <a:endParaRPr lang="en-US" dirty="0"/>
+          </a:p>
+        </p:txBody>
+      </p:sp>
+    </p:spTree>
+    <p:extLst>
+      <p:ext uri="{BB962C8B-B14F-4D97-AF65-F5344CB8AC3E}">
+        <p14:creationId xmlns:p14="http://schemas.microsoft.com/office/powerpoint/2010/main" val="1449372450"/>
+      </p:ext>
+    </p:extLst>
+  </p:cSld>
+  <p:clrMapOvr>
+    <a:masterClrMapping/>
+  </p:clrMapOvr>
+  <p:timing>
+    <p:tnLst>
+      <p:par>
+        <p:cTn id="1" dur="indefinite" restart="never" nodeType="tmRoot"/>
+      </p:par>
+    </p:tnLst>
+  </p:timing>
 </p:sld>
 </file>
 
@@ -3997,15 +4162,15 @@
           <a:p>
             <a:r>
               <a:rPr lang="en-US" dirty="0" smtClean="0"/>
-              <a:t>Started with the </a:t>
+              <a:t>Started with Dr. </a:t>
             </a:r>
             <a:r>
               <a:rPr lang="en-US" dirty="0" err="1" smtClean="0"/>
-              <a:t>Jovanov</a:t>
-            </a:r>
-            <a:r>
-              <a:rPr lang="en-US" dirty="0" smtClean="0"/>
-              <a:t> development board (JDB)</a:t>
+              <a:t>Jovanov’s</a:t>
+            </a:r>
+            <a:r>
+              <a:rPr lang="en-US" dirty="0" smtClean="0"/>
+              <a:t> development board</a:t>
             </a:r>
           </a:p>
           <a:p>

--- a/docs/AMDeSS_MidtermProgressReport.pptx
+++ b/docs/AMDeSS_MidtermProgressReport.pptx
@@ -18,7 +18,8 @@
     <p:sldId id="266" r:id="rId12"/>
     <p:sldId id="267" r:id="rId13"/>
     <p:sldId id="268" r:id="rId14"/>
-    <p:sldId id="269" r:id="rId15"/>
+    <p:sldId id="270" r:id="rId15"/>
+    <p:sldId id="269" r:id="rId16"/>
   </p:sldIdLst>
   <p:sldSz cx="12192000" cy="6858000"/>
   <p:notesSz cx="6858000" cy="9144000"/>
@@ -3397,6 +3398,52 @@
             </a:r>
           </a:p>
           <a:p>
+            <a:r>
+              <a:rPr lang="en-US" dirty="0" smtClean="0">
+                <a:solidFill>
+                  <a:srgbClr val="FF0000"/>
+                </a:solidFill>
+              </a:rPr>
+              <a:t>User can name device</a:t>
+            </a:r>
+          </a:p>
+          <a:p>
+            <a:r>
+              <a:rPr lang="en-US" dirty="0" smtClean="0">
+                <a:solidFill>
+                  <a:srgbClr val="FF0000"/>
+                </a:solidFill>
+              </a:rPr>
+              <a:t>User can add multiple devices</a:t>
+            </a:r>
+          </a:p>
+          <a:p>
+            <a:r>
+              <a:rPr lang="en-US" dirty="0" err="1" smtClean="0">
+                <a:solidFill>
+                  <a:srgbClr val="FF0000"/>
+                </a:solidFill>
+              </a:rPr>
+              <a:t>Wifi</a:t>
+            </a:r>
+            <a:r>
+              <a:rPr lang="en-US" dirty="0">
+                <a:solidFill>
+                  <a:srgbClr val="FF0000"/>
+                </a:solidFill>
+              </a:rPr>
+              <a:t> </a:t>
+            </a:r>
+            <a:r>
+              <a:rPr lang="en-US" dirty="0" smtClean="0">
+                <a:solidFill>
+                  <a:srgbClr val="FF0000"/>
+                </a:solidFill>
+              </a:rPr>
+              <a:t>mode</a:t>
+            </a:r>
+          </a:p>
+          <a:p>
             <a:endParaRPr lang="en-US" dirty="0" smtClean="0"/>
           </a:p>
           <a:p>
@@ -3425,6 +3472,95 @@
 </file>
 
 <file path=ppt/slides/slide14.xml><?xml version="1.0" encoding="utf-8"?>
+<p:sld xmlns:a="http://schemas.openxmlformats.org/drawingml/2006/main" xmlns:r="http://schemas.openxmlformats.org/officeDocument/2006/relationships" xmlns:p="http://schemas.openxmlformats.org/presentationml/2006/main">
+  <p:cSld>
+    <p:spTree>
+      <p:nvGrpSpPr>
+        <p:cNvPr id="1" name=""/>
+        <p:cNvGrpSpPr/>
+        <p:nvPr/>
+      </p:nvGrpSpPr>
+      <p:grpSpPr>
+        <a:xfrm>
+          <a:off x="0" y="0"/>
+          <a:ext cx="0" cy="0"/>
+          <a:chOff x="0" y="0"/>
+          <a:chExt cx="0" cy="0"/>
+        </a:xfrm>
+      </p:grpSpPr>
+      <p:sp>
+        <p:nvSpPr>
+          <p:cNvPr id="2" name="Title 1"/>
+          <p:cNvSpPr>
+            <a:spLocks noGrp="1"/>
+          </p:cNvSpPr>
+          <p:nvPr>
+            <p:ph type="title"/>
+          </p:nvPr>
+        </p:nvSpPr>
+        <p:spPr/>
+        <p:txBody>
+          <a:bodyPr/>
+          <a:lstStyle/>
+          <a:p>
+            <a:r>
+              <a:rPr lang="en-US" dirty="0" smtClean="0"/>
+              <a:t>Outstanding Issues/Questions</a:t>
+            </a:r>
+            <a:endParaRPr lang="en-US" dirty="0"/>
+          </a:p>
+        </p:txBody>
+      </p:sp>
+      <p:sp>
+        <p:nvSpPr>
+          <p:cNvPr id="3" name="Content Placeholder 2"/>
+          <p:cNvSpPr>
+            <a:spLocks noGrp="1"/>
+          </p:cNvSpPr>
+          <p:nvPr>
+            <p:ph idx="1"/>
+          </p:nvPr>
+        </p:nvSpPr>
+        <p:spPr/>
+        <p:txBody>
+          <a:bodyPr/>
+          <a:lstStyle/>
+          <a:p>
+            <a:r>
+              <a:rPr lang="en-US" dirty="0" smtClean="0">
+                <a:solidFill>
+                  <a:srgbClr val="FF0000"/>
+                </a:solidFill>
+              </a:rPr>
+              <a:t>What are the requirements/expectations for the paper?</a:t>
+            </a:r>
+          </a:p>
+          <a:p>
+            <a:r>
+              <a:rPr lang="en-US" dirty="0" smtClean="0">
+                <a:solidFill>
+                  <a:srgbClr val="FF0000"/>
+                </a:solidFill>
+              </a:rPr>
+              <a:t>Which goals are critical and which are stretch goals?</a:t>
+            </a:r>
+          </a:p>
+        </p:txBody>
+      </p:sp>
+    </p:spTree>
+    <p:extLst>
+      <p:ext uri="{BB962C8B-B14F-4D97-AF65-F5344CB8AC3E}">
+        <p14:creationId xmlns:p14="http://schemas.microsoft.com/office/powerpoint/2010/main" val="2756157827"/>
+      </p:ext>
+    </p:extLst>
+  </p:cSld>
+  <p:clrMapOvr>
+    <a:masterClrMapping/>
+  </p:clrMapOvr>
+</p:sld>
+</file>
+
+<file path=ppt/slides/slide15.xml><?xml version="1.0" encoding="utf-8"?>
 <p:sld xmlns:a="http://schemas.openxmlformats.org/drawingml/2006/main" xmlns:r="http://schemas.openxmlformats.org/officeDocument/2006/relationships" xmlns:p="http://schemas.openxmlformats.org/presentationml/2006/main">
   <p:cSld>
     <p:spTree>

--- a/docs/AMDeSS_MidtermProgressReport.pptx
+++ b/docs/AMDeSS_MidtermProgressReport.pptx
@@ -3,23 +3,24 @@
 <p:presentation xmlns:a="http://schemas.openxmlformats.org/drawingml/2006/main" xmlns:r="http://schemas.openxmlformats.org/officeDocument/2006/relationships" xmlns:p="http://schemas.openxmlformats.org/presentationml/2006/main" saveSubsetFonts="1">
   <p:sldMasterIdLst>
     <p:sldMasterId id="2147483648" r:id="rId1"/>
+    <p:sldMasterId id="2147483660" r:id="rId2"/>
   </p:sldMasterIdLst>
   <p:sldIdLst>
-    <p:sldId id="256" r:id="rId2"/>
-    <p:sldId id="257" r:id="rId3"/>
-    <p:sldId id="263" r:id="rId4"/>
-    <p:sldId id="262" r:id="rId5"/>
-    <p:sldId id="261" r:id="rId6"/>
-    <p:sldId id="264" r:id="rId7"/>
-    <p:sldId id="258" r:id="rId8"/>
-    <p:sldId id="259" r:id="rId9"/>
-    <p:sldId id="260" r:id="rId10"/>
-    <p:sldId id="265" r:id="rId11"/>
-    <p:sldId id="266" r:id="rId12"/>
-    <p:sldId id="267" r:id="rId13"/>
-    <p:sldId id="268" r:id="rId14"/>
-    <p:sldId id="270" r:id="rId15"/>
-    <p:sldId id="269" r:id="rId16"/>
+    <p:sldId id="256" r:id="rId3"/>
+    <p:sldId id="257" r:id="rId4"/>
+    <p:sldId id="263" r:id="rId5"/>
+    <p:sldId id="262" r:id="rId6"/>
+    <p:sldId id="261" r:id="rId7"/>
+    <p:sldId id="264" r:id="rId8"/>
+    <p:sldId id="258" r:id="rId9"/>
+    <p:sldId id="272" r:id="rId10"/>
+    <p:sldId id="260" r:id="rId11"/>
+    <p:sldId id="265" r:id="rId12"/>
+    <p:sldId id="266" r:id="rId13"/>
+    <p:sldId id="267" r:id="rId14"/>
+    <p:sldId id="268" r:id="rId15"/>
+    <p:sldId id="270" r:id="rId16"/>
+    <p:sldId id="269" r:id="rId17"/>
   </p:sldIdLst>
   <p:sldSz cx="12192000" cy="6858000"/>
   <p:notesSz cx="6858000" cy="9144000"/>
@@ -663,6 +664,1959 @@
 </p:sldLayout>
 </file>
 
+<file path=ppt/slideLayouts/slideLayout12.xml><?xml version="1.0" encoding="utf-8"?>
+<p:sldLayout xmlns:a="http://schemas.openxmlformats.org/drawingml/2006/main" xmlns:r="http://schemas.openxmlformats.org/officeDocument/2006/relationships" xmlns:p="http://schemas.openxmlformats.org/presentationml/2006/main" type="title" preserve="1">
+  <p:cSld name="Title Slide">
+    <p:spTree>
+      <p:nvGrpSpPr>
+        <p:cNvPr id="1" name=""/>
+        <p:cNvGrpSpPr/>
+        <p:nvPr/>
+      </p:nvGrpSpPr>
+      <p:grpSpPr>
+        <a:xfrm>
+          <a:off x="0" y="0"/>
+          <a:ext cx="0" cy="0"/>
+          <a:chOff x="0" y="0"/>
+          <a:chExt cx="0" cy="0"/>
+        </a:xfrm>
+      </p:grpSpPr>
+      <p:sp>
+        <p:nvSpPr>
+          <p:cNvPr id="2" name="Title 1"/>
+          <p:cNvSpPr>
+            <a:spLocks noGrp="1"/>
+          </p:cNvSpPr>
+          <p:nvPr>
+            <p:ph type="ctrTitle"/>
+          </p:nvPr>
+        </p:nvSpPr>
+        <p:spPr>
+          <a:xfrm>
+            <a:off x="1524000" y="1122363"/>
+            <a:ext cx="9144000" cy="2387600"/>
+          </a:xfrm>
+        </p:spPr>
+        <p:txBody>
+          <a:bodyPr anchor="b"/>
+          <a:lstStyle>
+            <a:lvl1pPr algn="ctr">
+              <a:defRPr sz="6000"/>
+            </a:lvl1pPr>
+          </a:lstStyle>
+          <a:p>
+            <a:r>
+              <a:rPr lang="en-US" smtClean="0"/>
+              <a:t>Click to edit Master title style</a:t>
+            </a:r>
+            <a:endParaRPr lang="en-US"/>
+          </a:p>
+        </p:txBody>
+      </p:sp>
+      <p:sp>
+        <p:nvSpPr>
+          <p:cNvPr id="3" name="Subtitle 2"/>
+          <p:cNvSpPr>
+            <a:spLocks noGrp="1"/>
+          </p:cNvSpPr>
+          <p:nvPr>
+            <p:ph type="subTitle" idx="1"/>
+          </p:nvPr>
+        </p:nvSpPr>
+        <p:spPr>
+          <a:xfrm>
+            <a:off x="1524000" y="3602038"/>
+            <a:ext cx="9144000" cy="1655762"/>
+          </a:xfrm>
+        </p:spPr>
+        <p:txBody>
+          <a:bodyPr/>
+          <a:lstStyle>
+            <a:lvl1pPr marL="0" indent="0" algn="ctr">
+              <a:buNone/>
+              <a:defRPr sz="2400"/>
+            </a:lvl1pPr>
+            <a:lvl2pPr marL="457200" indent="0" algn="ctr">
+              <a:buNone/>
+              <a:defRPr sz="2000"/>
+            </a:lvl2pPr>
+            <a:lvl3pPr marL="914400" indent="0" algn="ctr">
+              <a:buNone/>
+              <a:defRPr sz="1800"/>
+            </a:lvl3pPr>
+            <a:lvl4pPr marL="1371600" indent="0" algn="ctr">
+              <a:buNone/>
+              <a:defRPr sz="1600"/>
+            </a:lvl4pPr>
+            <a:lvl5pPr marL="1828800" indent="0" algn="ctr">
+              <a:buNone/>
+              <a:defRPr sz="1600"/>
+            </a:lvl5pPr>
+            <a:lvl6pPr marL="2286000" indent="0" algn="ctr">
+              <a:buNone/>
+              <a:defRPr sz="1600"/>
+            </a:lvl6pPr>
+            <a:lvl7pPr marL="2743200" indent="0" algn="ctr">
+              <a:buNone/>
+              <a:defRPr sz="1600"/>
+            </a:lvl7pPr>
+            <a:lvl8pPr marL="3200400" indent="0" algn="ctr">
+              <a:buNone/>
+              <a:defRPr sz="1600"/>
+            </a:lvl8pPr>
+            <a:lvl9pPr marL="3657600" indent="0" algn="ctr">
+              <a:buNone/>
+              <a:defRPr sz="1600"/>
+            </a:lvl9pPr>
+          </a:lstStyle>
+          <a:p>
+            <a:r>
+              <a:rPr lang="en-US" smtClean="0"/>
+              <a:t>Click to edit Master subtitle style</a:t>
+            </a:r>
+            <a:endParaRPr lang="en-US"/>
+          </a:p>
+        </p:txBody>
+      </p:sp>
+      <p:sp>
+        <p:nvSpPr>
+          <p:cNvPr id="4" name="Date Placeholder 3"/>
+          <p:cNvSpPr>
+            <a:spLocks noGrp="1"/>
+          </p:cNvSpPr>
+          <p:nvPr>
+            <p:ph type="dt" sz="half" idx="10"/>
+          </p:nvPr>
+        </p:nvSpPr>
+        <p:spPr/>
+        <p:txBody>
+          <a:bodyPr/>
+          <a:lstStyle/>
+          <a:p>
+            <a:fld id="{97DB8DDF-1FD0-49AC-B178-F837BBBC3C76}" type="datetimeFigureOut">
+              <a:rPr lang="en-US" smtClean="0">
+                <a:solidFill>
+                  <a:prstClr val="black">
+                    <a:tint val="75000"/>
+                  </a:prstClr>
+                </a:solidFill>
+              </a:rPr>
+              <a:pPr/>
+              <a:t>10/21/2015</a:t>
+            </a:fld>
+            <a:endParaRPr lang="en-US">
+              <a:solidFill>
+                <a:prstClr val="black">
+                  <a:tint val="75000"/>
+                </a:prstClr>
+              </a:solidFill>
+            </a:endParaRPr>
+          </a:p>
+        </p:txBody>
+      </p:sp>
+      <p:sp>
+        <p:nvSpPr>
+          <p:cNvPr id="5" name="Footer Placeholder 4"/>
+          <p:cNvSpPr>
+            <a:spLocks noGrp="1"/>
+          </p:cNvSpPr>
+          <p:nvPr>
+            <p:ph type="ftr" sz="quarter" idx="11"/>
+          </p:nvPr>
+        </p:nvSpPr>
+        <p:spPr/>
+        <p:txBody>
+          <a:bodyPr/>
+          <a:lstStyle/>
+          <a:p>
+            <a:endParaRPr lang="en-US">
+              <a:solidFill>
+                <a:prstClr val="black">
+                  <a:tint val="75000"/>
+                </a:prstClr>
+              </a:solidFill>
+            </a:endParaRPr>
+          </a:p>
+        </p:txBody>
+      </p:sp>
+      <p:sp>
+        <p:nvSpPr>
+          <p:cNvPr id="6" name="Slide Number Placeholder 5"/>
+          <p:cNvSpPr>
+            <a:spLocks noGrp="1"/>
+          </p:cNvSpPr>
+          <p:nvPr>
+            <p:ph type="sldNum" sz="quarter" idx="12"/>
+          </p:nvPr>
+        </p:nvSpPr>
+        <p:spPr/>
+        <p:txBody>
+          <a:bodyPr/>
+          <a:lstStyle/>
+          <a:p>
+            <a:fld id="{1BF34D5B-2B9F-402B-9F01-68C655D4FA0B}" type="slidenum">
+              <a:rPr lang="en-US" smtClean="0">
+                <a:solidFill>
+                  <a:prstClr val="black">
+                    <a:tint val="75000"/>
+                  </a:prstClr>
+                </a:solidFill>
+              </a:rPr>
+              <a:pPr/>
+              <a:t>‹#›</a:t>
+            </a:fld>
+            <a:endParaRPr lang="en-US">
+              <a:solidFill>
+                <a:prstClr val="black">
+                  <a:tint val="75000"/>
+                </a:prstClr>
+              </a:solidFill>
+            </a:endParaRPr>
+          </a:p>
+        </p:txBody>
+      </p:sp>
+    </p:spTree>
+    <p:extLst>
+      <p:ext uri="{BB962C8B-B14F-4D97-AF65-F5344CB8AC3E}">
+        <p14:creationId xmlns:p14="http://schemas.microsoft.com/office/powerpoint/2010/main" val="1220187034"/>
+      </p:ext>
+    </p:extLst>
+  </p:cSld>
+  <p:clrMapOvr>
+    <a:masterClrMapping/>
+  </p:clrMapOvr>
+</p:sldLayout>
+</file>
+
+<file path=ppt/slideLayouts/slideLayout13.xml><?xml version="1.0" encoding="utf-8"?>
+<p:sldLayout xmlns:a="http://schemas.openxmlformats.org/drawingml/2006/main" xmlns:r="http://schemas.openxmlformats.org/officeDocument/2006/relationships" xmlns:p="http://schemas.openxmlformats.org/presentationml/2006/main" type="obj" preserve="1">
+  <p:cSld name="Title and Content">
+    <p:spTree>
+      <p:nvGrpSpPr>
+        <p:cNvPr id="1" name=""/>
+        <p:cNvGrpSpPr/>
+        <p:nvPr/>
+      </p:nvGrpSpPr>
+      <p:grpSpPr>
+        <a:xfrm>
+          <a:off x="0" y="0"/>
+          <a:ext cx="0" cy="0"/>
+          <a:chOff x="0" y="0"/>
+          <a:chExt cx="0" cy="0"/>
+        </a:xfrm>
+      </p:grpSpPr>
+      <p:sp>
+        <p:nvSpPr>
+          <p:cNvPr id="2" name="Title 1"/>
+          <p:cNvSpPr>
+            <a:spLocks noGrp="1"/>
+          </p:cNvSpPr>
+          <p:nvPr>
+            <p:ph type="title"/>
+          </p:nvPr>
+        </p:nvSpPr>
+        <p:spPr/>
+        <p:txBody>
+          <a:bodyPr/>
+          <a:lstStyle/>
+          <a:p>
+            <a:r>
+              <a:rPr lang="en-US" smtClean="0"/>
+              <a:t>Click to edit Master title style</a:t>
+            </a:r>
+            <a:endParaRPr lang="en-US"/>
+          </a:p>
+        </p:txBody>
+      </p:sp>
+      <p:sp>
+        <p:nvSpPr>
+          <p:cNvPr id="3" name="Content Placeholder 2"/>
+          <p:cNvSpPr>
+            <a:spLocks noGrp="1"/>
+          </p:cNvSpPr>
+          <p:nvPr>
+            <p:ph idx="1"/>
+          </p:nvPr>
+        </p:nvSpPr>
+        <p:spPr/>
+        <p:txBody>
+          <a:bodyPr/>
+          <a:lstStyle/>
+          <a:p>
+            <a:pPr lvl="0"/>
+            <a:r>
+              <a:rPr lang="en-US" smtClean="0"/>
+              <a:t>Click to edit Master text styles</a:t>
+            </a:r>
+          </a:p>
+          <a:p>
+            <a:pPr lvl="1"/>
+            <a:r>
+              <a:rPr lang="en-US" smtClean="0"/>
+              <a:t>Second level</a:t>
+            </a:r>
+          </a:p>
+          <a:p>
+            <a:pPr lvl="2"/>
+            <a:r>
+              <a:rPr lang="en-US" smtClean="0"/>
+              <a:t>Third level</a:t>
+            </a:r>
+          </a:p>
+          <a:p>
+            <a:pPr lvl="3"/>
+            <a:r>
+              <a:rPr lang="en-US" smtClean="0"/>
+              <a:t>Fourth level</a:t>
+            </a:r>
+          </a:p>
+          <a:p>
+            <a:pPr lvl="4"/>
+            <a:r>
+              <a:rPr lang="en-US" smtClean="0"/>
+              <a:t>Fifth level</a:t>
+            </a:r>
+            <a:endParaRPr lang="en-US"/>
+          </a:p>
+        </p:txBody>
+      </p:sp>
+      <p:sp>
+        <p:nvSpPr>
+          <p:cNvPr id="4" name="Date Placeholder 3"/>
+          <p:cNvSpPr>
+            <a:spLocks noGrp="1"/>
+          </p:cNvSpPr>
+          <p:nvPr>
+            <p:ph type="dt" sz="half" idx="10"/>
+          </p:nvPr>
+        </p:nvSpPr>
+        <p:spPr/>
+        <p:txBody>
+          <a:bodyPr/>
+          <a:lstStyle/>
+          <a:p>
+            <a:fld id="{97DB8DDF-1FD0-49AC-B178-F837BBBC3C76}" type="datetimeFigureOut">
+              <a:rPr lang="en-US" smtClean="0">
+                <a:solidFill>
+                  <a:prstClr val="black">
+                    <a:tint val="75000"/>
+                  </a:prstClr>
+                </a:solidFill>
+              </a:rPr>
+              <a:pPr/>
+              <a:t>10/21/2015</a:t>
+            </a:fld>
+            <a:endParaRPr lang="en-US">
+              <a:solidFill>
+                <a:prstClr val="black">
+                  <a:tint val="75000"/>
+                </a:prstClr>
+              </a:solidFill>
+            </a:endParaRPr>
+          </a:p>
+        </p:txBody>
+      </p:sp>
+      <p:sp>
+        <p:nvSpPr>
+          <p:cNvPr id="5" name="Footer Placeholder 4"/>
+          <p:cNvSpPr>
+            <a:spLocks noGrp="1"/>
+          </p:cNvSpPr>
+          <p:nvPr>
+            <p:ph type="ftr" sz="quarter" idx="11"/>
+          </p:nvPr>
+        </p:nvSpPr>
+        <p:spPr/>
+        <p:txBody>
+          <a:bodyPr/>
+          <a:lstStyle/>
+          <a:p>
+            <a:endParaRPr lang="en-US">
+              <a:solidFill>
+                <a:prstClr val="black">
+                  <a:tint val="75000"/>
+                </a:prstClr>
+              </a:solidFill>
+            </a:endParaRPr>
+          </a:p>
+        </p:txBody>
+      </p:sp>
+      <p:sp>
+        <p:nvSpPr>
+          <p:cNvPr id="6" name="Slide Number Placeholder 5"/>
+          <p:cNvSpPr>
+            <a:spLocks noGrp="1"/>
+          </p:cNvSpPr>
+          <p:nvPr>
+            <p:ph type="sldNum" sz="quarter" idx="12"/>
+          </p:nvPr>
+        </p:nvSpPr>
+        <p:spPr/>
+        <p:txBody>
+          <a:bodyPr/>
+          <a:lstStyle/>
+          <a:p>
+            <a:fld id="{1BF34D5B-2B9F-402B-9F01-68C655D4FA0B}" type="slidenum">
+              <a:rPr lang="en-US" smtClean="0">
+                <a:solidFill>
+                  <a:prstClr val="black">
+                    <a:tint val="75000"/>
+                  </a:prstClr>
+                </a:solidFill>
+              </a:rPr>
+              <a:pPr/>
+              <a:t>‹#›</a:t>
+            </a:fld>
+            <a:endParaRPr lang="en-US">
+              <a:solidFill>
+                <a:prstClr val="black">
+                  <a:tint val="75000"/>
+                </a:prstClr>
+              </a:solidFill>
+            </a:endParaRPr>
+          </a:p>
+        </p:txBody>
+      </p:sp>
+    </p:spTree>
+    <p:extLst>
+      <p:ext uri="{BB962C8B-B14F-4D97-AF65-F5344CB8AC3E}">
+        <p14:creationId xmlns:p14="http://schemas.microsoft.com/office/powerpoint/2010/main" val="1314541599"/>
+      </p:ext>
+    </p:extLst>
+  </p:cSld>
+  <p:clrMapOvr>
+    <a:masterClrMapping/>
+  </p:clrMapOvr>
+</p:sldLayout>
+</file>
+
+<file path=ppt/slideLayouts/slideLayout14.xml><?xml version="1.0" encoding="utf-8"?>
+<p:sldLayout xmlns:a="http://schemas.openxmlformats.org/drawingml/2006/main" xmlns:r="http://schemas.openxmlformats.org/officeDocument/2006/relationships" xmlns:p="http://schemas.openxmlformats.org/presentationml/2006/main" type="secHead" preserve="1">
+  <p:cSld name="Section Header">
+    <p:spTree>
+      <p:nvGrpSpPr>
+        <p:cNvPr id="1" name=""/>
+        <p:cNvGrpSpPr/>
+        <p:nvPr/>
+      </p:nvGrpSpPr>
+      <p:grpSpPr>
+        <a:xfrm>
+          <a:off x="0" y="0"/>
+          <a:ext cx="0" cy="0"/>
+          <a:chOff x="0" y="0"/>
+          <a:chExt cx="0" cy="0"/>
+        </a:xfrm>
+      </p:grpSpPr>
+      <p:sp>
+        <p:nvSpPr>
+          <p:cNvPr id="2" name="Title 1"/>
+          <p:cNvSpPr>
+            <a:spLocks noGrp="1"/>
+          </p:cNvSpPr>
+          <p:nvPr>
+            <p:ph type="title"/>
+          </p:nvPr>
+        </p:nvSpPr>
+        <p:spPr>
+          <a:xfrm>
+            <a:off x="831850" y="1709738"/>
+            <a:ext cx="10515600" cy="2852737"/>
+          </a:xfrm>
+        </p:spPr>
+        <p:txBody>
+          <a:bodyPr anchor="b"/>
+          <a:lstStyle>
+            <a:lvl1pPr>
+              <a:defRPr sz="6000"/>
+            </a:lvl1pPr>
+          </a:lstStyle>
+          <a:p>
+            <a:r>
+              <a:rPr lang="en-US" smtClean="0"/>
+              <a:t>Click to edit Master title style</a:t>
+            </a:r>
+            <a:endParaRPr lang="en-US"/>
+          </a:p>
+        </p:txBody>
+      </p:sp>
+      <p:sp>
+        <p:nvSpPr>
+          <p:cNvPr id="3" name="Text Placeholder 2"/>
+          <p:cNvSpPr>
+            <a:spLocks noGrp="1"/>
+          </p:cNvSpPr>
+          <p:nvPr>
+            <p:ph type="body" idx="1"/>
+          </p:nvPr>
+        </p:nvSpPr>
+        <p:spPr>
+          <a:xfrm>
+            <a:off x="831850" y="4589463"/>
+            <a:ext cx="10515600" cy="1500187"/>
+          </a:xfrm>
+        </p:spPr>
+        <p:txBody>
+          <a:bodyPr/>
+          <a:lstStyle>
+            <a:lvl1pPr marL="0" indent="0">
+              <a:buNone/>
+              <a:defRPr sz="2400">
+                <a:solidFill>
+                  <a:schemeClr val="tx1">
+                    <a:tint val="75000"/>
+                  </a:schemeClr>
+                </a:solidFill>
+              </a:defRPr>
+            </a:lvl1pPr>
+            <a:lvl2pPr marL="457200" indent="0">
+              <a:buNone/>
+              <a:defRPr sz="2000">
+                <a:solidFill>
+                  <a:schemeClr val="tx1">
+                    <a:tint val="75000"/>
+                  </a:schemeClr>
+                </a:solidFill>
+              </a:defRPr>
+            </a:lvl2pPr>
+            <a:lvl3pPr marL="914400" indent="0">
+              <a:buNone/>
+              <a:defRPr sz="1800">
+                <a:solidFill>
+                  <a:schemeClr val="tx1">
+                    <a:tint val="75000"/>
+                  </a:schemeClr>
+                </a:solidFill>
+              </a:defRPr>
+            </a:lvl3pPr>
+            <a:lvl4pPr marL="1371600" indent="0">
+              <a:buNone/>
+              <a:defRPr sz="1600">
+                <a:solidFill>
+                  <a:schemeClr val="tx1">
+                    <a:tint val="75000"/>
+                  </a:schemeClr>
+                </a:solidFill>
+              </a:defRPr>
+            </a:lvl4pPr>
+            <a:lvl5pPr marL="1828800" indent="0">
+              <a:buNone/>
+              <a:defRPr sz="1600">
+                <a:solidFill>
+                  <a:schemeClr val="tx1">
+                    <a:tint val="75000"/>
+                  </a:schemeClr>
+                </a:solidFill>
+              </a:defRPr>
+            </a:lvl5pPr>
+            <a:lvl6pPr marL="2286000" indent="0">
+              <a:buNone/>
+              <a:defRPr sz="1600">
+                <a:solidFill>
+                  <a:schemeClr val="tx1">
+                    <a:tint val="75000"/>
+                  </a:schemeClr>
+                </a:solidFill>
+              </a:defRPr>
+            </a:lvl6pPr>
+            <a:lvl7pPr marL="2743200" indent="0">
+              <a:buNone/>
+              <a:defRPr sz="1600">
+                <a:solidFill>
+                  <a:schemeClr val="tx1">
+                    <a:tint val="75000"/>
+                  </a:schemeClr>
+                </a:solidFill>
+              </a:defRPr>
+            </a:lvl7pPr>
+            <a:lvl8pPr marL="3200400" indent="0">
+              <a:buNone/>
+              <a:defRPr sz="1600">
+                <a:solidFill>
+                  <a:schemeClr val="tx1">
+                    <a:tint val="75000"/>
+                  </a:schemeClr>
+                </a:solidFill>
+              </a:defRPr>
+            </a:lvl8pPr>
+            <a:lvl9pPr marL="3657600" indent="0">
+              <a:buNone/>
+              <a:defRPr sz="1600">
+                <a:solidFill>
+                  <a:schemeClr val="tx1">
+                    <a:tint val="75000"/>
+                  </a:schemeClr>
+                </a:solidFill>
+              </a:defRPr>
+            </a:lvl9pPr>
+          </a:lstStyle>
+          <a:p>
+            <a:pPr lvl="0"/>
+            <a:r>
+              <a:rPr lang="en-US" smtClean="0"/>
+              <a:t>Click to edit Master text styles</a:t>
+            </a:r>
+          </a:p>
+        </p:txBody>
+      </p:sp>
+      <p:sp>
+        <p:nvSpPr>
+          <p:cNvPr id="4" name="Date Placeholder 3"/>
+          <p:cNvSpPr>
+            <a:spLocks noGrp="1"/>
+          </p:cNvSpPr>
+          <p:nvPr>
+            <p:ph type="dt" sz="half" idx="10"/>
+          </p:nvPr>
+        </p:nvSpPr>
+        <p:spPr/>
+        <p:txBody>
+          <a:bodyPr/>
+          <a:lstStyle/>
+          <a:p>
+            <a:fld id="{97DB8DDF-1FD0-49AC-B178-F837BBBC3C76}" type="datetimeFigureOut">
+              <a:rPr lang="en-US" smtClean="0">
+                <a:solidFill>
+                  <a:prstClr val="black">
+                    <a:tint val="75000"/>
+                  </a:prstClr>
+                </a:solidFill>
+              </a:rPr>
+              <a:pPr/>
+              <a:t>10/21/2015</a:t>
+            </a:fld>
+            <a:endParaRPr lang="en-US">
+              <a:solidFill>
+                <a:prstClr val="black">
+                  <a:tint val="75000"/>
+                </a:prstClr>
+              </a:solidFill>
+            </a:endParaRPr>
+          </a:p>
+        </p:txBody>
+      </p:sp>
+      <p:sp>
+        <p:nvSpPr>
+          <p:cNvPr id="5" name="Footer Placeholder 4"/>
+          <p:cNvSpPr>
+            <a:spLocks noGrp="1"/>
+          </p:cNvSpPr>
+          <p:nvPr>
+            <p:ph type="ftr" sz="quarter" idx="11"/>
+          </p:nvPr>
+        </p:nvSpPr>
+        <p:spPr/>
+        <p:txBody>
+          <a:bodyPr/>
+          <a:lstStyle/>
+          <a:p>
+            <a:endParaRPr lang="en-US">
+              <a:solidFill>
+                <a:prstClr val="black">
+                  <a:tint val="75000"/>
+                </a:prstClr>
+              </a:solidFill>
+            </a:endParaRPr>
+          </a:p>
+        </p:txBody>
+      </p:sp>
+      <p:sp>
+        <p:nvSpPr>
+          <p:cNvPr id="6" name="Slide Number Placeholder 5"/>
+          <p:cNvSpPr>
+            <a:spLocks noGrp="1"/>
+          </p:cNvSpPr>
+          <p:nvPr>
+            <p:ph type="sldNum" sz="quarter" idx="12"/>
+          </p:nvPr>
+        </p:nvSpPr>
+        <p:spPr/>
+        <p:txBody>
+          <a:bodyPr/>
+          <a:lstStyle/>
+          <a:p>
+            <a:fld id="{1BF34D5B-2B9F-402B-9F01-68C655D4FA0B}" type="slidenum">
+              <a:rPr lang="en-US" smtClean="0">
+                <a:solidFill>
+                  <a:prstClr val="black">
+                    <a:tint val="75000"/>
+                  </a:prstClr>
+                </a:solidFill>
+              </a:rPr>
+              <a:pPr/>
+              <a:t>‹#›</a:t>
+            </a:fld>
+            <a:endParaRPr lang="en-US">
+              <a:solidFill>
+                <a:prstClr val="black">
+                  <a:tint val="75000"/>
+                </a:prstClr>
+              </a:solidFill>
+            </a:endParaRPr>
+          </a:p>
+        </p:txBody>
+      </p:sp>
+    </p:spTree>
+    <p:extLst>
+      <p:ext uri="{BB962C8B-B14F-4D97-AF65-F5344CB8AC3E}">
+        <p14:creationId xmlns:p14="http://schemas.microsoft.com/office/powerpoint/2010/main" val="3149881165"/>
+      </p:ext>
+    </p:extLst>
+  </p:cSld>
+  <p:clrMapOvr>
+    <a:masterClrMapping/>
+  </p:clrMapOvr>
+</p:sldLayout>
+</file>
+
+<file path=ppt/slideLayouts/slideLayout15.xml><?xml version="1.0" encoding="utf-8"?>
+<p:sldLayout xmlns:a="http://schemas.openxmlformats.org/drawingml/2006/main" xmlns:r="http://schemas.openxmlformats.org/officeDocument/2006/relationships" xmlns:p="http://schemas.openxmlformats.org/presentationml/2006/main" type="twoObj" preserve="1">
+  <p:cSld name="Two Content">
+    <p:spTree>
+      <p:nvGrpSpPr>
+        <p:cNvPr id="1" name=""/>
+        <p:cNvGrpSpPr/>
+        <p:nvPr/>
+      </p:nvGrpSpPr>
+      <p:grpSpPr>
+        <a:xfrm>
+          <a:off x="0" y="0"/>
+          <a:ext cx="0" cy="0"/>
+          <a:chOff x="0" y="0"/>
+          <a:chExt cx="0" cy="0"/>
+        </a:xfrm>
+      </p:grpSpPr>
+      <p:sp>
+        <p:nvSpPr>
+          <p:cNvPr id="2" name="Title 1"/>
+          <p:cNvSpPr>
+            <a:spLocks noGrp="1"/>
+          </p:cNvSpPr>
+          <p:nvPr>
+            <p:ph type="title"/>
+          </p:nvPr>
+        </p:nvSpPr>
+        <p:spPr/>
+        <p:txBody>
+          <a:bodyPr/>
+          <a:lstStyle/>
+          <a:p>
+            <a:r>
+              <a:rPr lang="en-US" smtClean="0"/>
+              <a:t>Click to edit Master title style</a:t>
+            </a:r>
+            <a:endParaRPr lang="en-US"/>
+          </a:p>
+        </p:txBody>
+      </p:sp>
+      <p:sp>
+        <p:nvSpPr>
+          <p:cNvPr id="3" name="Content Placeholder 2"/>
+          <p:cNvSpPr>
+            <a:spLocks noGrp="1"/>
+          </p:cNvSpPr>
+          <p:nvPr>
+            <p:ph sz="half" idx="1"/>
+          </p:nvPr>
+        </p:nvSpPr>
+        <p:spPr>
+          <a:xfrm>
+            <a:off x="838200" y="1825625"/>
+            <a:ext cx="5181600" cy="4351338"/>
+          </a:xfrm>
+        </p:spPr>
+        <p:txBody>
+          <a:bodyPr/>
+          <a:lstStyle/>
+          <a:p>
+            <a:pPr lvl="0"/>
+            <a:r>
+              <a:rPr lang="en-US" smtClean="0"/>
+              <a:t>Click to edit Master text styles</a:t>
+            </a:r>
+          </a:p>
+          <a:p>
+            <a:pPr lvl="1"/>
+            <a:r>
+              <a:rPr lang="en-US" smtClean="0"/>
+              <a:t>Second level</a:t>
+            </a:r>
+          </a:p>
+          <a:p>
+            <a:pPr lvl="2"/>
+            <a:r>
+              <a:rPr lang="en-US" smtClean="0"/>
+              <a:t>Third level</a:t>
+            </a:r>
+          </a:p>
+          <a:p>
+            <a:pPr lvl="3"/>
+            <a:r>
+              <a:rPr lang="en-US" smtClean="0"/>
+              <a:t>Fourth level</a:t>
+            </a:r>
+          </a:p>
+          <a:p>
+            <a:pPr lvl="4"/>
+            <a:r>
+              <a:rPr lang="en-US" smtClean="0"/>
+              <a:t>Fifth level</a:t>
+            </a:r>
+            <a:endParaRPr lang="en-US"/>
+          </a:p>
+        </p:txBody>
+      </p:sp>
+      <p:sp>
+        <p:nvSpPr>
+          <p:cNvPr id="4" name="Content Placeholder 3"/>
+          <p:cNvSpPr>
+            <a:spLocks noGrp="1"/>
+          </p:cNvSpPr>
+          <p:nvPr>
+            <p:ph sz="half" idx="2"/>
+          </p:nvPr>
+        </p:nvSpPr>
+        <p:spPr>
+          <a:xfrm>
+            <a:off x="6172200" y="1825625"/>
+            <a:ext cx="5181600" cy="4351338"/>
+          </a:xfrm>
+        </p:spPr>
+        <p:txBody>
+          <a:bodyPr/>
+          <a:lstStyle/>
+          <a:p>
+            <a:pPr lvl="0"/>
+            <a:r>
+              <a:rPr lang="en-US" smtClean="0"/>
+              <a:t>Click to edit Master text styles</a:t>
+            </a:r>
+          </a:p>
+          <a:p>
+            <a:pPr lvl="1"/>
+            <a:r>
+              <a:rPr lang="en-US" smtClean="0"/>
+              <a:t>Second level</a:t>
+            </a:r>
+          </a:p>
+          <a:p>
+            <a:pPr lvl="2"/>
+            <a:r>
+              <a:rPr lang="en-US" smtClean="0"/>
+              <a:t>Third level</a:t>
+            </a:r>
+          </a:p>
+          <a:p>
+            <a:pPr lvl="3"/>
+            <a:r>
+              <a:rPr lang="en-US" smtClean="0"/>
+              <a:t>Fourth level</a:t>
+            </a:r>
+          </a:p>
+          <a:p>
+            <a:pPr lvl="4"/>
+            <a:r>
+              <a:rPr lang="en-US" smtClean="0"/>
+              <a:t>Fifth level</a:t>
+            </a:r>
+            <a:endParaRPr lang="en-US"/>
+          </a:p>
+        </p:txBody>
+      </p:sp>
+      <p:sp>
+        <p:nvSpPr>
+          <p:cNvPr id="5" name="Date Placeholder 4"/>
+          <p:cNvSpPr>
+            <a:spLocks noGrp="1"/>
+          </p:cNvSpPr>
+          <p:nvPr>
+            <p:ph type="dt" sz="half" idx="10"/>
+          </p:nvPr>
+        </p:nvSpPr>
+        <p:spPr/>
+        <p:txBody>
+          <a:bodyPr/>
+          <a:lstStyle/>
+          <a:p>
+            <a:fld id="{97DB8DDF-1FD0-49AC-B178-F837BBBC3C76}" type="datetimeFigureOut">
+              <a:rPr lang="en-US" smtClean="0">
+                <a:solidFill>
+                  <a:prstClr val="black">
+                    <a:tint val="75000"/>
+                  </a:prstClr>
+                </a:solidFill>
+              </a:rPr>
+              <a:pPr/>
+              <a:t>10/21/2015</a:t>
+            </a:fld>
+            <a:endParaRPr lang="en-US">
+              <a:solidFill>
+                <a:prstClr val="black">
+                  <a:tint val="75000"/>
+                </a:prstClr>
+              </a:solidFill>
+            </a:endParaRPr>
+          </a:p>
+        </p:txBody>
+      </p:sp>
+      <p:sp>
+        <p:nvSpPr>
+          <p:cNvPr id="6" name="Footer Placeholder 5"/>
+          <p:cNvSpPr>
+            <a:spLocks noGrp="1"/>
+          </p:cNvSpPr>
+          <p:nvPr>
+            <p:ph type="ftr" sz="quarter" idx="11"/>
+          </p:nvPr>
+        </p:nvSpPr>
+        <p:spPr/>
+        <p:txBody>
+          <a:bodyPr/>
+          <a:lstStyle/>
+          <a:p>
+            <a:endParaRPr lang="en-US">
+              <a:solidFill>
+                <a:prstClr val="black">
+                  <a:tint val="75000"/>
+                </a:prstClr>
+              </a:solidFill>
+            </a:endParaRPr>
+          </a:p>
+        </p:txBody>
+      </p:sp>
+      <p:sp>
+        <p:nvSpPr>
+          <p:cNvPr id="7" name="Slide Number Placeholder 6"/>
+          <p:cNvSpPr>
+            <a:spLocks noGrp="1"/>
+          </p:cNvSpPr>
+          <p:nvPr>
+            <p:ph type="sldNum" sz="quarter" idx="12"/>
+          </p:nvPr>
+        </p:nvSpPr>
+        <p:spPr/>
+        <p:txBody>
+          <a:bodyPr/>
+          <a:lstStyle/>
+          <a:p>
+            <a:fld id="{1BF34D5B-2B9F-402B-9F01-68C655D4FA0B}" type="slidenum">
+              <a:rPr lang="en-US" smtClean="0">
+                <a:solidFill>
+                  <a:prstClr val="black">
+                    <a:tint val="75000"/>
+                  </a:prstClr>
+                </a:solidFill>
+              </a:rPr>
+              <a:pPr/>
+              <a:t>‹#›</a:t>
+            </a:fld>
+            <a:endParaRPr lang="en-US">
+              <a:solidFill>
+                <a:prstClr val="black">
+                  <a:tint val="75000"/>
+                </a:prstClr>
+              </a:solidFill>
+            </a:endParaRPr>
+          </a:p>
+        </p:txBody>
+      </p:sp>
+    </p:spTree>
+    <p:extLst>
+      <p:ext uri="{BB962C8B-B14F-4D97-AF65-F5344CB8AC3E}">
+        <p14:creationId xmlns:p14="http://schemas.microsoft.com/office/powerpoint/2010/main" val="59382667"/>
+      </p:ext>
+    </p:extLst>
+  </p:cSld>
+  <p:clrMapOvr>
+    <a:masterClrMapping/>
+  </p:clrMapOvr>
+</p:sldLayout>
+</file>
+
+<file path=ppt/slideLayouts/slideLayout16.xml><?xml version="1.0" encoding="utf-8"?>
+<p:sldLayout xmlns:a="http://schemas.openxmlformats.org/drawingml/2006/main" xmlns:r="http://schemas.openxmlformats.org/officeDocument/2006/relationships" xmlns:p="http://schemas.openxmlformats.org/presentationml/2006/main" type="twoTxTwoObj" preserve="1">
+  <p:cSld name="Comparison">
+    <p:spTree>
+      <p:nvGrpSpPr>
+        <p:cNvPr id="1" name=""/>
+        <p:cNvGrpSpPr/>
+        <p:nvPr/>
+      </p:nvGrpSpPr>
+      <p:grpSpPr>
+        <a:xfrm>
+          <a:off x="0" y="0"/>
+          <a:ext cx="0" cy="0"/>
+          <a:chOff x="0" y="0"/>
+          <a:chExt cx="0" cy="0"/>
+        </a:xfrm>
+      </p:grpSpPr>
+      <p:sp>
+        <p:nvSpPr>
+          <p:cNvPr id="2" name="Title 1"/>
+          <p:cNvSpPr>
+            <a:spLocks noGrp="1"/>
+          </p:cNvSpPr>
+          <p:nvPr>
+            <p:ph type="title"/>
+          </p:nvPr>
+        </p:nvSpPr>
+        <p:spPr>
+          <a:xfrm>
+            <a:off x="839788" y="365125"/>
+            <a:ext cx="10515600" cy="1325563"/>
+          </a:xfrm>
+        </p:spPr>
+        <p:txBody>
+          <a:bodyPr/>
+          <a:lstStyle/>
+          <a:p>
+            <a:r>
+              <a:rPr lang="en-US" smtClean="0"/>
+              <a:t>Click to edit Master title style</a:t>
+            </a:r>
+            <a:endParaRPr lang="en-US"/>
+          </a:p>
+        </p:txBody>
+      </p:sp>
+      <p:sp>
+        <p:nvSpPr>
+          <p:cNvPr id="3" name="Text Placeholder 2"/>
+          <p:cNvSpPr>
+            <a:spLocks noGrp="1"/>
+          </p:cNvSpPr>
+          <p:nvPr>
+            <p:ph type="body" idx="1"/>
+          </p:nvPr>
+        </p:nvSpPr>
+        <p:spPr>
+          <a:xfrm>
+            <a:off x="839788" y="1681163"/>
+            <a:ext cx="5157787" cy="823912"/>
+          </a:xfrm>
+        </p:spPr>
+        <p:txBody>
+          <a:bodyPr anchor="b"/>
+          <a:lstStyle>
+            <a:lvl1pPr marL="0" indent="0">
+              <a:buNone/>
+              <a:defRPr sz="2400" b="1"/>
+            </a:lvl1pPr>
+            <a:lvl2pPr marL="457200" indent="0">
+              <a:buNone/>
+              <a:defRPr sz="2000" b="1"/>
+            </a:lvl2pPr>
+            <a:lvl3pPr marL="914400" indent="0">
+              <a:buNone/>
+              <a:defRPr sz="1800" b="1"/>
+            </a:lvl3pPr>
+            <a:lvl4pPr marL="1371600" indent="0">
+              <a:buNone/>
+              <a:defRPr sz="1600" b="1"/>
+            </a:lvl4pPr>
+            <a:lvl5pPr marL="1828800" indent="0">
+              <a:buNone/>
+              <a:defRPr sz="1600" b="1"/>
+            </a:lvl5pPr>
+            <a:lvl6pPr marL="2286000" indent="0">
+              <a:buNone/>
+              <a:defRPr sz="1600" b="1"/>
+            </a:lvl6pPr>
+            <a:lvl7pPr marL="2743200" indent="0">
+              <a:buNone/>
+              <a:defRPr sz="1600" b="1"/>
+            </a:lvl7pPr>
+            <a:lvl8pPr marL="3200400" indent="0">
+              <a:buNone/>
+              <a:defRPr sz="1600" b="1"/>
+            </a:lvl8pPr>
+            <a:lvl9pPr marL="3657600" indent="0">
+              <a:buNone/>
+              <a:defRPr sz="1600" b="1"/>
+            </a:lvl9pPr>
+          </a:lstStyle>
+          <a:p>
+            <a:pPr lvl="0"/>
+            <a:r>
+              <a:rPr lang="en-US" smtClean="0"/>
+              <a:t>Click to edit Master text styles</a:t>
+            </a:r>
+          </a:p>
+        </p:txBody>
+      </p:sp>
+      <p:sp>
+        <p:nvSpPr>
+          <p:cNvPr id="4" name="Content Placeholder 3"/>
+          <p:cNvSpPr>
+            <a:spLocks noGrp="1"/>
+          </p:cNvSpPr>
+          <p:nvPr>
+            <p:ph sz="half" idx="2"/>
+          </p:nvPr>
+        </p:nvSpPr>
+        <p:spPr>
+          <a:xfrm>
+            <a:off x="839788" y="2505075"/>
+            <a:ext cx="5157787" cy="3684588"/>
+          </a:xfrm>
+        </p:spPr>
+        <p:txBody>
+          <a:bodyPr/>
+          <a:lstStyle/>
+          <a:p>
+            <a:pPr lvl="0"/>
+            <a:r>
+              <a:rPr lang="en-US" smtClean="0"/>
+              <a:t>Click to edit Master text styles</a:t>
+            </a:r>
+          </a:p>
+          <a:p>
+            <a:pPr lvl="1"/>
+            <a:r>
+              <a:rPr lang="en-US" smtClean="0"/>
+              <a:t>Second level</a:t>
+            </a:r>
+          </a:p>
+          <a:p>
+            <a:pPr lvl="2"/>
+            <a:r>
+              <a:rPr lang="en-US" smtClean="0"/>
+              <a:t>Third level</a:t>
+            </a:r>
+          </a:p>
+          <a:p>
+            <a:pPr lvl="3"/>
+            <a:r>
+              <a:rPr lang="en-US" smtClean="0"/>
+              <a:t>Fourth level</a:t>
+            </a:r>
+          </a:p>
+          <a:p>
+            <a:pPr lvl="4"/>
+            <a:r>
+              <a:rPr lang="en-US" smtClean="0"/>
+              <a:t>Fifth level</a:t>
+            </a:r>
+            <a:endParaRPr lang="en-US"/>
+          </a:p>
+        </p:txBody>
+      </p:sp>
+      <p:sp>
+        <p:nvSpPr>
+          <p:cNvPr id="5" name="Text Placeholder 4"/>
+          <p:cNvSpPr>
+            <a:spLocks noGrp="1"/>
+          </p:cNvSpPr>
+          <p:nvPr>
+            <p:ph type="body" sz="quarter" idx="3"/>
+          </p:nvPr>
+        </p:nvSpPr>
+        <p:spPr>
+          <a:xfrm>
+            <a:off x="6172200" y="1681163"/>
+            <a:ext cx="5183188" cy="823912"/>
+          </a:xfrm>
+        </p:spPr>
+        <p:txBody>
+          <a:bodyPr anchor="b"/>
+          <a:lstStyle>
+            <a:lvl1pPr marL="0" indent="0">
+              <a:buNone/>
+              <a:defRPr sz="2400" b="1"/>
+            </a:lvl1pPr>
+            <a:lvl2pPr marL="457200" indent="0">
+              <a:buNone/>
+              <a:defRPr sz="2000" b="1"/>
+            </a:lvl2pPr>
+            <a:lvl3pPr marL="914400" indent="0">
+              <a:buNone/>
+              <a:defRPr sz="1800" b="1"/>
+            </a:lvl3pPr>
+            <a:lvl4pPr marL="1371600" indent="0">
+              <a:buNone/>
+              <a:defRPr sz="1600" b="1"/>
+            </a:lvl4pPr>
+            <a:lvl5pPr marL="1828800" indent="0">
+              <a:buNone/>
+              <a:defRPr sz="1600" b="1"/>
+            </a:lvl5pPr>
+            <a:lvl6pPr marL="2286000" indent="0">
+              <a:buNone/>
+              <a:defRPr sz="1600" b="1"/>
+            </a:lvl6pPr>
+            <a:lvl7pPr marL="2743200" indent="0">
+              <a:buNone/>
+              <a:defRPr sz="1600" b="1"/>
+            </a:lvl7pPr>
+            <a:lvl8pPr marL="3200400" indent="0">
+              <a:buNone/>
+              <a:defRPr sz="1600" b="1"/>
+            </a:lvl8pPr>
+            <a:lvl9pPr marL="3657600" indent="0">
+              <a:buNone/>
+              <a:defRPr sz="1600" b="1"/>
+            </a:lvl9pPr>
+          </a:lstStyle>
+          <a:p>
+            <a:pPr lvl="0"/>
+            <a:r>
+              <a:rPr lang="en-US" smtClean="0"/>
+              <a:t>Click to edit Master text styles</a:t>
+            </a:r>
+          </a:p>
+        </p:txBody>
+      </p:sp>
+      <p:sp>
+        <p:nvSpPr>
+          <p:cNvPr id="6" name="Content Placeholder 5"/>
+          <p:cNvSpPr>
+            <a:spLocks noGrp="1"/>
+          </p:cNvSpPr>
+          <p:nvPr>
+            <p:ph sz="quarter" idx="4"/>
+          </p:nvPr>
+        </p:nvSpPr>
+        <p:spPr>
+          <a:xfrm>
+            <a:off x="6172200" y="2505075"/>
+            <a:ext cx="5183188" cy="3684588"/>
+          </a:xfrm>
+        </p:spPr>
+        <p:txBody>
+          <a:bodyPr/>
+          <a:lstStyle/>
+          <a:p>
+            <a:pPr lvl="0"/>
+            <a:r>
+              <a:rPr lang="en-US" smtClean="0"/>
+              <a:t>Click to edit Master text styles</a:t>
+            </a:r>
+          </a:p>
+          <a:p>
+            <a:pPr lvl="1"/>
+            <a:r>
+              <a:rPr lang="en-US" smtClean="0"/>
+              <a:t>Second level</a:t>
+            </a:r>
+          </a:p>
+          <a:p>
+            <a:pPr lvl="2"/>
+            <a:r>
+              <a:rPr lang="en-US" smtClean="0"/>
+              <a:t>Third level</a:t>
+            </a:r>
+          </a:p>
+          <a:p>
+            <a:pPr lvl="3"/>
+            <a:r>
+              <a:rPr lang="en-US" smtClean="0"/>
+              <a:t>Fourth level</a:t>
+            </a:r>
+          </a:p>
+          <a:p>
+            <a:pPr lvl="4"/>
+            <a:r>
+              <a:rPr lang="en-US" smtClean="0"/>
+              <a:t>Fifth level</a:t>
+            </a:r>
+            <a:endParaRPr lang="en-US"/>
+          </a:p>
+        </p:txBody>
+      </p:sp>
+      <p:sp>
+        <p:nvSpPr>
+          <p:cNvPr id="7" name="Date Placeholder 6"/>
+          <p:cNvSpPr>
+            <a:spLocks noGrp="1"/>
+          </p:cNvSpPr>
+          <p:nvPr>
+            <p:ph type="dt" sz="half" idx="10"/>
+          </p:nvPr>
+        </p:nvSpPr>
+        <p:spPr/>
+        <p:txBody>
+          <a:bodyPr/>
+          <a:lstStyle/>
+          <a:p>
+            <a:fld id="{97DB8DDF-1FD0-49AC-B178-F837BBBC3C76}" type="datetimeFigureOut">
+              <a:rPr lang="en-US" smtClean="0">
+                <a:solidFill>
+                  <a:prstClr val="black">
+                    <a:tint val="75000"/>
+                  </a:prstClr>
+                </a:solidFill>
+              </a:rPr>
+              <a:pPr/>
+              <a:t>10/21/2015</a:t>
+            </a:fld>
+            <a:endParaRPr lang="en-US">
+              <a:solidFill>
+                <a:prstClr val="black">
+                  <a:tint val="75000"/>
+                </a:prstClr>
+              </a:solidFill>
+            </a:endParaRPr>
+          </a:p>
+        </p:txBody>
+      </p:sp>
+      <p:sp>
+        <p:nvSpPr>
+          <p:cNvPr id="8" name="Footer Placeholder 7"/>
+          <p:cNvSpPr>
+            <a:spLocks noGrp="1"/>
+          </p:cNvSpPr>
+          <p:nvPr>
+            <p:ph type="ftr" sz="quarter" idx="11"/>
+          </p:nvPr>
+        </p:nvSpPr>
+        <p:spPr/>
+        <p:txBody>
+          <a:bodyPr/>
+          <a:lstStyle/>
+          <a:p>
+            <a:endParaRPr lang="en-US">
+              <a:solidFill>
+                <a:prstClr val="black">
+                  <a:tint val="75000"/>
+                </a:prstClr>
+              </a:solidFill>
+            </a:endParaRPr>
+          </a:p>
+        </p:txBody>
+      </p:sp>
+      <p:sp>
+        <p:nvSpPr>
+          <p:cNvPr id="9" name="Slide Number Placeholder 8"/>
+          <p:cNvSpPr>
+            <a:spLocks noGrp="1"/>
+          </p:cNvSpPr>
+          <p:nvPr>
+            <p:ph type="sldNum" sz="quarter" idx="12"/>
+          </p:nvPr>
+        </p:nvSpPr>
+        <p:spPr/>
+        <p:txBody>
+          <a:bodyPr/>
+          <a:lstStyle/>
+          <a:p>
+            <a:fld id="{1BF34D5B-2B9F-402B-9F01-68C655D4FA0B}" type="slidenum">
+              <a:rPr lang="en-US" smtClean="0">
+                <a:solidFill>
+                  <a:prstClr val="black">
+                    <a:tint val="75000"/>
+                  </a:prstClr>
+                </a:solidFill>
+              </a:rPr>
+              <a:pPr/>
+              <a:t>‹#›</a:t>
+            </a:fld>
+            <a:endParaRPr lang="en-US">
+              <a:solidFill>
+                <a:prstClr val="black">
+                  <a:tint val="75000"/>
+                </a:prstClr>
+              </a:solidFill>
+            </a:endParaRPr>
+          </a:p>
+        </p:txBody>
+      </p:sp>
+    </p:spTree>
+    <p:extLst>
+      <p:ext uri="{BB962C8B-B14F-4D97-AF65-F5344CB8AC3E}">
+        <p14:creationId xmlns:p14="http://schemas.microsoft.com/office/powerpoint/2010/main" val="2676714416"/>
+      </p:ext>
+    </p:extLst>
+  </p:cSld>
+  <p:clrMapOvr>
+    <a:masterClrMapping/>
+  </p:clrMapOvr>
+</p:sldLayout>
+</file>
+
+<file path=ppt/slideLayouts/slideLayout17.xml><?xml version="1.0" encoding="utf-8"?>
+<p:sldLayout xmlns:a="http://schemas.openxmlformats.org/drawingml/2006/main" xmlns:r="http://schemas.openxmlformats.org/officeDocument/2006/relationships" xmlns:p="http://schemas.openxmlformats.org/presentationml/2006/main" type="titleOnly" preserve="1">
+  <p:cSld name="Title Only">
+    <p:spTree>
+      <p:nvGrpSpPr>
+        <p:cNvPr id="1" name=""/>
+        <p:cNvGrpSpPr/>
+        <p:nvPr/>
+      </p:nvGrpSpPr>
+      <p:grpSpPr>
+        <a:xfrm>
+          <a:off x="0" y="0"/>
+          <a:ext cx="0" cy="0"/>
+          <a:chOff x="0" y="0"/>
+          <a:chExt cx="0" cy="0"/>
+        </a:xfrm>
+      </p:grpSpPr>
+      <p:sp>
+        <p:nvSpPr>
+          <p:cNvPr id="2" name="Title 1"/>
+          <p:cNvSpPr>
+            <a:spLocks noGrp="1"/>
+          </p:cNvSpPr>
+          <p:nvPr>
+            <p:ph type="title"/>
+          </p:nvPr>
+        </p:nvSpPr>
+        <p:spPr/>
+        <p:txBody>
+          <a:bodyPr/>
+          <a:lstStyle/>
+          <a:p>
+            <a:r>
+              <a:rPr lang="en-US" smtClean="0"/>
+              <a:t>Click to edit Master title style</a:t>
+            </a:r>
+            <a:endParaRPr lang="en-US"/>
+          </a:p>
+        </p:txBody>
+      </p:sp>
+      <p:sp>
+        <p:nvSpPr>
+          <p:cNvPr id="3" name="Date Placeholder 2"/>
+          <p:cNvSpPr>
+            <a:spLocks noGrp="1"/>
+          </p:cNvSpPr>
+          <p:nvPr>
+            <p:ph type="dt" sz="half" idx="10"/>
+          </p:nvPr>
+        </p:nvSpPr>
+        <p:spPr/>
+        <p:txBody>
+          <a:bodyPr/>
+          <a:lstStyle/>
+          <a:p>
+            <a:fld id="{97DB8DDF-1FD0-49AC-B178-F837BBBC3C76}" type="datetimeFigureOut">
+              <a:rPr lang="en-US" smtClean="0">
+                <a:solidFill>
+                  <a:prstClr val="black">
+                    <a:tint val="75000"/>
+                  </a:prstClr>
+                </a:solidFill>
+              </a:rPr>
+              <a:pPr/>
+              <a:t>10/21/2015</a:t>
+            </a:fld>
+            <a:endParaRPr lang="en-US">
+              <a:solidFill>
+                <a:prstClr val="black">
+                  <a:tint val="75000"/>
+                </a:prstClr>
+              </a:solidFill>
+            </a:endParaRPr>
+          </a:p>
+        </p:txBody>
+      </p:sp>
+      <p:sp>
+        <p:nvSpPr>
+          <p:cNvPr id="4" name="Footer Placeholder 3"/>
+          <p:cNvSpPr>
+            <a:spLocks noGrp="1"/>
+          </p:cNvSpPr>
+          <p:nvPr>
+            <p:ph type="ftr" sz="quarter" idx="11"/>
+          </p:nvPr>
+        </p:nvSpPr>
+        <p:spPr/>
+        <p:txBody>
+          <a:bodyPr/>
+          <a:lstStyle/>
+          <a:p>
+            <a:endParaRPr lang="en-US">
+              <a:solidFill>
+                <a:prstClr val="black">
+                  <a:tint val="75000"/>
+                </a:prstClr>
+              </a:solidFill>
+            </a:endParaRPr>
+          </a:p>
+        </p:txBody>
+      </p:sp>
+      <p:sp>
+        <p:nvSpPr>
+          <p:cNvPr id="5" name="Slide Number Placeholder 4"/>
+          <p:cNvSpPr>
+            <a:spLocks noGrp="1"/>
+          </p:cNvSpPr>
+          <p:nvPr>
+            <p:ph type="sldNum" sz="quarter" idx="12"/>
+          </p:nvPr>
+        </p:nvSpPr>
+        <p:spPr/>
+        <p:txBody>
+          <a:bodyPr/>
+          <a:lstStyle/>
+          <a:p>
+            <a:fld id="{1BF34D5B-2B9F-402B-9F01-68C655D4FA0B}" type="slidenum">
+              <a:rPr lang="en-US" smtClean="0">
+                <a:solidFill>
+                  <a:prstClr val="black">
+                    <a:tint val="75000"/>
+                  </a:prstClr>
+                </a:solidFill>
+              </a:rPr>
+              <a:pPr/>
+              <a:t>‹#›</a:t>
+            </a:fld>
+            <a:endParaRPr lang="en-US">
+              <a:solidFill>
+                <a:prstClr val="black">
+                  <a:tint val="75000"/>
+                </a:prstClr>
+              </a:solidFill>
+            </a:endParaRPr>
+          </a:p>
+        </p:txBody>
+      </p:sp>
+    </p:spTree>
+    <p:extLst>
+      <p:ext uri="{BB962C8B-B14F-4D97-AF65-F5344CB8AC3E}">
+        <p14:creationId xmlns:p14="http://schemas.microsoft.com/office/powerpoint/2010/main" val="3257008533"/>
+      </p:ext>
+    </p:extLst>
+  </p:cSld>
+  <p:clrMapOvr>
+    <a:masterClrMapping/>
+  </p:clrMapOvr>
+</p:sldLayout>
+</file>
+
+<file path=ppt/slideLayouts/slideLayout18.xml><?xml version="1.0" encoding="utf-8"?>
+<p:sldLayout xmlns:a="http://schemas.openxmlformats.org/drawingml/2006/main" xmlns:r="http://schemas.openxmlformats.org/officeDocument/2006/relationships" xmlns:p="http://schemas.openxmlformats.org/presentationml/2006/main" type="blank" preserve="1">
+  <p:cSld name="Blank">
+    <p:spTree>
+      <p:nvGrpSpPr>
+        <p:cNvPr id="1" name=""/>
+        <p:cNvGrpSpPr/>
+        <p:nvPr/>
+      </p:nvGrpSpPr>
+      <p:grpSpPr>
+        <a:xfrm>
+          <a:off x="0" y="0"/>
+          <a:ext cx="0" cy="0"/>
+          <a:chOff x="0" y="0"/>
+          <a:chExt cx="0" cy="0"/>
+        </a:xfrm>
+      </p:grpSpPr>
+      <p:sp>
+        <p:nvSpPr>
+          <p:cNvPr id="2" name="Date Placeholder 1"/>
+          <p:cNvSpPr>
+            <a:spLocks noGrp="1"/>
+          </p:cNvSpPr>
+          <p:nvPr>
+            <p:ph type="dt" sz="half" idx="10"/>
+          </p:nvPr>
+        </p:nvSpPr>
+        <p:spPr/>
+        <p:txBody>
+          <a:bodyPr/>
+          <a:lstStyle/>
+          <a:p>
+            <a:fld id="{97DB8DDF-1FD0-49AC-B178-F837BBBC3C76}" type="datetimeFigureOut">
+              <a:rPr lang="en-US" smtClean="0">
+                <a:solidFill>
+                  <a:prstClr val="black">
+                    <a:tint val="75000"/>
+                  </a:prstClr>
+                </a:solidFill>
+              </a:rPr>
+              <a:pPr/>
+              <a:t>10/21/2015</a:t>
+            </a:fld>
+            <a:endParaRPr lang="en-US">
+              <a:solidFill>
+                <a:prstClr val="black">
+                  <a:tint val="75000"/>
+                </a:prstClr>
+              </a:solidFill>
+            </a:endParaRPr>
+          </a:p>
+        </p:txBody>
+      </p:sp>
+      <p:sp>
+        <p:nvSpPr>
+          <p:cNvPr id="3" name="Footer Placeholder 2"/>
+          <p:cNvSpPr>
+            <a:spLocks noGrp="1"/>
+          </p:cNvSpPr>
+          <p:nvPr>
+            <p:ph type="ftr" sz="quarter" idx="11"/>
+          </p:nvPr>
+        </p:nvSpPr>
+        <p:spPr/>
+        <p:txBody>
+          <a:bodyPr/>
+          <a:lstStyle/>
+          <a:p>
+            <a:endParaRPr lang="en-US">
+              <a:solidFill>
+                <a:prstClr val="black">
+                  <a:tint val="75000"/>
+                </a:prstClr>
+              </a:solidFill>
+            </a:endParaRPr>
+          </a:p>
+        </p:txBody>
+      </p:sp>
+      <p:sp>
+        <p:nvSpPr>
+          <p:cNvPr id="4" name="Slide Number Placeholder 3"/>
+          <p:cNvSpPr>
+            <a:spLocks noGrp="1"/>
+          </p:cNvSpPr>
+          <p:nvPr>
+            <p:ph type="sldNum" sz="quarter" idx="12"/>
+          </p:nvPr>
+        </p:nvSpPr>
+        <p:spPr/>
+        <p:txBody>
+          <a:bodyPr/>
+          <a:lstStyle/>
+          <a:p>
+            <a:fld id="{1BF34D5B-2B9F-402B-9F01-68C655D4FA0B}" type="slidenum">
+              <a:rPr lang="en-US" smtClean="0">
+                <a:solidFill>
+                  <a:prstClr val="black">
+                    <a:tint val="75000"/>
+                  </a:prstClr>
+                </a:solidFill>
+              </a:rPr>
+              <a:pPr/>
+              <a:t>‹#›</a:t>
+            </a:fld>
+            <a:endParaRPr lang="en-US">
+              <a:solidFill>
+                <a:prstClr val="black">
+                  <a:tint val="75000"/>
+                </a:prstClr>
+              </a:solidFill>
+            </a:endParaRPr>
+          </a:p>
+        </p:txBody>
+      </p:sp>
+    </p:spTree>
+    <p:extLst>
+      <p:ext uri="{BB962C8B-B14F-4D97-AF65-F5344CB8AC3E}">
+        <p14:creationId xmlns:p14="http://schemas.microsoft.com/office/powerpoint/2010/main" val="4066428087"/>
+      </p:ext>
+    </p:extLst>
+  </p:cSld>
+  <p:clrMapOvr>
+    <a:masterClrMapping/>
+  </p:clrMapOvr>
+</p:sldLayout>
+</file>
+
+<file path=ppt/slideLayouts/slideLayout19.xml><?xml version="1.0" encoding="utf-8"?>
+<p:sldLayout xmlns:a="http://schemas.openxmlformats.org/drawingml/2006/main" xmlns:r="http://schemas.openxmlformats.org/officeDocument/2006/relationships" xmlns:p="http://schemas.openxmlformats.org/presentationml/2006/main" type="objTx" preserve="1">
+  <p:cSld name="Content with Caption">
+    <p:spTree>
+      <p:nvGrpSpPr>
+        <p:cNvPr id="1" name=""/>
+        <p:cNvGrpSpPr/>
+        <p:nvPr/>
+      </p:nvGrpSpPr>
+      <p:grpSpPr>
+        <a:xfrm>
+          <a:off x="0" y="0"/>
+          <a:ext cx="0" cy="0"/>
+          <a:chOff x="0" y="0"/>
+          <a:chExt cx="0" cy="0"/>
+        </a:xfrm>
+      </p:grpSpPr>
+      <p:sp>
+        <p:nvSpPr>
+          <p:cNvPr id="2" name="Title 1"/>
+          <p:cNvSpPr>
+            <a:spLocks noGrp="1"/>
+          </p:cNvSpPr>
+          <p:nvPr>
+            <p:ph type="title"/>
+          </p:nvPr>
+        </p:nvSpPr>
+        <p:spPr>
+          <a:xfrm>
+            <a:off x="839788" y="457200"/>
+            <a:ext cx="3932237" cy="1600200"/>
+          </a:xfrm>
+        </p:spPr>
+        <p:txBody>
+          <a:bodyPr anchor="b"/>
+          <a:lstStyle>
+            <a:lvl1pPr>
+              <a:defRPr sz="3200"/>
+            </a:lvl1pPr>
+          </a:lstStyle>
+          <a:p>
+            <a:r>
+              <a:rPr lang="en-US" smtClean="0"/>
+              <a:t>Click to edit Master title style</a:t>
+            </a:r>
+            <a:endParaRPr lang="en-US"/>
+          </a:p>
+        </p:txBody>
+      </p:sp>
+      <p:sp>
+        <p:nvSpPr>
+          <p:cNvPr id="3" name="Content Placeholder 2"/>
+          <p:cNvSpPr>
+            <a:spLocks noGrp="1"/>
+          </p:cNvSpPr>
+          <p:nvPr>
+            <p:ph idx="1"/>
+          </p:nvPr>
+        </p:nvSpPr>
+        <p:spPr>
+          <a:xfrm>
+            <a:off x="5183188" y="987425"/>
+            <a:ext cx="6172200" cy="4873625"/>
+          </a:xfrm>
+        </p:spPr>
+        <p:txBody>
+          <a:bodyPr/>
+          <a:lstStyle>
+            <a:lvl1pPr>
+              <a:defRPr sz="3200"/>
+            </a:lvl1pPr>
+            <a:lvl2pPr>
+              <a:defRPr sz="2800"/>
+            </a:lvl2pPr>
+            <a:lvl3pPr>
+              <a:defRPr sz="2400"/>
+            </a:lvl3pPr>
+            <a:lvl4pPr>
+              <a:defRPr sz="2000"/>
+            </a:lvl4pPr>
+            <a:lvl5pPr>
+              <a:defRPr sz="2000"/>
+            </a:lvl5pPr>
+            <a:lvl6pPr>
+              <a:defRPr sz="2000"/>
+            </a:lvl6pPr>
+            <a:lvl7pPr>
+              <a:defRPr sz="2000"/>
+            </a:lvl7pPr>
+            <a:lvl8pPr>
+              <a:defRPr sz="2000"/>
+            </a:lvl8pPr>
+            <a:lvl9pPr>
+              <a:defRPr sz="2000"/>
+            </a:lvl9pPr>
+          </a:lstStyle>
+          <a:p>
+            <a:pPr lvl="0"/>
+            <a:r>
+              <a:rPr lang="en-US" smtClean="0"/>
+              <a:t>Click to edit Master text styles</a:t>
+            </a:r>
+          </a:p>
+          <a:p>
+            <a:pPr lvl="1"/>
+            <a:r>
+              <a:rPr lang="en-US" smtClean="0"/>
+              <a:t>Second level</a:t>
+            </a:r>
+          </a:p>
+          <a:p>
+            <a:pPr lvl="2"/>
+            <a:r>
+              <a:rPr lang="en-US" smtClean="0"/>
+              <a:t>Third level</a:t>
+            </a:r>
+          </a:p>
+          <a:p>
+            <a:pPr lvl="3"/>
+            <a:r>
+              <a:rPr lang="en-US" smtClean="0"/>
+              <a:t>Fourth level</a:t>
+            </a:r>
+          </a:p>
+          <a:p>
+            <a:pPr lvl="4"/>
+            <a:r>
+              <a:rPr lang="en-US" smtClean="0"/>
+              <a:t>Fifth level</a:t>
+            </a:r>
+            <a:endParaRPr lang="en-US"/>
+          </a:p>
+        </p:txBody>
+      </p:sp>
+      <p:sp>
+        <p:nvSpPr>
+          <p:cNvPr id="4" name="Text Placeholder 3"/>
+          <p:cNvSpPr>
+            <a:spLocks noGrp="1"/>
+          </p:cNvSpPr>
+          <p:nvPr>
+            <p:ph type="body" sz="half" idx="2"/>
+          </p:nvPr>
+        </p:nvSpPr>
+        <p:spPr>
+          <a:xfrm>
+            <a:off x="839788" y="2057400"/>
+            <a:ext cx="3932237" cy="3811588"/>
+          </a:xfrm>
+        </p:spPr>
+        <p:txBody>
+          <a:bodyPr/>
+          <a:lstStyle>
+            <a:lvl1pPr marL="0" indent="0">
+              <a:buNone/>
+              <a:defRPr sz="1600"/>
+            </a:lvl1pPr>
+            <a:lvl2pPr marL="457200" indent="0">
+              <a:buNone/>
+              <a:defRPr sz="1400"/>
+            </a:lvl2pPr>
+            <a:lvl3pPr marL="914400" indent="0">
+              <a:buNone/>
+              <a:defRPr sz="1200"/>
+            </a:lvl3pPr>
+            <a:lvl4pPr marL="1371600" indent="0">
+              <a:buNone/>
+              <a:defRPr sz="1000"/>
+            </a:lvl4pPr>
+            <a:lvl5pPr marL="1828800" indent="0">
+              <a:buNone/>
+              <a:defRPr sz="1000"/>
+            </a:lvl5pPr>
+            <a:lvl6pPr marL="2286000" indent="0">
+              <a:buNone/>
+              <a:defRPr sz="1000"/>
+            </a:lvl6pPr>
+            <a:lvl7pPr marL="2743200" indent="0">
+              <a:buNone/>
+              <a:defRPr sz="1000"/>
+            </a:lvl7pPr>
+            <a:lvl8pPr marL="3200400" indent="0">
+              <a:buNone/>
+              <a:defRPr sz="1000"/>
+            </a:lvl8pPr>
+            <a:lvl9pPr marL="3657600" indent="0">
+              <a:buNone/>
+              <a:defRPr sz="1000"/>
+            </a:lvl9pPr>
+          </a:lstStyle>
+          <a:p>
+            <a:pPr lvl="0"/>
+            <a:r>
+              <a:rPr lang="en-US" smtClean="0"/>
+              <a:t>Click to edit Master text styles</a:t>
+            </a:r>
+          </a:p>
+        </p:txBody>
+      </p:sp>
+      <p:sp>
+        <p:nvSpPr>
+          <p:cNvPr id="5" name="Date Placeholder 4"/>
+          <p:cNvSpPr>
+            <a:spLocks noGrp="1"/>
+          </p:cNvSpPr>
+          <p:nvPr>
+            <p:ph type="dt" sz="half" idx="10"/>
+          </p:nvPr>
+        </p:nvSpPr>
+        <p:spPr/>
+        <p:txBody>
+          <a:bodyPr/>
+          <a:lstStyle/>
+          <a:p>
+            <a:fld id="{97DB8DDF-1FD0-49AC-B178-F837BBBC3C76}" type="datetimeFigureOut">
+              <a:rPr lang="en-US" smtClean="0">
+                <a:solidFill>
+                  <a:prstClr val="black">
+                    <a:tint val="75000"/>
+                  </a:prstClr>
+                </a:solidFill>
+              </a:rPr>
+              <a:pPr/>
+              <a:t>10/21/2015</a:t>
+            </a:fld>
+            <a:endParaRPr lang="en-US">
+              <a:solidFill>
+                <a:prstClr val="black">
+                  <a:tint val="75000"/>
+                </a:prstClr>
+              </a:solidFill>
+            </a:endParaRPr>
+          </a:p>
+        </p:txBody>
+      </p:sp>
+      <p:sp>
+        <p:nvSpPr>
+          <p:cNvPr id="6" name="Footer Placeholder 5"/>
+          <p:cNvSpPr>
+            <a:spLocks noGrp="1"/>
+          </p:cNvSpPr>
+          <p:nvPr>
+            <p:ph type="ftr" sz="quarter" idx="11"/>
+          </p:nvPr>
+        </p:nvSpPr>
+        <p:spPr/>
+        <p:txBody>
+          <a:bodyPr/>
+          <a:lstStyle/>
+          <a:p>
+            <a:endParaRPr lang="en-US">
+              <a:solidFill>
+                <a:prstClr val="black">
+                  <a:tint val="75000"/>
+                </a:prstClr>
+              </a:solidFill>
+            </a:endParaRPr>
+          </a:p>
+        </p:txBody>
+      </p:sp>
+      <p:sp>
+        <p:nvSpPr>
+          <p:cNvPr id="7" name="Slide Number Placeholder 6"/>
+          <p:cNvSpPr>
+            <a:spLocks noGrp="1"/>
+          </p:cNvSpPr>
+          <p:nvPr>
+            <p:ph type="sldNum" sz="quarter" idx="12"/>
+          </p:nvPr>
+        </p:nvSpPr>
+        <p:spPr/>
+        <p:txBody>
+          <a:bodyPr/>
+          <a:lstStyle/>
+          <a:p>
+            <a:fld id="{1BF34D5B-2B9F-402B-9F01-68C655D4FA0B}" type="slidenum">
+              <a:rPr lang="en-US" smtClean="0">
+                <a:solidFill>
+                  <a:prstClr val="black">
+                    <a:tint val="75000"/>
+                  </a:prstClr>
+                </a:solidFill>
+              </a:rPr>
+              <a:pPr/>
+              <a:t>‹#›</a:t>
+            </a:fld>
+            <a:endParaRPr lang="en-US">
+              <a:solidFill>
+                <a:prstClr val="black">
+                  <a:tint val="75000"/>
+                </a:prstClr>
+              </a:solidFill>
+            </a:endParaRPr>
+          </a:p>
+        </p:txBody>
+      </p:sp>
+    </p:spTree>
+    <p:extLst>
+      <p:ext uri="{BB962C8B-B14F-4D97-AF65-F5344CB8AC3E}">
+        <p14:creationId xmlns:p14="http://schemas.microsoft.com/office/powerpoint/2010/main" val="1184300591"/>
+      </p:ext>
+    </p:extLst>
+  </p:cSld>
+  <p:clrMapOvr>
+    <a:masterClrMapping/>
+  </p:clrMapOvr>
+</p:sldLayout>
+</file>
+
 <file path=ppt/slideLayouts/slideLayout2.xml><?xml version="1.0" encoding="utf-8"?>
 <p:sldLayout xmlns:a="http://schemas.openxmlformats.org/drawingml/2006/main" xmlns:r="http://schemas.openxmlformats.org/officeDocument/2006/relationships" xmlns:p="http://schemas.openxmlformats.org/presentationml/2006/main" type="obj" preserve="1">
   <p:cSld name="Title and Content">
@@ -824,6 +2778,705 @@
     <p:extLst>
       <p:ext uri="{BB962C8B-B14F-4D97-AF65-F5344CB8AC3E}">
         <p14:creationId xmlns:p14="http://schemas.microsoft.com/office/powerpoint/2010/main" val="1882049881"/>
+      </p:ext>
+    </p:extLst>
+  </p:cSld>
+  <p:clrMapOvr>
+    <a:masterClrMapping/>
+  </p:clrMapOvr>
+</p:sldLayout>
+</file>
+
+<file path=ppt/slideLayouts/slideLayout20.xml><?xml version="1.0" encoding="utf-8"?>
+<p:sldLayout xmlns:a="http://schemas.openxmlformats.org/drawingml/2006/main" xmlns:r="http://schemas.openxmlformats.org/officeDocument/2006/relationships" xmlns:p="http://schemas.openxmlformats.org/presentationml/2006/main" type="picTx" preserve="1">
+  <p:cSld name="Picture with Caption">
+    <p:spTree>
+      <p:nvGrpSpPr>
+        <p:cNvPr id="1" name=""/>
+        <p:cNvGrpSpPr/>
+        <p:nvPr/>
+      </p:nvGrpSpPr>
+      <p:grpSpPr>
+        <a:xfrm>
+          <a:off x="0" y="0"/>
+          <a:ext cx="0" cy="0"/>
+          <a:chOff x="0" y="0"/>
+          <a:chExt cx="0" cy="0"/>
+        </a:xfrm>
+      </p:grpSpPr>
+      <p:sp>
+        <p:nvSpPr>
+          <p:cNvPr id="2" name="Title 1"/>
+          <p:cNvSpPr>
+            <a:spLocks noGrp="1"/>
+          </p:cNvSpPr>
+          <p:nvPr>
+            <p:ph type="title"/>
+          </p:nvPr>
+        </p:nvSpPr>
+        <p:spPr>
+          <a:xfrm>
+            <a:off x="839788" y="457200"/>
+            <a:ext cx="3932237" cy="1600200"/>
+          </a:xfrm>
+        </p:spPr>
+        <p:txBody>
+          <a:bodyPr anchor="b"/>
+          <a:lstStyle>
+            <a:lvl1pPr>
+              <a:defRPr sz="3200"/>
+            </a:lvl1pPr>
+          </a:lstStyle>
+          <a:p>
+            <a:r>
+              <a:rPr lang="en-US" smtClean="0"/>
+              <a:t>Click to edit Master title style</a:t>
+            </a:r>
+            <a:endParaRPr lang="en-US"/>
+          </a:p>
+        </p:txBody>
+      </p:sp>
+      <p:sp>
+        <p:nvSpPr>
+          <p:cNvPr id="3" name="Picture Placeholder 2"/>
+          <p:cNvSpPr>
+            <a:spLocks noGrp="1"/>
+          </p:cNvSpPr>
+          <p:nvPr>
+            <p:ph type="pic" idx="1"/>
+          </p:nvPr>
+        </p:nvSpPr>
+        <p:spPr>
+          <a:xfrm>
+            <a:off x="5183188" y="987425"/>
+            <a:ext cx="6172200" cy="4873625"/>
+          </a:xfrm>
+        </p:spPr>
+        <p:txBody>
+          <a:bodyPr/>
+          <a:lstStyle>
+            <a:lvl1pPr marL="0" indent="0">
+              <a:buNone/>
+              <a:defRPr sz="3200"/>
+            </a:lvl1pPr>
+            <a:lvl2pPr marL="457200" indent="0">
+              <a:buNone/>
+              <a:defRPr sz="2800"/>
+            </a:lvl2pPr>
+            <a:lvl3pPr marL="914400" indent="0">
+              <a:buNone/>
+              <a:defRPr sz="2400"/>
+            </a:lvl3pPr>
+            <a:lvl4pPr marL="1371600" indent="0">
+              <a:buNone/>
+              <a:defRPr sz="2000"/>
+            </a:lvl4pPr>
+            <a:lvl5pPr marL="1828800" indent="0">
+              <a:buNone/>
+              <a:defRPr sz="2000"/>
+            </a:lvl5pPr>
+            <a:lvl6pPr marL="2286000" indent="0">
+              <a:buNone/>
+              <a:defRPr sz="2000"/>
+            </a:lvl6pPr>
+            <a:lvl7pPr marL="2743200" indent="0">
+              <a:buNone/>
+              <a:defRPr sz="2000"/>
+            </a:lvl7pPr>
+            <a:lvl8pPr marL="3200400" indent="0">
+              <a:buNone/>
+              <a:defRPr sz="2000"/>
+            </a:lvl8pPr>
+            <a:lvl9pPr marL="3657600" indent="0">
+              <a:buNone/>
+              <a:defRPr sz="2000"/>
+            </a:lvl9pPr>
+          </a:lstStyle>
+          <a:p>
+            <a:endParaRPr lang="en-US"/>
+          </a:p>
+        </p:txBody>
+      </p:sp>
+      <p:sp>
+        <p:nvSpPr>
+          <p:cNvPr id="4" name="Text Placeholder 3"/>
+          <p:cNvSpPr>
+            <a:spLocks noGrp="1"/>
+          </p:cNvSpPr>
+          <p:nvPr>
+            <p:ph type="body" sz="half" idx="2"/>
+          </p:nvPr>
+        </p:nvSpPr>
+        <p:spPr>
+          <a:xfrm>
+            <a:off x="839788" y="2057400"/>
+            <a:ext cx="3932237" cy="3811588"/>
+          </a:xfrm>
+        </p:spPr>
+        <p:txBody>
+          <a:bodyPr/>
+          <a:lstStyle>
+            <a:lvl1pPr marL="0" indent="0">
+              <a:buNone/>
+              <a:defRPr sz="1600"/>
+            </a:lvl1pPr>
+            <a:lvl2pPr marL="457200" indent="0">
+              <a:buNone/>
+              <a:defRPr sz="1400"/>
+            </a:lvl2pPr>
+            <a:lvl3pPr marL="914400" indent="0">
+              <a:buNone/>
+              <a:defRPr sz="1200"/>
+            </a:lvl3pPr>
+            <a:lvl4pPr marL="1371600" indent="0">
+              <a:buNone/>
+              <a:defRPr sz="1000"/>
+            </a:lvl4pPr>
+            <a:lvl5pPr marL="1828800" indent="0">
+              <a:buNone/>
+              <a:defRPr sz="1000"/>
+            </a:lvl5pPr>
+            <a:lvl6pPr marL="2286000" indent="0">
+              <a:buNone/>
+              <a:defRPr sz="1000"/>
+            </a:lvl6pPr>
+            <a:lvl7pPr marL="2743200" indent="0">
+              <a:buNone/>
+              <a:defRPr sz="1000"/>
+            </a:lvl7pPr>
+            <a:lvl8pPr marL="3200400" indent="0">
+              <a:buNone/>
+              <a:defRPr sz="1000"/>
+            </a:lvl8pPr>
+            <a:lvl9pPr marL="3657600" indent="0">
+              <a:buNone/>
+              <a:defRPr sz="1000"/>
+            </a:lvl9pPr>
+          </a:lstStyle>
+          <a:p>
+            <a:pPr lvl="0"/>
+            <a:r>
+              <a:rPr lang="en-US" smtClean="0"/>
+              <a:t>Click to edit Master text styles</a:t>
+            </a:r>
+          </a:p>
+        </p:txBody>
+      </p:sp>
+      <p:sp>
+        <p:nvSpPr>
+          <p:cNvPr id="5" name="Date Placeholder 4"/>
+          <p:cNvSpPr>
+            <a:spLocks noGrp="1"/>
+          </p:cNvSpPr>
+          <p:nvPr>
+            <p:ph type="dt" sz="half" idx="10"/>
+          </p:nvPr>
+        </p:nvSpPr>
+        <p:spPr/>
+        <p:txBody>
+          <a:bodyPr/>
+          <a:lstStyle/>
+          <a:p>
+            <a:fld id="{97DB8DDF-1FD0-49AC-B178-F837BBBC3C76}" type="datetimeFigureOut">
+              <a:rPr lang="en-US" smtClean="0">
+                <a:solidFill>
+                  <a:prstClr val="black">
+                    <a:tint val="75000"/>
+                  </a:prstClr>
+                </a:solidFill>
+              </a:rPr>
+              <a:pPr/>
+              <a:t>10/21/2015</a:t>
+            </a:fld>
+            <a:endParaRPr lang="en-US">
+              <a:solidFill>
+                <a:prstClr val="black">
+                  <a:tint val="75000"/>
+                </a:prstClr>
+              </a:solidFill>
+            </a:endParaRPr>
+          </a:p>
+        </p:txBody>
+      </p:sp>
+      <p:sp>
+        <p:nvSpPr>
+          <p:cNvPr id="6" name="Footer Placeholder 5"/>
+          <p:cNvSpPr>
+            <a:spLocks noGrp="1"/>
+          </p:cNvSpPr>
+          <p:nvPr>
+            <p:ph type="ftr" sz="quarter" idx="11"/>
+          </p:nvPr>
+        </p:nvSpPr>
+        <p:spPr/>
+        <p:txBody>
+          <a:bodyPr/>
+          <a:lstStyle/>
+          <a:p>
+            <a:endParaRPr lang="en-US">
+              <a:solidFill>
+                <a:prstClr val="black">
+                  <a:tint val="75000"/>
+                </a:prstClr>
+              </a:solidFill>
+            </a:endParaRPr>
+          </a:p>
+        </p:txBody>
+      </p:sp>
+      <p:sp>
+        <p:nvSpPr>
+          <p:cNvPr id="7" name="Slide Number Placeholder 6"/>
+          <p:cNvSpPr>
+            <a:spLocks noGrp="1"/>
+          </p:cNvSpPr>
+          <p:nvPr>
+            <p:ph type="sldNum" sz="quarter" idx="12"/>
+          </p:nvPr>
+        </p:nvSpPr>
+        <p:spPr/>
+        <p:txBody>
+          <a:bodyPr/>
+          <a:lstStyle/>
+          <a:p>
+            <a:fld id="{1BF34D5B-2B9F-402B-9F01-68C655D4FA0B}" type="slidenum">
+              <a:rPr lang="en-US" smtClean="0">
+                <a:solidFill>
+                  <a:prstClr val="black">
+                    <a:tint val="75000"/>
+                  </a:prstClr>
+                </a:solidFill>
+              </a:rPr>
+              <a:pPr/>
+              <a:t>‹#›</a:t>
+            </a:fld>
+            <a:endParaRPr lang="en-US">
+              <a:solidFill>
+                <a:prstClr val="black">
+                  <a:tint val="75000"/>
+                </a:prstClr>
+              </a:solidFill>
+            </a:endParaRPr>
+          </a:p>
+        </p:txBody>
+      </p:sp>
+    </p:spTree>
+    <p:extLst>
+      <p:ext uri="{BB962C8B-B14F-4D97-AF65-F5344CB8AC3E}">
+        <p14:creationId xmlns:p14="http://schemas.microsoft.com/office/powerpoint/2010/main" val="277280094"/>
+      </p:ext>
+    </p:extLst>
+  </p:cSld>
+  <p:clrMapOvr>
+    <a:masterClrMapping/>
+  </p:clrMapOvr>
+</p:sldLayout>
+</file>
+
+<file path=ppt/slideLayouts/slideLayout21.xml><?xml version="1.0" encoding="utf-8"?>
+<p:sldLayout xmlns:a="http://schemas.openxmlformats.org/drawingml/2006/main" xmlns:r="http://schemas.openxmlformats.org/officeDocument/2006/relationships" xmlns:p="http://schemas.openxmlformats.org/presentationml/2006/main" type="vertTx" preserve="1">
+  <p:cSld name="Title and Vertical Text">
+    <p:spTree>
+      <p:nvGrpSpPr>
+        <p:cNvPr id="1" name=""/>
+        <p:cNvGrpSpPr/>
+        <p:nvPr/>
+      </p:nvGrpSpPr>
+      <p:grpSpPr>
+        <a:xfrm>
+          <a:off x="0" y="0"/>
+          <a:ext cx="0" cy="0"/>
+          <a:chOff x="0" y="0"/>
+          <a:chExt cx="0" cy="0"/>
+        </a:xfrm>
+      </p:grpSpPr>
+      <p:sp>
+        <p:nvSpPr>
+          <p:cNvPr id="2" name="Title 1"/>
+          <p:cNvSpPr>
+            <a:spLocks noGrp="1"/>
+          </p:cNvSpPr>
+          <p:nvPr>
+            <p:ph type="title"/>
+          </p:nvPr>
+        </p:nvSpPr>
+        <p:spPr/>
+        <p:txBody>
+          <a:bodyPr/>
+          <a:lstStyle/>
+          <a:p>
+            <a:r>
+              <a:rPr lang="en-US" smtClean="0"/>
+              <a:t>Click to edit Master title style</a:t>
+            </a:r>
+            <a:endParaRPr lang="en-US"/>
+          </a:p>
+        </p:txBody>
+      </p:sp>
+      <p:sp>
+        <p:nvSpPr>
+          <p:cNvPr id="3" name="Vertical Text Placeholder 2"/>
+          <p:cNvSpPr>
+            <a:spLocks noGrp="1"/>
+          </p:cNvSpPr>
+          <p:nvPr>
+            <p:ph type="body" orient="vert" idx="1"/>
+          </p:nvPr>
+        </p:nvSpPr>
+        <p:spPr/>
+        <p:txBody>
+          <a:bodyPr vert="eaVert"/>
+          <a:lstStyle/>
+          <a:p>
+            <a:pPr lvl="0"/>
+            <a:r>
+              <a:rPr lang="en-US" smtClean="0"/>
+              <a:t>Click to edit Master text styles</a:t>
+            </a:r>
+          </a:p>
+          <a:p>
+            <a:pPr lvl="1"/>
+            <a:r>
+              <a:rPr lang="en-US" smtClean="0"/>
+              <a:t>Second level</a:t>
+            </a:r>
+          </a:p>
+          <a:p>
+            <a:pPr lvl="2"/>
+            <a:r>
+              <a:rPr lang="en-US" smtClean="0"/>
+              <a:t>Third level</a:t>
+            </a:r>
+          </a:p>
+          <a:p>
+            <a:pPr lvl="3"/>
+            <a:r>
+              <a:rPr lang="en-US" smtClean="0"/>
+              <a:t>Fourth level</a:t>
+            </a:r>
+          </a:p>
+          <a:p>
+            <a:pPr lvl="4"/>
+            <a:r>
+              <a:rPr lang="en-US" smtClean="0"/>
+              <a:t>Fifth level</a:t>
+            </a:r>
+            <a:endParaRPr lang="en-US"/>
+          </a:p>
+        </p:txBody>
+      </p:sp>
+      <p:sp>
+        <p:nvSpPr>
+          <p:cNvPr id="4" name="Date Placeholder 3"/>
+          <p:cNvSpPr>
+            <a:spLocks noGrp="1"/>
+          </p:cNvSpPr>
+          <p:nvPr>
+            <p:ph type="dt" sz="half" idx="10"/>
+          </p:nvPr>
+        </p:nvSpPr>
+        <p:spPr/>
+        <p:txBody>
+          <a:bodyPr/>
+          <a:lstStyle/>
+          <a:p>
+            <a:fld id="{97DB8DDF-1FD0-49AC-B178-F837BBBC3C76}" type="datetimeFigureOut">
+              <a:rPr lang="en-US" smtClean="0">
+                <a:solidFill>
+                  <a:prstClr val="black">
+                    <a:tint val="75000"/>
+                  </a:prstClr>
+                </a:solidFill>
+              </a:rPr>
+              <a:pPr/>
+              <a:t>10/21/2015</a:t>
+            </a:fld>
+            <a:endParaRPr lang="en-US">
+              <a:solidFill>
+                <a:prstClr val="black">
+                  <a:tint val="75000"/>
+                </a:prstClr>
+              </a:solidFill>
+            </a:endParaRPr>
+          </a:p>
+        </p:txBody>
+      </p:sp>
+      <p:sp>
+        <p:nvSpPr>
+          <p:cNvPr id="5" name="Footer Placeholder 4"/>
+          <p:cNvSpPr>
+            <a:spLocks noGrp="1"/>
+          </p:cNvSpPr>
+          <p:nvPr>
+            <p:ph type="ftr" sz="quarter" idx="11"/>
+          </p:nvPr>
+        </p:nvSpPr>
+        <p:spPr/>
+        <p:txBody>
+          <a:bodyPr/>
+          <a:lstStyle/>
+          <a:p>
+            <a:endParaRPr lang="en-US">
+              <a:solidFill>
+                <a:prstClr val="black">
+                  <a:tint val="75000"/>
+                </a:prstClr>
+              </a:solidFill>
+            </a:endParaRPr>
+          </a:p>
+        </p:txBody>
+      </p:sp>
+      <p:sp>
+        <p:nvSpPr>
+          <p:cNvPr id="6" name="Slide Number Placeholder 5"/>
+          <p:cNvSpPr>
+            <a:spLocks noGrp="1"/>
+          </p:cNvSpPr>
+          <p:nvPr>
+            <p:ph type="sldNum" sz="quarter" idx="12"/>
+          </p:nvPr>
+        </p:nvSpPr>
+        <p:spPr/>
+        <p:txBody>
+          <a:bodyPr/>
+          <a:lstStyle/>
+          <a:p>
+            <a:fld id="{1BF34D5B-2B9F-402B-9F01-68C655D4FA0B}" type="slidenum">
+              <a:rPr lang="en-US" smtClean="0">
+                <a:solidFill>
+                  <a:prstClr val="black">
+                    <a:tint val="75000"/>
+                  </a:prstClr>
+                </a:solidFill>
+              </a:rPr>
+              <a:pPr/>
+              <a:t>‹#›</a:t>
+            </a:fld>
+            <a:endParaRPr lang="en-US">
+              <a:solidFill>
+                <a:prstClr val="black">
+                  <a:tint val="75000"/>
+                </a:prstClr>
+              </a:solidFill>
+            </a:endParaRPr>
+          </a:p>
+        </p:txBody>
+      </p:sp>
+    </p:spTree>
+    <p:extLst>
+      <p:ext uri="{BB962C8B-B14F-4D97-AF65-F5344CB8AC3E}">
+        <p14:creationId xmlns:p14="http://schemas.microsoft.com/office/powerpoint/2010/main" val="1970347738"/>
+      </p:ext>
+    </p:extLst>
+  </p:cSld>
+  <p:clrMapOvr>
+    <a:masterClrMapping/>
+  </p:clrMapOvr>
+</p:sldLayout>
+</file>
+
+<file path=ppt/slideLayouts/slideLayout22.xml><?xml version="1.0" encoding="utf-8"?>
+<p:sldLayout xmlns:a="http://schemas.openxmlformats.org/drawingml/2006/main" xmlns:r="http://schemas.openxmlformats.org/officeDocument/2006/relationships" xmlns:p="http://schemas.openxmlformats.org/presentationml/2006/main" type="vertTitleAndTx" preserve="1">
+  <p:cSld name="Vertical Title and Text">
+    <p:spTree>
+      <p:nvGrpSpPr>
+        <p:cNvPr id="1" name=""/>
+        <p:cNvGrpSpPr/>
+        <p:nvPr/>
+      </p:nvGrpSpPr>
+      <p:grpSpPr>
+        <a:xfrm>
+          <a:off x="0" y="0"/>
+          <a:ext cx="0" cy="0"/>
+          <a:chOff x="0" y="0"/>
+          <a:chExt cx="0" cy="0"/>
+        </a:xfrm>
+      </p:grpSpPr>
+      <p:sp>
+        <p:nvSpPr>
+          <p:cNvPr id="2" name="Vertical Title 1"/>
+          <p:cNvSpPr>
+            <a:spLocks noGrp="1"/>
+          </p:cNvSpPr>
+          <p:nvPr>
+            <p:ph type="title" orient="vert"/>
+          </p:nvPr>
+        </p:nvSpPr>
+        <p:spPr>
+          <a:xfrm>
+            <a:off x="8724900" y="365125"/>
+            <a:ext cx="2628900" cy="5811838"/>
+          </a:xfrm>
+        </p:spPr>
+        <p:txBody>
+          <a:bodyPr vert="eaVert"/>
+          <a:lstStyle/>
+          <a:p>
+            <a:r>
+              <a:rPr lang="en-US" smtClean="0"/>
+              <a:t>Click to edit Master title style</a:t>
+            </a:r>
+            <a:endParaRPr lang="en-US"/>
+          </a:p>
+        </p:txBody>
+      </p:sp>
+      <p:sp>
+        <p:nvSpPr>
+          <p:cNvPr id="3" name="Vertical Text Placeholder 2"/>
+          <p:cNvSpPr>
+            <a:spLocks noGrp="1"/>
+          </p:cNvSpPr>
+          <p:nvPr>
+            <p:ph type="body" orient="vert" idx="1"/>
+          </p:nvPr>
+        </p:nvSpPr>
+        <p:spPr>
+          <a:xfrm>
+            <a:off x="838200" y="365125"/>
+            <a:ext cx="7734300" cy="5811838"/>
+          </a:xfrm>
+        </p:spPr>
+        <p:txBody>
+          <a:bodyPr vert="eaVert"/>
+          <a:lstStyle/>
+          <a:p>
+            <a:pPr lvl="0"/>
+            <a:r>
+              <a:rPr lang="en-US" smtClean="0"/>
+              <a:t>Click to edit Master text styles</a:t>
+            </a:r>
+          </a:p>
+          <a:p>
+            <a:pPr lvl="1"/>
+            <a:r>
+              <a:rPr lang="en-US" smtClean="0"/>
+              <a:t>Second level</a:t>
+            </a:r>
+          </a:p>
+          <a:p>
+            <a:pPr lvl="2"/>
+            <a:r>
+              <a:rPr lang="en-US" smtClean="0"/>
+              <a:t>Third level</a:t>
+            </a:r>
+          </a:p>
+          <a:p>
+            <a:pPr lvl="3"/>
+            <a:r>
+              <a:rPr lang="en-US" smtClean="0"/>
+              <a:t>Fourth level</a:t>
+            </a:r>
+          </a:p>
+          <a:p>
+            <a:pPr lvl="4"/>
+            <a:r>
+              <a:rPr lang="en-US" smtClean="0"/>
+              <a:t>Fifth level</a:t>
+            </a:r>
+            <a:endParaRPr lang="en-US"/>
+          </a:p>
+        </p:txBody>
+      </p:sp>
+      <p:sp>
+        <p:nvSpPr>
+          <p:cNvPr id="4" name="Date Placeholder 3"/>
+          <p:cNvSpPr>
+            <a:spLocks noGrp="1"/>
+          </p:cNvSpPr>
+          <p:nvPr>
+            <p:ph type="dt" sz="half" idx="10"/>
+          </p:nvPr>
+        </p:nvSpPr>
+        <p:spPr/>
+        <p:txBody>
+          <a:bodyPr/>
+          <a:lstStyle/>
+          <a:p>
+            <a:fld id="{97DB8DDF-1FD0-49AC-B178-F837BBBC3C76}" type="datetimeFigureOut">
+              <a:rPr lang="en-US" smtClean="0">
+                <a:solidFill>
+                  <a:prstClr val="black">
+                    <a:tint val="75000"/>
+                  </a:prstClr>
+                </a:solidFill>
+              </a:rPr>
+              <a:pPr/>
+              <a:t>10/21/2015</a:t>
+            </a:fld>
+            <a:endParaRPr lang="en-US">
+              <a:solidFill>
+                <a:prstClr val="black">
+                  <a:tint val="75000"/>
+                </a:prstClr>
+              </a:solidFill>
+            </a:endParaRPr>
+          </a:p>
+        </p:txBody>
+      </p:sp>
+      <p:sp>
+        <p:nvSpPr>
+          <p:cNvPr id="5" name="Footer Placeholder 4"/>
+          <p:cNvSpPr>
+            <a:spLocks noGrp="1"/>
+          </p:cNvSpPr>
+          <p:nvPr>
+            <p:ph type="ftr" sz="quarter" idx="11"/>
+          </p:nvPr>
+        </p:nvSpPr>
+        <p:spPr/>
+        <p:txBody>
+          <a:bodyPr/>
+          <a:lstStyle/>
+          <a:p>
+            <a:endParaRPr lang="en-US">
+              <a:solidFill>
+                <a:prstClr val="black">
+                  <a:tint val="75000"/>
+                </a:prstClr>
+              </a:solidFill>
+            </a:endParaRPr>
+          </a:p>
+        </p:txBody>
+      </p:sp>
+      <p:sp>
+        <p:nvSpPr>
+          <p:cNvPr id="6" name="Slide Number Placeholder 5"/>
+          <p:cNvSpPr>
+            <a:spLocks noGrp="1"/>
+          </p:cNvSpPr>
+          <p:nvPr>
+            <p:ph type="sldNum" sz="quarter" idx="12"/>
+          </p:nvPr>
+        </p:nvSpPr>
+        <p:spPr/>
+        <p:txBody>
+          <a:bodyPr/>
+          <a:lstStyle/>
+          <a:p>
+            <a:fld id="{1BF34D5B-2B9F-402B-9F01-68C655D4FA0B}" type="slidenum">
+              <a:rPr lang="en-US" smtClean="0">
+                <a:solidFill>
+                  <a:prstClr val="black">
+                    <a:tint val="75000"/>
+                  </a:prstClr>
+                </a:solidFill>
+              </a:rPr>
+              <a:pPr/>
+              <a:t>‹#›</a:t>
+            </a:fld>
+            <a:endParaRPr lang="en-US">
+              <a:solidFill>
+                <a:prstClr val="black">
+                  <a:tint val="75000"/>
+                </a:prstClr>
+              </a:solidFill>
+            </a:endParaRPr>
+          </a:p>
+        </p:txBody>
+      </p:sp>
+    </p:spTree>
+    <p:extLst>
+      <p:ext uri="{BB962C8B-B14F-4D97-AF65-F5344CB8AC3E}">
+        <p14:creationId xmlns:p14="http://schemas.microsoft.com/office/powerpoint/2010/main" val="423082287"/>
       </p:ext>
     </p:extLst>
   </p:cSld>
@@ -2961,6 +5614,578 @@
 </p:sldMaster>
 </file>
 
+<file path=ppt/slideMasters/slideMaster2.xml><?xml version="1.0" encoding="utf-8"?>
+<p:sldMaster xmlns:a="http://schemas.openxmlformats.org/drawingml/2006/main" xmlns:r="http://schemas.openxmlformats.org/officeDocument/2006/relationships" xmlns:p="http://schemas.openxmlformats.org/presentationml/2006/main">
+  <p:cSld>
+    <p:bg>
+      <p:bgRef idx="1001">
+        <a:schemeClr val="bg1"/>
+      </p:bgRef>
+    </p:bg>
+    <p:spTree>
+      <p:nvGrpSpPr>
+        <p:cNvPr id="1" name=""/>
+        <p:cNvGrpSpPr/>
+        <p:nvPr/>
+      </p:nvGrpSpPr>
+      <p:grpSpPr>
+        <a:xfrm>
+          <a:off x="0" y="0"/>
+          <a:ext cx="0" cy="0"/>
+          <a:chOff x="0" y="0"/>
+          <a:chExt cx="0" cy="0"/>
+        </a:xfrm>
+      </p:grpSpPr>
+      <p:sp>
+        <p:nvSpPr>
+          <p:cNvPr id="2" name="Title Placeholder 1"/>
+          <p:cNvSpPr>
+            <a:spLocks noGrp="1"/>
+          </p:cNvSpPr>
+          <p:nvPr>
+            <p:ph type="title"/>
+          </p:nvPr>
+        </p:nvSpPr>
+        <p:spPr>
+          <a:xfrm>
+            <a:off x="838200" y="365125"/>
+            <a:ext cx="10515600" cy="1325563"/>
+          </a:xfrm>
+          <a:prstGeom prst="rect">
+            <a:avLst/>
+          </a:prstGeom>
+        </p:spPr>
+        <p:txBody>
+          <a:bodyPr vert="horz" lIns="91440" tIns="45720" rIns="91440" bIns="45720" rtlCol="0" anchor="ctr">
+            <a:normAutofit/>
+          </a:bodyPr>
+          <a:lstStyle/>
+          <a:p>
+            <a:r>
+              <a:rPr lang="en-US" smtClean="0"/>
+              <a:t>Click to edit Master title style</a:t>
+            </a:r>
+            <a:endParaRPr lang="en-US"/>
+          </a:p>
+        </p:txBody>
+      </p:sp>
+      <p:sp>
+        <p:nvSpPr>
+          <p:cNvPr id="3" name="Text Placeholder 2"/>
+          <p:cNvSpPr>
+            <a:spLocks noGrp="1"/>
+          </p:cNvSpPr>
+          <p:nvPr>
+            <p:ph type="body" idx="1"/>
+          </p:nvPr>
+        </p:nvSpPr>
+        <p:spPr>
+          <a:xfrm>
+            <a:off x="838200" y="1825625"/>
+            <a:ext cx="10515600" cy="4351338"/>
+          </a:xfrm>
+          <a:prstGeom prst="rect">
+            <a:avLst/>
+          </a:prstGeom>
+        </p:spPr>
+        <p:txBody>
+          <a:bodyPr vert="horz" lIns="91440" tIns="45720" rIns="91440" bIns="45720" rtlCol="0">
+            <a:normAutofit/>
+          </a:bodyPr>
+          <a:lstStyle/>
+          <a:p>
+            <a:pPr lvl="0"/>
+            <a:r>
+              <a:rPr lang="en-US" smtClean="0"/>
+              <a:t>Click to edit Master text styles</a:t>
+            </a:r>
+          </a:p>
+          <a:p>
+            <a:pPr lvl="1"/>
+            <a:r>
+              <a:rPr lang="en-US" smtClean="0"/>
+              <a:t>Second level</a:t>
+            </a:r>
+          </a:p>
+          <a:p>
+            <a:pPr lvl="2"/>
+            <a:r>
+              <a:rPr lang="en-US" smtClean="0"/>
+              <a:t>Third level</a:t>
+            </a:r>
+          </a:p>
+          <a:p>
+            <a:pPr lvl="3"/>
+            <a:r>
+              <a:rPr lang="en-US" smtClean="0"/>
+              <a:t>Fourth level</a:t>
+            </a:r>
+          </a:p>
+          <a:p>
+            <a:pPr lvl="4"/>
+            <a:r>
+              <a:rPr lang="en-US" smtClean="0"/>
+              <a:t>Fifth level</a:t>
+            </a:r>
+            <a:endParaRPr lang="en-US"/>
+          </a:p>
+        </p:txBody>
+      </p:sp>
+      <p:sp>
+        <p:nvSpPr>
+          <p:cNvPr id="4" name="Date Placeholder 3"/>
+          <p:cNvSpPr>
+            <a:spLocks noGrp="1"/>
+          </p:cNvSpPr>
+          <p:nvPr>
+            <p:ph type="dt" sz="half" idx="2"/>
+          </p:nvPr>
+        </p:nvSpPr>
+        <p:spPr>
+          <a:xfrm>
+            <a:off x="838200" y="6356350"/>
+            <a:ext cx="2743200" cy="365125"/>
+          </a:xfrm>
+          <a:prstGeom prst="rect">
+            <a:avLst/>
+          </a:prstGeom>
+        </p:spPr>
+        <p:txBody>
+          <a:bodyPr vert="horz" lIns="91440" tIns="45720" rIns="91440" bIns="45720" rtlCol="0" anchor="ctr"/>
+          <a:lstStyle>
+            <a:lvl1pPr algn="l">
+              <a:defRPr sz="1200">
+                <a:solidFill>
+                  <a:schemeClr val="tx1">
+                    <a:tint val="75000"/>
+                  </a:schemeClr>
+                </a:solidFill>
+              </a:defRPr>
+            </a:lvl1pPr>
+          </a:lstStyle>
+          <a:p>
+            <a:fld id="{97DB8DDF-1FD0-49AC-B178-F837BBBC3C76}" type="datetimeFigureOut">
+              <a:rPr lang="en-US" smtClean="0">
+                <a:solidFill>
+                  <a:prstClr val="black">
+                    <a:tint val="75000"/>
+                  </a:prstClr>
+                </a:solidFill>
+              </a:rPr>
+              <a:pPr/>
+              <a:t>10/21/2015</a:t>
+            </a:fld>
+            <a:endParaRPr lang="en-US">
+              <a:solidFill>
+                <a:prstClr val="black">
+                  <a:tint val="75000"/>
+                </a:prstClr>
+              </a:solidFill>
+            </a:endParaRPr>
+          </a:p>
+        </p:txBody>
+      </p:sp>
+      <p:sp>
+        <p:nvSpPr>
+          <p:cNvPr id="5" name="Footer Placeholder 4"/>
+          <p:cNvSpPr>
+            <a:spLocks noGrp="1"/>
+          </p:cNvSpPr>
+          <p:nvPr>
+            <p:ph type="ftr" sz="quarter" idx="3"/>
+          </p:nvPr>
+        </p:nvSpPr>
+        <p:spPr>
+          <a:xfrm>
+            <a:off x="4038600" y="6356350"/>
+            <a:ext cx="4114800" cy="365125"/>
+          </a:xfrm>
+          <a:prstGeom prst="rect">
+            <a:avLst/>
+          </a:prstGeom>
+        </p:spPr>
+        <p:txBody>
+          <a:bodyPr vert="horz" lIns="91440" tIns="45720" rIns="91440" bIns="45720" rtlCol="0" anchor="ctr"/>
+          <a:lstStyle>
+            <a:lvl1pPr algn="ctr">
+              <a:defRPr sz="1200">
+                <a:solidFill>
+                  <a:schemeClr val="tx1">
+                    <a:tint val="75000"/>
+                  </a:schemeClr>
+                </a:solidFill>
+              </a:defRPr>
+            </a:lvl1pPr>
+          </a:lstStyle>
+          <a:p>
+            <a:endParaRPr lang="en-US">
+              <a:solidFill>
+                <a:prstClr val="black">
+                  <a:tint val="75000"/>
+                </a:prstClr>
+              </a:solidFill>
+            </a:endParaRPr>
+          </a:p>
+        </p:txBody>
+      </p:sp>
+      <p:sp>
+        <p:nvSpPr>
+          <p:cNvPr id="6" name="Slide Number Placeholder 5"/>
+          <p:cNvSpPr>
+            <a:spLocks noGrp="1"/>
+          </p:cNvSpPr>
+          <p:nvPr>
+            <p:ph type="sldNum" sz="quarter" idx="4"/>
+          </p:nvPr>
+        </p:nvSpPr>
+        <p:spPr>
+          <a:xfrm>
+            <a:off x="8610600" y="6356350"/>
+            <a:ext cx="2743200" cy="365125"/>
+          </a:xfrm>
+          <a:prstGeom prst="rect">
+            <a:avLst/>
+          </a:prstGeom>
+        </p:spPr>
+        <p:txBody>
+          <a:bodyPr vert="horz" lIns="91440" tIns="45720" rIns="91440" bIns="45720" rtlCol="0" anchor="ctr"/>
+          <a:lstStyle>
+            <a:lvl1pPr algn="r">
+              <a:defRPr sz="1200">
+                <a:solidFill>
+                  <a:schemeClr val="tx1">
+                    <a:tint val="75000"/>
+                  </a:schemeClr>
+                </a:solidFill>
+              </a:defRPr>
+            </a:lvl1pPr>
+          </a:lstStyle>
+          <a:p>
+            <a:fld id="{1BF34D5B-2B9F-402B-9F01-68C655D4FA0B}" type="slidenum">
+              <a:rPr lang="en-US" smtClean="0">
+                <a:solidFill>
+                  <a:prstClr val="black">
+                    <a:tint val="75000"/>
+                  </a:prstClr>
+                </a:solidFill>
+              </a:rPr>
+              <a:pPr/>
+              <a:t>‹#›</a:t>
+            </a:fld>
+            <a:endParaRPr lang="en-US">
+              <a:solidFill>
+                <a:prstClr val="black">
+                  <a:tint val="75000"/>
+                </a:prstClr>
+              </a:solidFill>
+            </a:endParaRPr>
+          </a:p>
+        </p:txBody>
+      </p:sp>
+    </p:spTree>
+    <p:extLst>
+      <p:ext uri="{BB962C8B-B14F-4D97-AF65-F5344CB8AC3E}">
+        <p14:creationId xmlns:p14="http://schemas.microsoft.com/office/powerpoint/2010/main" val="1137983106"/>
+      </p:ext>
+    </p:extLst>
+  </p:cSld>
+  <p:clrMap bg1="lt1" tx1="dk1" bg2="lt2" tx2="dk2" accent1="accent1" accent2="accent2" accent3="accent3" accent4="accent4" accent5="accent5" accent6="accent6" hlink="hlink" folHlink="folHlink"/>
+  <p:sldLayoutIdLst>
+    <p:sldLayoutId id="2147483661" r:id="rId1"/>
+    <p:sldLayoutId id="2147483662" r:id="rId2"/>
+    <p:sldLayoutId id="2147483663" r:id="rId3"/>
+    <p:sldLayoutId id="2147483664" r:id="rId4"/>
+    <p:sldLayoutId id="2147483665" r:id="rId5"/>
+    <p:sldLayoutId id="2147483666" r:id="rId6"/>
+    <p:sldLayoutId id="2147483667" r:id="rId7"/>
+    <p:sldLayoutId id="2147483668" r:id="rId8"/>
+    <p:sldLayoutId id="2147483669" r:id="rId9"/>
+    <p:sldLayoutId id="2147483670" r:id="rId10"/>
+    <p:sldLayoutId id="2147483671" r:id="rId11"/>
+  </p:sldLayoutIdLst>
+  <p:txStyles>
+    <p:titleStyle>
+      <a:lvl1pPr algn="l" defTabSz="914400" rtl="0" eaLnBrk="1" latinLnBrk="0" hangingPunct="1">
+        <a:lnSpc>
+          <a:spcPct val="90000"/>
+        </a:lnSpc>
+        <a:spcBef>
+          <a:spcPct val="0"/>
+        </a:spcBef>
+        <a:buNone/>
+        <a:defRPr sz="4400" kern="1200">
+          <a:solidFill>
+            <a:schemeClr val="tx1"/>
+          </a:solidFill>
+          <a:latin typeface="+mj-lt"/>
+          <a:ea typeface="+mj-ea"/>
+          <a:cs typeface="+mj-cs"/>
+        </a:defRPr>
+      </a:lvl1pPr>
+    </p:titleStyle>
+    <p:bodyStyle>
+      <a:lvl1pPr marL="228600" indent="-228600" algn="l" defTabSz="914400" rtl="0" eaLnBrk="1" latinLnBrk="0" hangingPunct="1">
+        <a:lnSpc>
+          <a:spcPct val="90000"/>
+        </a:lnSpc>
+        <a:spcBef>
+          <a:spcPts val="1000"/>
+        </a:spcBef>
+        <a:buFont typeface="Arial" panose="020B0604020202020204" pitchFamily="34" charset="0"/>
+        <a:buChar char="•"/>
+        <a:defRPr sz="2800" kern="1200">
+          <a:solidFill>
+            <a:schemeClr val="tx1"/>
+          </a:solidFill>
+          <a:latin typeface="+mn-lt"/>
+          <a:ea typeface="+mn-ea"/>
+          <a:cs typeface="+mn-cs"/>
+        </a:defRPr>
+      </a:lvl1pPr>
+      <a:lvl2pPr marL="685800" indent="-228600" algn="l" defTabSz="914400" rtl="0" eaLnBrk="1" latinLnBrk="0" hangingPunct="1">
+        <a:lnSpc>
+          <a:spcPct val="90000"/>
+        </a:lnSpc>
+        <a:spcBef>
+          <a:spcPts val="500"/>
+        </a:spcBef>
+        <a:buFont typeface="Arial" panose="020B0604020202020204" pitchFamily="34" charset="0"/>
+        <a:buChar char="•"/>
+        <a:defRPr sz="2400" kern="1200">
+          <a:solidFill>
+            <a:schemeClr val="tx1"/>
+          </a:solidFill>
+          <a:latin typeface="+mn-lt"/>
+          <a:ea typeface="+mn-ea"/>
+          <a:cs typeface="+mn-cs"/>
+        </a:defRPr>
+      </a:lvl2pPr>
+      <a:lvl3pPr marL="1143000" indent="-228600" algn="l" defTabSz="914400" rtl="0" eaLnBrk="1" latinLnBrk="0" hangingPunct="1">
+        <a:lnSpc>
+          <a:spcPct val="90000"/>
+        </a:lnSpc>
+        <a:spcBef>
+          <a:spcPts val="500"/>
+        </a:spcBef>
+        <a:buFont typeface="Arial" panose="020B0604020202020204" pitchFamily="34" charset="0"/>
+        <a:buChar char="•"/>
+        <a:defRPr sz="2000" kern="1200">
+          <a:solidFill>
+            <a:schemeClr val="tx1"/>
+          </a:solidFill>
+          <a:latin typeface="+mn-lt"/>
+          <a:ea typeface="+mn-ea"/>
+          <a:cs typeface="+mn-cs"/>
+        </a:defRPr>
+      </a:lvl3pPr>
+      <a:lvl4pPr marL="1600200" indent="-228600" algn="l" defTabSz="914400" rtl="0" eaLnBrk="1" latinLnBrk="0" hangingPunct="1">
+        <a:lnSpc>
+          <a:spcPct val="90000"/>
+        </a:lnSpc>
+        <a:spcBef>
+          <a:spcPts val="500"/>
+        </a:spcBef>
+        <a:buFont typeface="Arial" panose="020B0604020202020204" pitchFamily="34" charset="0"/>
+        <a:buChar char="•"/>
+        <a:defRPr sz="1800" kern="1200">
+          <a:solidFill>
+            <a:schemeClr val="tx1"/>
+          </a:solidFill>
+          <a:latin typeface="+mn-lt"/>
+          <a:ea typeface="+mn-ea"/>
+          <a:cs typeface="+mn-cs"/>
+        </a:defRPr>
+      </a:lvl4pPr>
+      <a:lvl5pPr marL="2057400" indent="-228600" algn="l" defTabSz="914400" rtl="0" eaLnBrk="1" latinLnBrk="0" hangingPunct="1">
+        <a:lnSpc>
+          <a:spcPct val="90000"/>
+        </a:lnSpc>
+        <a:spcBef>
+          <a:spcPts val="500"/>
+        </a:spcBef>
+        <a:buFont typeface="Arial" panose="020B0604020202020204" pitchFamily="34" charset="0"/>
+        <a:buChar char="•"/>
+        <a:defRPr sz="1800" kern="1200">
+          <a:solidFill>
+            <a:schemeClr val="tx1"/>
+          </a:solidFill>
+          <a:latin typeface="+mn-lt"/>
+          <a:ea typeface="+mn-ea"/>
+          <a:cs typeface="+mn-cs"/>
+        </a:defRPr>
+      </a:lvl5pPr>
+      <a:lvl6pPr marL="2514600" indent="-228600" algn="l" defTabSz="914400" rtl="0" eaLnBrk="1" latinLnBrk="0" hangingPunct="1">
+        <a:lnSpc>
+          <a:spcPct val="90000"/>
+        </a:lnSpc>
+        <a:spcBef>
+          <a:spcPts val="500"/>
+        </a:spcBef>
+        <a:buFont typeface="Arial" panose="020B0604020202020204" pitchFamily="34" charset="0"/>
+        <a:buChar char="•"/>
+        <a:defRPr sz="1800" kern="1200">
+          <a:solidFill>
+            <a:schemeClr val="tx1"/>
+          </a:solidFill>
+          <a:latin typeface="+mn-lt"/>
+          <a:ea typeface="+mn-ea"/>
+          <a:cs typeface="+mn-cs"/>
+        </a:defRPr>
+      </a:lvl6pPr>
+      <a:lvl7pPr marL="2971800" indent="-228600" algn="l" defTabSz="914400" rtl="0" eaLnBrk="1" latinLnBrk="0" hangingPunct="1">
+        <a:lnSpc>
+          <a:spcPct val="90000"/>
+        </a:lnSpc>
+        <a:spcBef>
+          <a:spcPts val="500"/>
+        </a:spcBef>
+        <a:buFont typeface="Arial" panose="020B0604020202020204" pitchFamily="34" charset="0"/>
+        <a:buChar char="•"/>
+        <a:defRPr sz="1800" kern="1200">
+          <a:solidFill>
+            <a:schemeClr val="tx1"/>
+          </a:solidFill>
+          <a:latin typeface="+mn-lt"/>
+          <a:ea typeface="+mn-ea"/>
+          <a:cs typeface="+mn-cs"/>
+        </a:defRPr>
+      </a:lvl7pPr>
+      <a:lvl8pPr marL="3429000" indent="-228600" algn="l" defTabSz="914400" rtl="0" eaLnBrk="1" latinLnBrk="0" hangingPunct="1">
+        <a:lnSpc>
+          <a:spcPct val="90000"/>
+        </a:lnSpc>
+        <a:spcBef>
+          <a:spcPts val="500"/>
+        </a:spcBef>
+        <a:buFont typeface="Arial" panose="020B0604020202020204" pitchFamily="34" charset="0"/>
+        <a:buChar char="•"/>
+        <a:defRPr sz="1800" kern="1200">
+          <a:solidFill>
+            <a:schemeClr val="tx1"/>
+          </a:solidFill>
+          <a:latin typeface="+mn-lt"/>
+          <a:ea typeface="+mn-ea"/>
+          <a:cs typeface="+mn-cs"/>
+        </a:defRPr>
+      </a:lvl8pPr>
+      <a:lvl9pPr marL="3886200" indent="-228600" algn="l" defTabSz="914400" rtl="0" eaLnBrk="1" latinLnBrk="0" hangingPunct="1">
+        <a:lnSpc>
+          <a:spcPct val="90000"/>
+        </a:lnSpc>
+        <a:spcBef>
+          <a:spcPts val="500"/>
+        </a:spcBef>
+        <a:buFont typeface="Arial" panose="020B0604020202020204" pitchFamily="34" charset="0"/>
+        <a:buChar char="•"/>
+        <a:defRPr sz="1800" kern="1200">
+          <a:solidFill>
+            <a:schemeClr val="tx1"/>
+          </a:solidFill>
+          <a:latin typeface="+mn-lt"/>
+          <a:ea typeface="+mn-ea"/>
+          <a:cs typeface="+mn-cs"/>
+        </a:defRPr>
+      </a:lvl9pPr>
+    </p:bodyStyle>
+    <p:otherStyle>
+      <a:defPPr>
+        <a:defRPr lang="en-US"/>
+      </a:defPPr>
+      <a:lvl1pPr marL="0" algn="l" defTabSz="914400" rtl="0" eaLnBrk="1" latinLnBrk="0" hangingPunct="1">
+        <a:defRPr sz="1800" kern="1200">
+          <a:solidFill>
+            <a:schemeClr val="tx1"/>
+          </a:solidFill>
+          <a:latin typeface="+mn-lt"/>
+          <a:ea typeface="+mn-ea"/>
+          <a:cs typeface="+mn-cs"/>
+        </a:defRPr>
+      </a:lvl1pPr>
+      <a:lvl2pPr marL="457200" algn="l" defTabSz="914400" rtl="0" eaLnBrk="1" latinLnBrk="0" hangingPunct="1">
+        <a:defRPr sz="1800" kern="1200">
+          <a:solidFill>
+            <a:schemeClr val="tx1"/>
+          </a:solidFill>
+          <a:latin typeface="+mn-lt"/>
+          <a:ea typeface="+mn-ea"/>
+          <a:cs typeface="+mn-cs"/>
+        </a:defRPr>
+      </a:lvl2pPr>
+      <a:lvl3pPr marL="914400" algn="l" defTabSz="914400" rtl="0" eaLnBrk="1" latinLnBrk="0" hangingPunct="1">
+        <a:defRPr sz="1800" kern="1200">
+          <a:solidFill>
+            <a:schemeClr val="tx1"/>
+          </a:solidFill>
+          <a:latin typeface="+mn-lt"/>
+          <a:ea typeface="+mn-ea"/>
+          <a:cs typeface="+mn-cs"/>
+        </a:defRPr>
+      </a:lvl3pPr>
+      <a:lvl4pPr marL="1371600" algn="l" defTabSz="914400" rtl="0" eaLnBrk="1" latinLnBrk="0" hangingPunct="1">
+        <a:defRPr sz="1800" kern="1200">
+          <a:solidFill>
+            <a:schemeClr val="tx1"/>
+          </a:solidFill>
+          <a:latin typeface="+mn-lt"/>
+          <a:ea typeface="+mn-ea"/>
+          <a:cs typeface="+mn-cs"/>
+        </a:defRPr>
+      </a:lvl4pPr>
+      <a:lvl5pPr marL="1828800" algn="l" defTabSz="914400" rtl="0" eaLnBrk="1" latinLnBrk="0" hangingPunct="1">
+        <a:defRPr sz="1800" kern="1200">
+          <a:solidFill>
+            <a:schemeClr val="tx1"/>
+          </a:solidFill>
+          <a:latin typeface="+mn-lt"/>
+          <a:ea typeface="+mn-ea"/>
+          <a:cs typeface="+mn-cs"/>
+        </a:defRPr>
+      </a:lvl5pPr>
+      <a:lvl6pPr marL="2286000" algn="l" defTabSz="914400" rtl="0" eaLnBrk="1" latinLnBrk="0" hangingPunct="1">
+        <a:defRPr sz="1800" kern="1200">
+          <a:solidFill>
+            <a:schemeClr val="tx1"/>
+          </a:solidFill>
+          <a:latin typeface="+mn-lt"/>
+          <a:ea typeface="+mn-ea"/>
+          <a:cs typeface="+mn-cs"/>
+        </a:defRPr>
+      </a:lvl6pPr>
+      <a:lvl7pPr marL="2743200" algn="l" defTabSz="914400" rtl="0" eaLnBrk="1" latinLnBrk="0" hangingPunct="1">
+        <a:defRPr sz="1800" kern="1200">
+          <a:solidFill>
+            <a:schemeClr val="tx1"/>
+          </a:solidFill>
+          <a:latin typeface="+mn-lt"/>
+          <a:ea typeface="+mn-ea"/>
+          <a:cs typeface="+mn-cs"/>
+        </a:defRPr>
+      </a:lvl7pPr>
+      <a:lvl8pPr marL="3200400" algn="l" defTabSz="914400" rtl="0" eaLnBrk="1" latinLnBrk="0" hangingPunct="1">
+        <a:defRPr sz="1800" kern="1200">
+          <a:solidFill>
+            <a:schemeClr val="tx1"/>
+          </a:solidFill>
+          <a:latin typeface="+mn-lt"/>
+          <a:ea typeface="+mn-ea"/>
+          <a:cs typeface="+mn-cs"/>
+        </a:defRPr>
+      </a:lvl8pPr>
+      <a:lvl9pPr marL="3657600" algn="l" defTabSz="914400" rtl="0" eaLnBrk="1" latinLnBrk="0" hangingPunct="1">
+        <a:defRPr sz="1800" kern="1200">
+          <a:solidFill>
+            <a:schemeClr val="tx1"/>
+          </a:solidFill>
+          <a:latin typeface="+mn-lt"/>
+          <a:ea typeface="+mn-ea"/>
+          <a:cs typeface="+mn-cs"/>
+        </a:defRPr>
+      </a:lvl9pPr>
+    </p:otherStyle>
+  </p:txStyles>
+</p:sldMaster>
+</file>
+
 <file path=ppt/slides/slide1.xml><?xml version="1.0" encoding="utf-8"?>
 <p:sld xmlns:a="http://schemas.openxmlformats.org/drawingml/2006/main" xmlns:r="http://schemas.openxmlformats.org/officeDocument/2006/relationships" xmlns:p="http://schemas.openxmlformats.org/presentationml/2006/main">
   <p:cSld>
@@ -3194,7 +6419,21 @@
           <a:p>
             <a:r>
               <a:rPr lang="en-US" dirty="0" smtClean="0"/>
-              <a:t>Define the set of BLE services that will be used when operating over BLE</a:t>
+              <a:t>Define the set of services that will be used when operating over BLE</a:t>
+            </a:r>
+          </a:p>
+          <a:p>
+            <a:r>
+              <a:rPr lang="en-US" dirty="0" smtClean="0"/>
+              <a:t>Try to get the BL600 module on Dr. </a:t>
+            </a:r>
+            <a:r>
+              <a:rPr lang="en-US" dirty="0" err="1" smtClean="0"/>
+              <a:t>Jovanov’s</a:t>
+            </a:r>
+            <a:r>
+              <a:rPr lang="en-US" dirty="0" smtClean="0"/>
+              <a:t> development board set up so that it can be reprogrammed OTA as we progress</a:t>
             </a:r>
           </a:p>
           <a:p>
@@ -3363,18 +6602,20 @@
         </p:nvSpPr>
         <p:spPr/>
         <p:txBody>
-          <a:bodyPr/>
+          <a:bodyPr>
+            <a:normAutofit/>
+          </a:bodyPr>
           <a:lstStyle/>
           <a:p>
             <a:r>
               <a:rPr lang="en-US" dirty="0" smtClean="0"/>
-              <a:t>User can pair/bond with BL600 via smartphone (10/24)</a:t>
+              <a:t>User can pair with device via smartphone (app/device)</a:t>
             </a:r>
           </a:p>
           <a:p>
             <a:r>
               <a:rPr lang="en-US" dirty="0" smtClean="0"/>
-              <a:t>User can arm/disarm device (10/24)</a:t>
+              <a:t>User can arm/disarm device (app/device)</a:t>
             </a:r>
           </a:p>
           <a:p>
@@ -3388,59 +6629,31 @@
             </a:r>
             <a:r>
               <a:rPr lang="en-US" dirty="0" smtClean="0"/>
-              <a:t> development board (11/1)</a:t>
+              <a:t> development board (device)</a:t>
             </a:r>
           </a:p>
           <a:p>
             <a:r>
               <a:rPr lang="en-US" dirty="0" smtClean="0"/>
-              <a:t>User is notified when the BL600 detects motion (11/7)</a:t>
-            </a:r>
-          </a:p>
-          <a:p>
-            <a:r>
-              <a:rPr lang="en-US" dirty="0" smtClean="0">
-                <a:solidFill>
-                  <a:srgbClr val="FF0000"/>
-                </a:solidFill>
-              </a:rPr>
-              <a:t>User can name device</a:t>
-            </a:r>
-          </a:p>
-          <a:p>
-            <a:r>
-              <a:rPr lang="en-US" dirty="0" smtClean="0">
-                <a:solidFill>
-                  <a:srgbClr val="FF0000"/>
-                </a:solidFill>
-              </a:rPr>
-              <a:t>User can add multiple devices</a:t>
-            </a:r>
-          </a:p>
-          <a:p>
-            <a:r>
-              <a:rPr lang="en-US" dirty="0" err="1" smtClean="0">
-                <a:solidFill>
-                  <a:srgbClr val="FF0000"/>
-                </a:solidFill>
-              </a:rPr>
-              <a:t>Wifi</a:t>
-            </a:r>
-            <a:r>
-              <a:rPr lang="en-US" dirty="0">
-                <a:solidFill>
-                  <a:srgbClr val="FF0000"/>
-                </a:solidFill>
-              </a:rPr>
-              <a:t> </a:t>
-            </a:r>
-            <a:r>
-              <a:rPr lang="en-US" dirty="0" smtClean="0">
-                <a:solidFill>
-                  <a:srgbClr val="FF0000"/>
-                </a:solidFill>
-              </a:rPr>
-              <a:t>mode</a:t>
+              <a:t>User is notified when the armed device detects motion (app/device)</a:t>
+            </a:r>
+          </a:p>
+          <a:p>
+            <a:r>
+              <a:rPr lang="en-US" dirty="0" smtClean="0"/>
+              <a:t>User can name device (app/device)</a:t>
+            </a:r>
+          </a:p>
+          <a:p>
+            <a:r>
+              <a:rPr lang="en-US" dirty="0" smtClean="0"/>
+              <a:t>User can view device diagnostics (app/device)</a:t>
+            </a:r>
+          </a:p>
+          <a:p>
+            <a:r>
+              <a:rPr lang="en-US" dirty="0" smtClean="0"/>
+              <a:t>Write project paper</a:t>
             </a:r>
           </a:p>
           <a:p>
@@ -3505,7 +6718,7 @@
           <a:p>
             <a:r>
               <a:rPr lang="en-US" dirty="0" smtClean="0"/>
-              <a:t>Outstanding Issues/Questions</a:t>
+              <a:t>Stretch Goals</a:t>
             </a:r>
             <a:endParaRPr lang="en-US" dirty="0"/>
           </a:p>
@@ -3527,30 +6740,52 @@
           <a:lstStyle/>
           <a:p>
             <a:r>
-              <a:rPr lang="en-US" dirty="0" smtClean="0">
-                <a:solidFill>
-                  <a:srgbClr val="FF0000"/>
-                </a:solidFill>
-              </a:rPr>
-              <a:t>What are the requirements/expectations for the paper?</a:t>
-            </a:r>
-          </a:p>
-          <a:p>
-            <a:r>
-              <a:rPr lang="en-US" dirty="0" smtClean="0">
-                <a:solidFill>
-                  <a:srgbClr val="FF0000"/>
-                </a:solidFill>
-              </a:rPr>
-              <a:t>Which goals are critical and which are stretch goals?</a:t>
-            </a:r>
+              <a:rPr lang="en-US" dirty="0" smtClean="0"/>
+              <a:t>User can add multiple devices</a:t>
+            </a:r>
+          </a:p>
+          <a:p>
+            <a:r>
+              <a:rPr lang="en-US" dirty="0" smtClean="0"/>
+              <a:t>Enable encrypted communication</a:t>
+            </a:r>
+          </a:p>
+          <a:p>
+            <a:r>
+              <a:rPr lang="en-US" dirty="0" smtClean="0"/>
+              <a:t>Enable </a:t>
+            </a:r>
+            <a:r>
+              <a:rPr lang="en-US" dirty="0" err="1" smtClean="0"/>
+              <a:t>Wifi</a:t>
+            </a:r>
+            <a:r>
+              <a:rPr lang="en-US" dirty="0" smtClean="0"/>
+              <a:t> mode as an alternate to BLE</a:t>
+            </a:r>
+          </a:p>
+          <a:p>
+            <a:r>
+              <a:rPr lang="en-US" dirty="0" smtClean="0"/>
+              <a:t>Add LED/buzzer to device platform</a:t>
+            </a:r>
+          </a:p>
+          <a:p>
+            <a:endParaRPr lang="en-US" dirty="0" smtClean="0">
+              <a:solidFill>
+                <a:srgbClr val="FF0000"/>
+              </a:solidFill>
+            </a:endParaRPr>
+          </a:p>
+          <a:p>
+            <a:endParaRPr lang="en-US" dirty="0"/>
           </a:p>
         </p:txBody>
       </p:sp>
     </p:spTree>
     <p:extLst>
       <p:ext uri="{BB962C8B-B14F-4D97-AF65-F5344CB8AC3E}">
-        <p14:creationId xmlns:p14="http://schemas.microsoft.com/office/powerpoint/2010/main" val="2756157827"/>
+        <p14:creationId xmlns:p14="http://schemas.microsoft.com/office/powerpoint/2010/main" val="79365902"/>
       </p:ext>
     </p:extLst>
   </p:cSld>
@@ -3724,7 +6959,7 @@
           <a:p>
             <a:r>
               <a:rPr lang="en-US" dirty="0" smtClean="0"/>
-              <a:t>Goals for the remainder of the semester</a:t>
+              <a:t>Where we’re going</a:t>
             </a:r>
             <a:endParaRPr lang="en-US" dirty="0"/>
           </a:p>
@@ -3988,7 +7223,7 @@
         <p:spPr/>
         <p:txBody>
           <a:bodyPr>
-            <a:normAutofit fontScale="92500"/>
+            <a:normAutofit lnSpcReduction="10000"/>
           </a:bodyPr>
           <a:lstStyle/>
           <a:p>
@@ -3998,15 +7233,7 @@
             </a:pPr>
             <a:r>
               <a:rPr lang="en-US" dirty="0" smtClean="0"/>
-              <a:t>User configures </a:t>
-            </a:r>
-            <a:r>
-              <a:rPr lang="en-US" dirty="0" err="1" smtClean="0"/>
-              <a:t>AMDeSS</a:t>
-            </a:r>
-            <a:r>
-              <a:rPr lang="en-US" dirty="0" smtClean="0"/>
-              <a:t> device via smartphone app</a:t>
+              <a:t>User configures the device via smartphone app</a:t>
             </a:r>
           </a:p>
           <a:p>
@@ -4019,12 +7246,12 @@
               <a:t>User attaches </a:t>
             </a:r>
             <a:r>
-              <a:rPr lang="en-US" dirty="0" err="1" smtClean="0"/>
-              <a:t>AMDeSS</a:t>
-            </a:r>
-            <a:r>
               <a:rPr lang="en-US" dirty="0" smtClean="0"/>
-              <a:t> device in desired location (on door, window, etc.)</a:t>
+              <a:t>the </a:t>
+            </a:r>
+            <a:r>
+              <a:rPr lang="en-US" dirty="0" smtClean="0"/>
+              <a:t>device in desired location (on door, window, etc.)</a:t>
             </a:r>
           </a:p>
           <a:p>
@@ -4034,15 +7261,7 @@
             </a:pPr>
             <a:r>
               <a:rPr lang="en-US" dirty="0" smtClean="0"/>
-              <a:t>User arms the </a:t>
-            </a:r>
-            <a:r>
-              <a:rPr lang="en-US" dirty="0" err="1" smtClean="0"/>
-              <a:t>AMDeSS</a:t>
-            </a:r>
-            <a:r>
-              <a:rPr lang="en-US" dirty="0" smtClean="0"/>
-              <a:t> device from smartphone app</a:t>
+              <a:t>User arms the device from smartphone app</a:t>
             </a:r>
           </a:p>
           <a:p>
@@ -4055,12 +7274,12 @@
               <a:t>When </a:t>
             </a:r>
             <a:r>
-              <a:rPr lang="en-US" dirty="0" err="1" smtClean="0"/>
-              <a:t>AMDeSS</a:t>
-            </a:r>
-            <a:r>
               <a:rPr lang="en-US" dirty="0" smtClean="0"/>
-              <a:t> device is physically displaced, an alert is sent to the smartphone app and the user is notified</a:t>
+              <a:t>the </a:t>
+            </a:r>
+            <a:r>
+              <a:rPr lang="en-US" dirty="0" smtClean="0"/>
+              <a:t>device is physically displaced, an alert is sent to the smartphone app and the user is notified</a:t>
             </a:r>
           </a:p>
           <a:p>
@@ -4070,15 +7289,7 @@
             </a:pPr>
             <a:r>
               <a:rPr lang="en-US" dirty="0" smtClean="0"/>
-              <a:t>User acknowledges the alert/disarms the </a:t>
-            </a:r>
-            <a:r>
-              <a:rPr lang="en-US" dirty="0" err="1" smtClean="0"/>
-              <a:t>AMDeSS</a:t>
-            </a:r>
-            <a:r>
-              <a:rPr lang="en-US" dirty="0" smtClean="0"/>
-              <a:t> device</a:t>
+              <a:t>User acknowledges the alert/disarms the device</a:t>
             </a:r>
             <a:endParaRPr lang="en-US" dirty="0" smtClean="0"/>
           </a:p>
@@ -4112,12 +7323,12 @@
               <a:t>Command </a:t>
             </a:r>
             <a:r>
-              <a:rPr lang="en-US" dirty="0" err="1" smtClean="0"/>
-              <a:t>AMDeSS</a:t>
-            </a:r>
-            <a:r>
               <a:rPr lang="en-US" dirty="0" smtClean="0"/>
-              <a:t> device to panic</a:t>
+              <a:t>the </a:t>
+            </a:r>
+            <a:r>
+              <a:rPr lang="en-US" dirty="0" smtClean="0"/>
+              <a:t>device to panic</a:t>
             </a:r>
           </a:p>
           <a:p>
@@ -4130,12 +7341,12 @@
               <a:t>Silence </a:t>
             </a:r>
             <a:r>
-              <a:rPr lang="en-US" dirty="0" err="1" smtClean="0"/>
-              <a:t>AMDeSS</a:t>
-            </a:r>
-            <a:r>
               <a:rPr lang="en-US" dirty="0" smtClean="0"/>
-              <a:t> device (if already in panic mode)</a:t>
+              <a:t>the </a:t>
+            </a:r>
+            <a:r>
+              <a:rPr lang="en-US" dirty="0" smtClean="0"/>
+              <a:t>device (if already in panic mode)</a:t>
             </a:r>
           </a:p>
         </p:txBody>
@@ -4292,7 +7503,7 @@
         <p:spPr/>
         <p:txBody>
           <a:bodyPr>
-            <a:normAutofit fontScale="62500" lnSpcReduction="20000"/>
+            <a:normAutofit fontScale="77500" lnSpcReduction="20000"/>
           </a:bodyPr>
           <a:lstStyle/>
           <a:p>
@@ -4320,21 +7531,21 @@
             <a:pPr lvl="1"/>
             <a:r>
               <a:rPr lang="en-US" dirty="0" smtClean="0"/>
-              <a:t>Considered trying to program over UART through Teensy board (bad idea)</a:t>
+              <a:t>Considered trying to program over UART through Teensy board</a:t>
             </a:r>
           </a:p>
           <a:p>
             <a:pPr lvl="1"/>
             <a:r>
               <a:rPr lang="en-US" dirty="0" smtClean="0"/>
-              <a:t>Realized we did not have a way to determine whether or not OTA programming attempts were successful.</a:t>
+              <a:t>Realized we did not have a way to determine whether or not over-the-air (OTA) programming attempts were successful.</a:t>
             </a:r>
           </a:p>
           <a:p>
             <a:pPr lvl="1"/>
             <a:r>
               <a:rPr lang="en-US" dirty="0" smtClean="0"/>
-              <a:t>Decided we needed to start with the Laird development board and then move to OTA programming later</a:t>
+              <a:t>Decided we needed to start with the Laird development kit and then move to OTA programming later</a:t>
             </a:r>
           </a:p>
           <a:p>
@@ -4373,38 +7584,6 @@
             <a:r>
               <a:rPr lang="en-US" dirty="0" smtClean="0"/>
               <a:t>Learned the basics of BLE communication</a:t>
-            </a:r>
-          </a:p>
-          <a:p>
-            <a:pPr lvl="1"/>
-            <a:r>
-              <a:rPr lang="en-US" dirty="0" smtClean="0"/>
-              <a:t>General protocol overview</a:t>
-            </a:r>
-          </a:p>
-          <a:p>
-            <a:pPr lvl="1"/>
-            <a:r>
-              <a:rPr lang="en-US" dirty="0" smtClean="0"/>
-              <a:t>Android BLE API</a:t>
-            </a:r>
-          </a:p>
-          <a:p>
-            <a:pPr lvl="1"/>
-            <a:r>
-              <a:rPr lang="en-US" dirty="0" err="1" smtClean="0"/>
-              <a:t>smartBASIC</a:t>
-            </a:r>
-            <a:r>
-              <a:rPr lang="en-US" dirty="0" smtClean="0"/>
-              <a:t> BLE API</a:t>
-            </a:r>
-          </a:p>
-          <a:p>
-            <a:pPr lvl="1"/>
-            <a:r>
-              <a:rPr lang="en-US" dirty="0" smtClean="0"/>
-              <a:t>Pairing vs. bonding</a:t>
             </a:r>
           </a:p>
           <a:p>
@@ -4469,9 +7648,11 @@
           </p:nvPr>
         </p:nvSpPr>
         <p:spPr>
-          <a:solidFill>
-            <a:srgbClr val="FFFF00"/>
-          </a:solidFill>
+          <a:xfrm>
+            <a:off x="838200" y="-157803"/>
+            <a:ext cx="10515600" cy="1325563"/>
+          </a:xfrm>
+          <a:noFill/>
         </p:spPr>
         <p:txBody>
           <a:bodyPr/>
@@ -4487,27 +7668,1619 @@
       </p:sp>
       <p:sp>
         <p:nvSpPr>
-          <p:cNvPr id="3" name="Content Placeholder 2"/>
-          <p:cNvSpPr>
-            <a:spLocks noGrp="1"/>
-          </p:cNvSpPr>
-          <p:nvPr>
-            <p:ph idx="1"/>
-          </p:nvPr>
-        </p:nvSpPr>
-        <p:spPr/>
-        <p:txBody>
-          <a:bodyPr/>
-          <a:lstStyle/>
-          <a:p>
-            <a:endParaRPr lang="en-US"/>
+          <p:cNvPr id="4" name="Oval 3"/>
+          <p:cNvSpPr/>
+          <p:nvPr/>
+        </p:nvSpPr>
+        <p:spPr>
+          <a:xfrm>
+            <a:off x="1957272" y="3724763"/>
+            <a:ext cx="1569024" cy="879699"/>
+          </a:xfrm>
+          <a:prstGeom prst="ellipse">
+            <a:avLst/>
+          </a:prstGeom>
+          <a:solidFill>
+            <a:schemeClr val="accent1">
+              <a:lumMod val="75000"/>
+            </a:schemeClr>
+          </a:solidFill>
+        </p:spPr>
+        <p:style>
+          <a:lnRef idx="1">
+            <a:schemeClr val="accent1"/>
+          </a:lnRef>
+          <a:fillRef idx="3">
+            <a:schemeClr val="accent1"/>
+          </a:fillRef>
+          <a:effectRef idx="2">
+            <a:schemeClr val="accent1"/>
+          </a:effectRef>
+          <a:fontRef idx="minor">
+            <a:schemeClr val="lt1"/>
+          </a:fontRef>
+        </p:style>
+        <p:txBody>
+          <a:bodyPr rtlCol="0" anchor="ctr"/>
+          <a:lstStyle/>
+          <a:p>
+            <a:pPr algn="ctr"/>
+            <a:r>
+              <a:rPr lang="en-US" dirty="0">
+                <a:solidFill>
+                  <a:prstClr val="white"/>
+                </a:solidFill>
+              </a:rPr>
+              <a:t>Ready</a:t>
+            </a:r>
+            <a:endParaRPr lang="en-US" dirty="0">
+              <a:solidFill>
+                <a:prstClr val="white"/>
+              </a:solidFill>
+            </a:endParaRPr>
+          </a:p>
+        </p:txBody>
+      </p:sp>
+      <p:sp>
+        <p:nvSpPr>
+          <p:cNvPr id="5" name="Oval 4"/>
+          <p:cNvSpPr/>
+          <p:nvPr/>
+        </p:nvSpPr>
+        <p:spPr>
+          <a:xfrm>
+            <a:off x="6623485" y="3565118"/>
+            <a:ext cx="1569024" cy="879699"/>
+          </a:xfrm>
+          <a:prstGeom prst="ellipse">
+            <a:avLst/>
+          </a:prstGeom>
+          <a:solidFill>
+            <a:schemeClr val="accent1">
+              <a:lumMod val="75000"/>
+            </a:schemeClr>
+          </a:solidFill>
+        </p:spPr>
+        <p:style>
+          <a:lnRef idx="1">
+            <a:schemeClr val="accent1"/>
+          </a:lnRef>
+          <a:fillRef idx="3">
+            <a:schemeClr val="accent1"/>
+          </a:fillRef>
+          <a:effectRef idx="2">
+            <a:schemeClr val="accent1"/>
+          </a:effectRef>
+          <a:fontRef idx="minor">
+            <a:schemeClr val="lt1"/>
+          </a:fontRef>
+        </p:style>
+        <p:txBody>
+          <a:bodyPr rtlCol="0" anchor="ctr"/>
+          <a:lstStyle/>
+          <a:p>
+            <a:pPr algn="ctr"/>
+            <a:r>
+              <a:rPr lang="en-US" dirty="0">
+                <a:solidFill>
+                  <a:prstClr val="white"/>
+                </a:solidFill>
+              </a:rPr>
+              <a:t>Attempt to Pair</a:t>
+            </a:r>
+            <a:endParaRPr lang="en-US" dirty="0">
+              <a:solidFill>
+                <a:prstClr val="white"/>
+              </a:solidFill>
+            </a:endParaRPr>
+          </a:p>
+        </p:txBody>
+      </p:sp>
+      <p:sp>
+        <p:nvSpPr>
+          <p:cNvPr id="6" name="Oval 5"/>
+          <p:cNvSpPr/>
+          <p:nvPr/>
+        </p:nvSpPr>
+        <p:spPr>
+          <a:xfrm>
+            <a:off x="6711026" y="5377966"/>
+            <a:ext cx="1569024" cy="879699"/>
+          </a:xfrm>
+          <a:prstGeom prst="ellipse">
+            <a:avLst/>
+          </a:prstGeom>
+          <a:solidFill>
+            <a:schemeClr val="accent1">
+              <a:lumMod val="75000"/>
+            </a:schemeClr>
+          </a:solidFill>
+        </p:spPr>
+        <p:style>
+          <a:lnRef idx="1">
+            <a:schemeClr val="accent1"/>
+          </a:lnRef>
+          <a:fillRef idx="3">
+            <a:schemeClr val="accent1"/>
+          </a:fillRef>
+          <a:effectRef idx="2">
+            <a:schemeClr val="accent1"/>
+          </a:effectRef>
+          <a:fontRef idx="minor">
+            <a:schemeClr val="lt1"/>
+          </a:fontRef>
+        </p:style>
+        <p:txBody>
+          <a:bodyPr rtlCol="0" anchor="ctr"/>
+          <a:lstStyle/>
+          <a:p>
+            <a:pPr algn="ctr"/>
+            <a:r>
+              <a:rPr lang="en-US" dirty="0">
+                <a:solidFill>
+                  <a:prstClr val="white"/>
+                </a:solidFill>
+              </a:rPr>
+              <a:t>Alarm</a:t>
+            </a:r>
+            <a:endParaRPr lang="en-US" dirty="0">
+              <a:solidFill>
+                <a:prstClr val="white"/>
+              </a:solidFill>
+            </a:endParaRPr>
+          </a:p>
+        </p:txBody>
+      </p:sp>
+      <p:sp>
+        <p:nvSpPr>
+          <p:cNvPr id="7" name="Diamond 6"/>
+          <p:cNvSpPr/>
+          <p:nvPr/>
+        </p:nvSpPr>
+        <p:spPr>
+          <a:xfrm>
+            <a:off x="2439697" y="5185332"/>
+            <a:ext cx="2375810" cy="1290918"/>
+          </a:xfrm>
+          <a:prstGeom prst="diamond">
+            <a:avLst/>
+          </a:prstGeom>
+          <a:solidFill>
+            <a:schemeClr val="accent1">
+              <a:lumMod val="75000"/>
+            </a:schemeClr>
+          </a:solidFill>
+        </p:spPr>
+        <p:style>
+          <a:lnRef idx="1">
+            <a:schemeClr val="accent1"/>
+          </a:lnRef>
+          <a:fillRef idx="3">
+            <a:schemeClr val="accent1"/>
+          </a:fillRef>
+          <a:effectRef idx="2">
+            <a:schemeClr val="accent1"/>
+          </a:effectRef>
+          <a:fontRef idx="minor">
+            <a:schemeClr val="lt1"/>
+          </a:fontRef>
+        </p:style>
+        <p:txBody>
+          <a:bodyPr rtlCol="0" anchor="ctr"/>
+          <a:lstStyle/>
+          <a:p>
+            <a:pPr algn="ctr"/>
+            <a:r>
+              <a:rPr lang="en-US" sz="1600" dirty="0">
+                <a:solidFill>
+                  <a:prstClr val="white"/>
+                </a:solidFill>
+              </a:rPr>
+              <a:t>Is device still in alarm state?</a:t>
+            </a:r>
+            <a:endParaRPr lang="en-US" sz="1600" dirty="0">
+              <a:solidFill>
+                <a:prstClr val="white"/>
+              </a:solidFill>
+            </a:endParaRPr>
+          </a:p>
+        </p:txBody>
+      </p:sp>
+      <p:sp>
+        <p:nvSpPr>
+          <p:cNvPr id="8" name="Diamond 7"/>
+          <p:cNvSpPr/>
+          <p:nvPr/>
+        </p:nvSpPr>
+        <p:spPr>
+          <a:xfrm>
+            <a:off x="1553880" y="1620615"/>
+            <a:ext cx="2375810" cy="1290918"/>
+          </a:xfrm>
+          <a:prstGeom prst="diamond">
+            <a:avLst/>
+          </a:prstGeom>
+          <a:solidFill>
+            <a:schemeClr val="accent1">
+              <a:lumMod val="75000"/>
+            </a:schemeClr>
+          </a:solidFill>
+        </p:spPr>
+        <p:style>
+          <a:lnRef idx="1">
+            <a:schemeClr val="accent1"/>
+          </a:lnRef>
+          <a:fillRef idx="3">
+            <a:schemeClr val="accent1"/>
+          </a:fillRef>
+          <a:effectRef idx="2">
+            <a:schemeClr val="accent1"/>
+          </a:effectRef>
+          <a:fontRef idx="minor">
+            <a:schemeClr val="lt1"/>
+          </a:fontRef>
+        </p:style>
+        <p:txBody>
+          <a:bodyPr rtlCol="0" anchor="ctr"/>
+          <a:lstStyle/>
+          <a:p>
+            <a:pPr algn="ctr"/>
+            <a:r>
+              <a:rPr lang="en-US" sz="1600" dirty="0">
+                <a:solidFill>
+                  <a:prstClr val="white"/>
+                </a:solidFill>
+              </a:rPr>
+              <a:t>Connected?</a:t>
+            </a:r>
+            <a:endParaRPr lang="en-US" sz="1600" dirty="0">
+              <a:solidFill>
+                <a:prstClr val="white"/>
+              </a:solidFill>
+            </a:endParaRPr>
+          </a:p>
+        </p:txBody>
+      </p:sp>
+      <p:sp>
+        <p:nvSpPr>
+          <p:cNvPr id="9" name="Diamond 8"/>
+          <p:cNvSpPr/>
+          <p:nvPr/>
+        </p:nvSpPr>
+        <p:spPr>
+          <a:xfrm>
+            <a:off x="9336627" y="1622322"/>
+            <a:ext cx="2375810" cy="1290918"/>
+          </a:xfrm>
+          <a:prstGeom prst="diamond">
+            <a:avLst/>
+          </a:prstGeom>
+          <a:solidFill>
+            <a:schemeClr val="accent1">
+              <a:lumMod val="75000"/>
+            </a:schemeClr>
+          </a:solidFill>
+        </p:spPr>
+        <p:style>
+          <a:lnRef idx="1">
+            <a:schemeClr val="accent1"/>
+          </a:lnRef>
+          <a:fillRef idx="3">
+            <a:schemeClr val="accent1"/>
+          </a:fillRef>
+          <a:effectRef idx="2">
+            <a:schemeClr val="accent1"/>
+          </a:effectRef>
+          <a:fontRef idx="minor">
+            <a:schemeClr val="lt1"/>
+          </a:fontRef>
+        </p:style>
+        <p:txBody>
+          <a:bodyPr rtlCol="0" anchor="ctr"/>
+          <a:lstStyle/>
+          <a:p>
+            <a:pPr algn="ctr"/>
+            <a:r>
+              <a:rPr lang="en-US" sz="1600" dirty="0">
+                <a:solidFill>
+                  <a:prstClr val="white"/>
+                </a:solidFill>
+              </a:rPr>
+              <a:t>Is device in alarm state?</a:t>
+            </a:r>
+            <a:endParaRPr lang="en-US" sz="1600" dirty="0">
+              <a:solidFill>
+                <a:prstClr val="white"/>
+              </a:solidFill>
+            </a:endParaRPr>
+          </a:p>
+        </p:txBody>
+      </p:sp>
+      <p:cxnSp>
+        <p:nvCxnSpPr>
+          <p:cNvPr id="10" name="Straight Arrow Connector 9"/>
+          <p:cNvCxnSpPr>
+            <a:stCxn id="8" idx="2"/>
+            <a:endCxn id="4" idx="0"/>
+          </p:cNvCxnSpPr>
+          <p:nvPr/>
+        </p:nvCxnSpPr>
+        <p:spPr>
+          <a:xfrm flipH="1">
+            <a:off x="2741784" y="2911533"/>
+            <a:ext cx="1" cy="813230"/>
+          </a:xfrm>
+          <a:prstGeom prst="straightConnector1">
+            <a:avLst/>
+          </a:prstGeom>
+          <a:ln>
+            <a:tailEnd type="arrow"/>
+          </a:ln>
+        </p:spPr>
+        <p:style>
+          <a:lnRef idx="2">
+            <a:schemeClr val="accent1"/>
+          </a:lnRef>
+          <a:fillRef idx="0">
+            <a:schemeClr val="accent1"/>
+          </a:fillRef>
+          <a:effectRef idx="1">
+            <a:schemeClr val="accent1"/>
+          </a:effectRef>
+          <a:fontRef idx="minor">
+            <a:schemeClr val="tx1"/>
+          </a:fontRef>
+        </p:style>
+      </p:cxnSp>
+      <p:cxnSp>
+        <p:nvCxnSpPr>
+          <p:cNvPr id="11" name="Straight Arrow Connector 10"/>
+          <p:cNvCxnSpPr>
+            <a:stCxn id="8" idx="3"/>
+            <a:endCxn id="9" idx="1"/>
+          </p:cNvCxnSpPr>
+          <p:nvPr/>
+        </p:nvCxnSpPr>
+        <p:spPr>
+          <a:xfrm>
+            <a:off x="3929690" y="2266074"/>
+            <a:ext cx="5406937" cy="1707"/>
+          </a:xfrm>
+          <a:prstGeom prst="straightConnector1">
+            <a:avLst/>
+          </a:prstGeom>
+          <a:ln>
+            <a:tailEnd type="arrow"/>
+          </a:ln>
+        </p:spPr>
+        <p:style>
+          <a:lnRef idx="2">
+            <a:schemeClr val="accent1"/>
+          </a:lnRef>
+          <a:fillRef idx="0">
+            <a:schemeClr val="accent1"/>
+          </a:fillRef>
+          <a:effectRef idx="1">
+            <a:schemeClr val="accent1"/>
+          </a:effectRef>
+          <a:fontRef idx="minor">
+            <a:schemeClr val="tx1"/>
+          </a:fontRef>
+        </p:style>
+      </p:cxnSp>
+      <p:cxnSp>
+        <p:nvCxnSpPr>
+          <p:cNvPr id="12" name="Elbow Connector 11"/>
+          <p:cNvCxnSpPr>
+            <a:stCxn id="9" idx="3"/>
+            <a:endCxn id="6" idx="6"/>
+          </p:cNvCxnSpPr>
+          <p:nvPr/>
+        </p:nvCxnSpPr>
+        <p:spPr>
+          <a:xfrm flipH="1">
+            <a:off x="8280050" y="2267781"/>
+            <a:ext cx="3432387" cy="3550035"/>
+          </a:xfrm>
+          <a:prstGeom prst="bentConnector3">
+            <a:avLst>
+              <a:gd name="adj1" fmla="val -6660"/>
+            </a:avLst>
+          </a:prstGeom>
+          <a:ln>
+            <a:tailEnd type="arrow"/>
+          </a:ln>
+        </p:spPr>
+        <p:style>
+          <a:lnRef idx="2">
+            <a:schemeClr val="accent1"/>
+          </a:lnRef>
+          <a:fillRef idx="0">
+            <a:schemeClr val="accent1"/>
+          </a:fillRef>
+          <a:effectRef idx="1">
+            <a:schemeClr val="accent1"/>
+          </a:effectRef>
+          <a:fontRef idx="minor">
+            <a:schemeClr val="tx1"/>
+          </a:fontRef>
+        </p:style>
+      </p:cxnSp>
+      <p:cxnSp>
+        <p:nvCxnSpPr>
+          <p:cNvPr id="13" name="Elbow Connector 12"/>
+          <p:cNvCxnSpPr>
+            <a:stCxn id="7" idx="2"/>
+            <a:endCxn id="6" idx="4"/>
+          </p:cNvCxnSpPr>
+          <p:nvPr/>
+        </p:nvCxnSpPr>
+        <p:spPr>
+          <a:xfrm rot="5400000" flipH="1" flipV="1">
+            <a:off x="5452277" y="4432990"/>
+            <a:ext cx="218585" cy="3867936"/>
+          </a:xfrm>
+          <a:prstGeom prst="bentConnector3">
+            <a:avLst>
+              <a:gd name="adj1" fmla="val -104582"/>
+            </a:avLst>
+          </a:prstGeom>
+          <a:ln>
+            <a:tailEnd type="arrow"/>
+          </a:ln>
+        </p:spPr>
+        <p:style>
+          <a:lnRef idx="2">
+            <a:schemeClr val="accent1"/>
+          </a:lnRef>
+          <a:fillRef idx="0">
+            <a:schemeClr val="accent1"/>
+          </a:fillRef>
+          <a:effectRef idx="1">
+            <a:schemeClr val="accent1"/>
+          </a:effectRef>
+          <a:fontRef idx="minor">
+            <a:schemeClr val="tx1"/>
+          </a:fontRef>
+        </p:style>
+      </p:cxnSp>
+      <p:cxnSp>
+        <p:nvCxnSpPr>
+          <p:cNvPr id="14" name="Elbow Connector 13"/>
+          <p:cNvCxnSpPr>
+            <a:stCxn id="6" idx="3"/>
+            <a:endCxn id="7" idx="3"/>
+          </p:cNvCxnSpPr>
+          <p:nvPr/>
+        </p:nvCxnSpPr>
+        <p:spPr>
+          <a:xfrm rot="5400000" flipH="1">
+            <a:off x="5729133" y="4917166"/>
+            <a:ext cx="298045" cy="2125297"/>
+          </a:xfrm>
+          <a:prstGeom prst="bentConnector4">
+            <a:avLst>
+              <a:gd name="adj1" fmla="val -76700"/>
+              <a:gd name="adj2" fmla="val 55406"/>
+            </a:avLst>
+          </a:prstGeom>
+          <a:ln>
+            <a:tailEnd type="arrow"/>
+          </a:ln>
+        </p:spPr>
+        <p:style>
+          <a:lnRef idx="2">
+            <a:schemeClr val="accent1"/>
+          </a:lnRef>
+          <a:fillRef idx="0">
+            <a:schemeClr val="accent1"/>
+          </a:fillRef>
+          <a:effectRef idx="1">
+            <a:schemeClr val="accent1"/>
+          </a:effectRef>
+          <a:fontRef idx="minor">
+            <a:schemeClr val="tx1"/>
+          </a:fontRef>
+        </p:style>
+      </p:cxnSp>
+      <p:cxnSp>
+        <p:nvCxnSpPr>
+          <p:cNvPr id="15" name="Elbow Connector 14"/>
+          <p:cNvCxnSpPr>
+            <a:stCxn id="7" idx="1"/>
+            <a:endCxn id="4" idx="3"/>
+          </p:cNvCxnSpPr>
+          <p:nvPr/>
+        </p:nvCxnSpPr>
+        <p:spPr>
+          <a:xfrm rot="10800000">
+            <a:off x="2187051" y="4475633"/>
+            <a:ext cx="252647" cy="1355158"/>
+          </a:xfrm>
+          <a:prstGeom prst="bentConnector2">
+            <a:avLst/>
+          </a:prstGeom>
+          <a:ln>
+            <a:tailEnd type="arrow"/>
+          </a:ln>
+        </p:spPr>
+        <p:style>
+          <a:lnRef idx="2">
+            <a:schemeClr val="accent1"/>
+          </a:lnRef>
+          <a:fillRef idx="0">
+            <a:schemeClr val="accent1"/>
+          </a:fillRef>
+          <a:effectRef idx="1">
+            <a:schemeClr val="accent1"/>
+          </a:effectRef>
+          <a:fontRef idx="minor">
+            <a:schemeClr val="tx1"/>
+          </a:fontRef>
+        </p:style>
+      </p:cxnSp>
+      <p:cxnSp>
+        <p:nvCxnSpPr>
+          <p:cNvPr id="16" name="Elbow Connector 15"/>
+          <p:cNvCxnSpPr>
+            <a:stCxn id="4" idx="2"/>
+            <a:endCxn id="8" idx="0"/>
+          </p:cNvCxnSpPr>
+          <p:nvPr/>
+        </p:nvCxnSpPr>
+        <p:spPr>
+          <a:xfrm rot="10800000" flipH="1">
+            <a:off x="1957271" y="1620615"/>
+            <a:ext cx="784513" cy="2543998"/>
+          </a:xfrm>
+          <a:prstGeom prst="bentConnector4">
+            <a:avLst>
+              <a:gd name="adj1" fmla="val -147218"/>
+              <a:gd name="adj2" fmla="val 108986"/>
+            </a:avLst>
+          </a:prstGeom>
+          <a:ln>
+            <a:tailEnd type="arrow"/>
+          </a:ln>
+        </p:spPr>
+        <p:style>
+          <a:lnRef idx="2">
+            <a:schemeClr val="accent1"/>
+          </a:lnRef>
+          <a:fillRef idx="0">
+            <a:schemeClr val="accent1"/>
+          </a:fillRef>
+          <a:effectRef idx="1">
+            <a:schemeClr val="accent1"/>
+          </a:effectRef>
+          <a:fontRef idx="minor">
+            <a:schemeClr val="tx1"/>
+          </a:fontRef>
+        </p:style>
+      </p:cxnSp>
+      <p:cxnSp>
+        <p:nvCxnSpPr>
+          <p:cNvPr id="17" name="Straight Arrow Connector 16"/>
+          <p:cNvCxnSpPr>
+            <a:stCxn id="4" idx="6"/>
+            <a:endCxn id="5" idx="2"/>
+          </p:cNvCxnSpPr>
+          <p:nvPr/>
+        </p:nvCxnSpPr>
+        <p:spPr>
+          <a:xfrm flipV="1">
+            <a:off x="3526296" y="4004968"/>
+            <a:ext cx="3097189" cy="159645"/>
+          </a:xfrm>
+          <a:prstGeom prst="straightConnector1">
+            <a:avLst/>
+          </a:prstGeom>
+          <a:ln>
+            <a:tailEnd type="arrow"/>
+          </a:ln>
+        </p:spPr>
+        <p:style>
+          <a:lnRef idx="2">
+            <a:schemeClr val="accent1"/>
+          </a:lnRef>
+          <a:fillRef idx="0">
+            <a:schemeClr val="accent1"/>
+          </a:fillRef>
+          <a:effectRef idx="1">
+            <a:schemeClr val="accent1"/>
+          </a:effectRef>
+          <a:fontRef idx="minor">
+            <a:schemeClr val="tx1"/>
+          </a:fontRef>
+        </p:style>
+      </p:cxnSp>
+      <p:cxnSp>
+        <p:nvCxnSpPr>
+          <p:cNvPr id="18" name="Straight Arrow Connector 17"/>
+          <p:cNvCxnSpPr>
+            <a:endCxn id="8" idx="0"/>
+          </p:cNvCxnSpPr>
+          <p:nvPr/>
+        </p:nvCxnSpPr>
+        <p:spPr>
+          <a:xfrm>
+            <a:off x="2741784" y="1088229"/>
+            <a:ext cx="1" cy="532386"/>
+          </a:xfrm>
+          <a:prstGeom prst="straightConnector1">
+            <a:avLst/>
+          </a:prstGeom>
+          <a:ln>
+            <a:tailEnd type="arrow"/>
+          </a:ln>
+        </p:spPr>
+        <p:style>
+          <a:lnRef idx="2">
+            <a:schemeClr val="accent1"/>
+          </a:lnRef>
+          <a:fillRef idx="0">
+            <a:schemeClr val="accent1"/>
+          </a:fillRef>
+          <a:effectRef idx="1">
+            <a:schemeClr val="accent1"/>
+          </a:effectRef>
+          <a:fontRef idx="minor">
+            <a:schemeClr val="tx1"/>
+          </a:fontRef>
+        </p:style>
+      </p:cxnSp>
+      <p:cxnSp>
+        <p:nvCxnSpPr>
+          <p:cNvPr id="19" name="Elbow Connector 18"/>
+          <p:cNvCxnSpPr>
+            <a:stCxn id="5" idx="6"/>
+            <a:endCxn id="4" idx="5"/>
+          </p:cNvCxnSpPr>
+          <p:nvPr/>
+        </p:nvCxnSpPr>
+        <p:spPr>
+          <a:xfrm flipH="1">
+            <a:off x="3296518" y="4004968"/>
+            <a:ext cx="4895991" cy="470665"/>
+          </a:xfrm>
+          <a:prstGeom prst="bentConnector4">
+            <a:avLst>
+              <a:gd name="adj1" fmla="val -4669"/>
+              <a:gd name="adj2" fmla="val 175941"/>
+            </a:avLst>
+          </a:prstGeom>
+          <a:ln>
+            <a:tailEnd type="arrow"/>
+          </a:ln>
+        </p:spPr>
+        <p:style>
+          <a:lnRef idx="2">
+            <a:schemeClr val="accent1"/>
+          </a:lnRef>
+          <a:fillRef idx="0">
+            <a:schemeClr val="accent1"/>
+          </a:fillRef>
+          <a:effectRef idx="1">
+            <a:schemeClr val="accent1"/>
+          </a:effectRef>
+          <a:fontRef idx="minor">
+            <a:schemeClr val="tx1"/>
+          </a:fontRef>
+        </p:style>
+      </p:cxnSp>
+      <p:cxnSp>
+        <p:nvCxnSpPr>
+          <p:cNvPr id="20" name="Elbow Connector 19"/>
+          <p:cNvCxnSpPr>
+            <a:stCxn id="4" idx="4"/>
+            <a:endCxn id="6" idx="0"/>
+          </p:cNvCxnSpPr>
+          <p:nvPr/>
+        </p:nvCxnSpPr>
+        <p:spPr>
+          <a:xfrm rot="16200000" flipH="1">
+            <a:off x="4731909" y="2614337"/>
+            <a:ext cx="773504" cy="4753754"/>
+          </a:xfrm>
+          <a:prstGeom prst="bentConnector3">
+            <a:avLst/>
+          </a:prstGeom>
+          <a:ln>
+            <a:tailEnd type="arrow"/>
+          </a:ln>
+        </p:spPr>
+        <p:style>
+          <a:lnRef idx="2">
+            <a:schemeClr val="accent1"/>
+          </a:lnRef>
+          <a:fillRef idx="0">
+            <a:schemeClr val="accent1"/>
+          </a:fillRef>
+          <a:effectRef idx="1">
+            <a:schemeClr val="accent1"/>
+          </a:effectRef>
+          <a:fontRef idx="minor">
+            <a:schemeClr val="tx1"/>
+          </a:fontRef>
+        </p:style>
+      </p:cxnSp>
+      <p:cxnSp>
+        <p:nvCxnSpPr>
+          <p:cNvPr id="21" name="Curved Connector 20"/>
+          <p:cNvCxnSpPr>
+            <a:stCxn id="6" idx="6"/>
+            <a:endCxn id="6" idx="5"/>
+          </p:cNvCxnSpPr>
+          <p:nvPr/>
+        </p:nvCxnSpPr>
+        <p:spPr>
+          <a:xfrm flipH="1">
+            <a:off x="8050272" y="5817816"/>
+            <a:ext cx="229778" cy="311020"/>
+          </a:xfrm>
+          <a:prstGeom prst="curvedConnector4">
+            <a:avLst>
+              <a:gd name="adj1" fmla="val -99487"/>
+              <a:gd name="adj2" fmla="val 214922"/>
+            </a:avLst>
+          </a:prstGeom>
+          <a:ln>
+            <a:tailEnd type="arrow"/>
+          </a:ln>
+        </p:spPr>
+        <p:style>
+          <a:lnRef idx="2">
+            <a:schemeClr val="accent1"/>
+          </a:lnRef>
+          <a:fillRef idx="0">
+            <a:schemeClr val="accent1"/>
+          </a:fillRef>
+          <a:effectRef idx="1">
+            <a:schemeClr val="accent1"/>
+          </a:effectRef>
+          <a:fontRef idx="minor">
+            <a:schemeClr val="tx1"/>
+          </a:fontRef>
+        </p:style>
+      </p:cxnSp>
+      <p:cxnSp>
+        <p:nvCxnSpPr>
+          <p:cNvPr id="22" name="Curved Connector 21"/>
+          <p:cNvCxnSpPr>
+            <a:stCxn id="6" idx="1"/>
+            <a:endCxn id="6" idx="2"/>
+          </p:cNvCxnSpPr>
+          <p:nvPr/>
+        </p:nvCxnSpPr>
+        <p:spPr>
+          <a:xfrm rot="16200000" flipH="1" flipV="1">
+            <a:off x="6670404" y="5547416"/>
+            <a:ext cx="311021" cy="229778"/>
+          </a:xfrm>
+          <a:prstGeom prst="curvedConnector4">
+            <a:avLst>
+              <a:gd name="adj1" fmla="val -114921"/>
+              <a:gd name="adj2" fmla="val 199487"/>
+            </a:avLst>
+          </a:prstGeom>
+          <a:ln>
+            <a:tailEnd type="arrow"/>
+          </a:ln>
+        </p:spPr>
+        <p:style>
+          <a:lnRef idx="2">
+            <a:schemeClr val="accent1"/>
+          </a:lnRef>
+          <a:fillRef idx="0">
+            <a:schemeClr val="accent1"/>
+          </a:fillRef>
+          <a:effectRef idx="1">
+            <a:schemeClr val="accent1"/>
+          </a:effectRef>
+          <a:fontRef idx="minor">
+            <a:schemeClr val="tx1"/>
+          </a:fontRef>
+        </p:style>
+      </p:cxnSp>
+      <p:cxnSp>
+        <p:nvCxnSpPr>
+          <p:cNvPr id="23" name="Curved Connector 22"/>
+          <p:cNvCxnSpPr>
+            <a:stCxn id="4" idx="2"/>
+            <a:endCxn id="4" idx="1"/>
+          </p:cNvCxnSpPr>
+          <p:nvPr/>
+        </p:nvCxnSpPr>
+        <p:spPr>
+          <a:xfrm rot="10800000" flipH="1">
+            <a:off x="1957272" y="3853593"/>
+            <a:ext cx="229778" cy="311021"/>
+          </a:xfrm>
+          <a:prstGeom prst="curvedConnector4">
+            <a:avLst>
+              <a:gd name="adj1" fmla="val -99487"/>
+              <a:gd name="adj2" fmla="val 214921"/>
+            </a:avLst>
+          </a:prstGeom>
+          <a:ln>
+            <a:tailEnd type="arrow"/>
+          </a:ln>
+        </p:spPr>
+        <p:style>
+          <a:lnRef idx="2">
+            <a:schemeClr val="accent1"/>
+          </a:lnRef>
+          <a:fillRef idx="0">
+            <a:schemeClr val="accent1"/>
+          </a:fillRef>
+          <a:effectRef idx="1">
+            <a:schemeClr val="accent1"/>
+          </a:effectRef>
+          <a:fontRef idx="minor">
+            <a:schemeClr val="tx1"/>
+          </a:fontRef>
+        </p:style>
+      </p:cxnSp>
+      <p:sp>
+        <p:nvSpPr>
+          <p:cNvPr id="24" name="TextBox 23"/>
+          <p:cNvSpPr txBox="1"/>
+          <p:nvPr/>
+        </p:nvSpPr>
+        <p:spPr>
+          <a:xfrm>
+            <a:off x="1551717" y="877738"/>
+            <a:ext cx="1569024" cy="338554"/>
+          </a:xfrm>
+          <a:prstGeom prst="rect">
+            <a:avLst/>
+          </a:prstGeom>
+          <a:noFill/>
+        </p:spPr>
+        <p:txBody>
+          <a:bodyPr wrap="square" rtlCol="0">
+            <a:spAutoFit/>
+          </a:bodyPr>
+          <a:lstStyle/>
+          <a:p>
+            <a:pPr algn="ctr"/>
+            <a:r>
+              <a:rPr lang="en-US" sz="1600" dirty="0">
+                <a:solidFill>
+                  <a:prstClr val="black"/>
+                </a:solidFill>
+              </a:rPr>
+              <a:t>Startup</a:t>
+            </a:r>
+            <a:endParaRPr lang="en-US" sz="1600" dirty="0">
+              <a:solidFill>
+                <a:prstClr val="black"/>
+              </a:solidFill>
+            </a:endParaRPr>
+          </a:p>
+        </p:txBody>
+      </p:sp>
+      <p:sp>
+        <p:nvSpPr>
+          <p:cNvPr id="25" name="TextBox 24"/>
+          <p:cNvSpPr txBox="1"/>
+          <p:nvPr/>
+        </p:nvSpPr>
+        <p:spPr>
+          <a:xfrm>
+            <a:off x="5376666" y="1919069"/>
+            <a:ext cx="1868920" cy="338554"/>
+          </a:xfrm>
+          <a:prstGeom prst="rect">
+            <a:avLst/>
+          </a:prstGeom>
+          <a:noFill/>
+        </p:spPr>
+        <p:txBody>
+          <a:bodyPr wrap="square" rtlCol="0">
+            <a:spAutoFit/>
+          </a:bodyPr>
+          <a:lstStyle/>
+          <a:p>
+            <a:pPr algn="ctr"/>
+            <a:r>
+              <a:rPr lang="en-US" sz="1600" dirty="0">
+                <a:solidFill>
+                  <a:prstClr val="black"/>
+                </a:solidFill>
+              </a:rPr>
+              <a:t>Get device info</a:t>
+            </a:r>
+            <a:endParaRPr lang="en-US" sz="1600" dirty="0">
+              <a:solidFill>
+                <a:prstClr val="black"/>
+              </a:solidFill>
+            </a:endParaRPr>
+          </a:p>
+        </p:txBody>
+      </p:sp>
+      <p:sp>
+        <p:nvSpPr>
+          <p:cNvPr id="26" name="TextBox 25"/>
+          <p:cNvSpPr txBox="1"/>
+          <p:nvPr/>
+        </p:nvSpPr>
+        <p:spPr>
+          <a:xfrm rot="16200000">
+            <a:off x="-543504" y="2576050"/>
+            <a:ext cx="2098698" cy="338554"/>
+          </a:xfrm>
+          <a:prstGeom prst="rect">
+            <a:avLst/>
+          </a:prstGeom>
+          <a:noFill/>
+        </p:spPr>
+        <p:txBody>
+          <a:bodyPr wrap="square" rtlCol="0">
+            <a:spAutoFit/>
+          </a:bodyPr>
+          <a:lstStyle/>
+          <a:p>
+            <a:pPr algn="ctr"/>
+            <a:r>
+              <a:rPr lang="en-US" sz="1600" dirty="0">
+                <a:solidFill>
+                  <a:prstClr val="black"/>
+                </a:solidFill>
+              </a:rPr>
+              <a:t>Connect to a device</a:t>
+            </a:r>
+            <a:endParaRPr lang="en-US" sz="1600" dirty="0">
+              <a:solidFill>
+                <a:prstClr val="black"/>
+              </a:solidFill>
+            </a:endParaRPr>
+          </a:p>
+        </p:txBody>
+      </p:sp>
+      <p:sp>
+        <p:nvSpPr>
+          <p:cNvPr id="27" name="TextBox 26"/>
+          <p:cNvSpPr txBox="1"/>
+          <p:nvPr/>
+        </p:nvSpPr>
+        <p:spPr>
+          <a:xfrm>
+            <a:off x="1437305" y="2943236"/>
+            <a:ext cx="1146660" cy="584776"/>
+          </a:xfrm>
+          <a:prstGeom prst="rect">
+            <a:avLst/>
+          </a:prstGeom>
+          <a:noFill/>
+        </p:spPr>
+        <p:txBody>
+          <a:bodyPr wrap="square" rtlCol="0">
+            <a:spAutoFit/>
+          </a:bodyPr>
+          <a:lstStyle/>
+          <a:p>
+            <a:pPr algn="ctr"/>
+            <a:r>
+              <a:rPr lang="en-US" sz="1600" dirty="0">
+                <a:solidFill>
+                  <a:prstClr val="black"/>
+                </a:solidFill>
+              </a:rPr>
+              <a:t>Send commands</a:t>
+            </a:r>
+            <a:endParaRPr lang="en-US" sz="1600" dirty="0">
+              <a:solidFill>
+                <a:prstClr val="black"/>
+              </a:solidFill>
+            </a:endParaRPr>
+          </a:p>
+        </p:txBody>
+      </p:sp>
+      <p:sp>
+        <p:nvSpPr>
+          <p:cNvPr id="28" name="TextBox 27"/>
+          <p:cNvSpPr txBox="1"/>
+          <p:nvPr/>
+        </p:nvSpPr>
+        <p:spPr>
+          <a:xfrm>
+            <a:off x="5318001" y="5118359"/>
+            <a:ext cx="1146660" cy="584776"/>
+          </a:xfrm>
+          <a:prstGeom prst="rect">
+            <a:avLst/>
+          </a:prstGeom>
+          <a:noFill/>
+        </p:spPr>
+        <p:txBody>
+          <a:bodyPr wrap="square" rtlCol="0">
+            <a:spAutoFit/>
+          </a:bodyPr>
+          <a:lstStyle/>
+          <a:p>
+            <a:pPr algn="ctr"/>
+            <a:r>
+              <a:rPr lang="en-US" sz="1600" dirty="0">
+                <a:solidFill>
+                  <a:prstClr val="black"/>
+                </a:solidFill>
+              </a:rPr>
+              <a:t>Send commands</a:t>
+            </a:r>
+            <a:endParaRPr lang="en-US" sz="1600" dirty="0">
+              <a:solidFill>
+                <a:prstClr val="black"/>
+              </a:solidFill>
+            </a:endParaRPr>
+          </a:p>
+        </p:txBody>
+      </p:sp>
+      <p:sp>
+        <p:nvSpPr>
+          <p:cNvPr id="29" name="TextBox 28"/>
+          <p:cNvSpPr txBox="1"/>
+          <p:nvPr/>
+        </p:nvSpPr>
+        <p:spPr>
+          <a:xfrm>
+            <a:off x="3951035" y="1897725"/>
+            <a:ext cx="381117" cy="338554"/>
+          </a:xfrm>
+          <a:prstGeom prst="rect">
+            <a:avLst/>
+          </a:prstGeom>
+          <a:noFill/>
+        </p:spPr>
+        <p:txBody>
+          <a:bodyPr wrap="square" rtlCol="0">
+            <a:spAutoFit/>
+          </a:bodyPr>
+          <a:lstStyle/>
+          <a:p>
+            <a:pPr algn="ctr"/>
+            <a:r>
+              <a:rPr lang="en-US" sz="1600" dirty="0">
+                <a:solidFill>
+                  <a:prstClr val="black"/>
+                </a:solidFill>
+              </a:rPr>
+              <a:t>Y</a:t>
+            </a:r>
+          </a:p>
+        </p:txBody>
+      </p:sp>
+      <p:sp>
+        <p:nvSpPr>
+          <p:cNvPr id="30" name="TextBox 29"/>
+          <p:cNvSpPr txBox="1"/>
+          <p:nvPr/>
+        </p:nvSpPr>
+        <p:spPr>
+          <a:xfrm>
+            <a:off x="11571212" y="2283224"/>
+            <a:ext cx="381117" cy="338554"/>
+          </a:xfrm>
+          <a:prstGeom prst="rect">
+            <a:avLst/>
+          </a:prstGeom>
+          <a:noFill/>
+        </p:spPr>
+        <p:txBody>
+          <a:bodyPr wrap="square" rtlCol="0">
+            <a:spAutoFit/>
+          </a:bodyPr>
+          <a:lstStyle/>
+          <a:p>
+            <a:pPr algn="ctr"/>
+            <a:r>
+              <a:rPr lang="en-US" sz="1600" dirty="0">
+                <a:solidFill>
+                  <a:prstClr val="black"/>
+                </a:solidFill>
+              </a:rPr>
+              <a:t>Y</a:t>
+            </a:r>
+          </a:p>
+        </p:txBody>
+      </p:sp>
+      <p:sp>
+        <p:nvSpPr>
+          <p:cNvPr id="31" name="TextBox 30"/>
+          <p:cNvSpPr txBox="1"/>
+          <p:nvPr/>
+        </p:nvSpPr>
+        <p:spPr>
+          <a:xfrm>
+            <a:off x="3677381" y="6371004"/>
+            <a:ext cx="381117" cy="338554"/>
+          </a:xfrm>
+          <a:prstGeom prst="rect">
+            <a:avLst/>
+          </a:prstGeom>
+          <a:noFill/>
+        </p:spPr>
+        <p:txBody>
+          <a:bodyPr wrap="square" rtlCol="0">
+            <a:spAutoFit/>
+          </a:bodyPr>
+          <a:lstStyle/>
+          <a:p>
+            <a:pPr algn="ctr"/>
+            <a:r>
+              <a:rPr lang="en-US" sz="1600" dirty="0">
+                <a:solidFill>
+                  <a:prstClr val="black"/>
+                </a:solidFill>
+              </a:rPr>
+              <a:t>Y</a:t>
+            </a:r>
+          </a:p>
+        </p:txBody>
+      </p:sp>
+      <p:sp>
+        <p:nvSpPr>
+          <p:cNvPr id="32" name="TextBox 31"/>
+          <p:cNvSpPr txBox="1"/>
+          <p:nvPr/>
+        </p:nvSpPr>
+        <p:spPr>
+          <a:xfrm>
+            <a:off x="2104612" y="5823733"/>
+            <a:ext cx="381117" cy="338554"/>
+          </a:xfrm>
+          <a:prstGeom prst="rect">
+            <a:avLst/>
+          </a:prstGeom>
+          <a:noFill/>
+        </p:spPr>
+        <p:txBody>
+          <a:bodyPr wrap="square" rtlCol="0">
+            <a:spAutoFit/>
+          </a:bodyPr>
+          <a:lstStyle/>
+          <a:p>
+            <a:pPr algn="ctr"/>
+            <a:r>
+              <a:rPr lang="en-US" sz="1600" dirty="0">
+                <a:solidFill>
+                  <a:prstClr val="black"/>
+                </a:solidFill>
+              </a:rPr>
+              <a:t>N</a:t>
+            </a:r>
+            <a:endParaRPr lang="en-US" sz="1600" dirty="0">
+              <a:solidFill>
+                <a:prstClr val="black"/>
+              </a:solidFill>
+            </a:endParaRPr>
+          </a:p>
+        </p:txBody>
+      </p:sp>
+      <p:sp>
+        <p:nvSpPr>
+          <p:cNvPr id="33" name="TextBox 32"/>
+          <p:cNvSpPr txBox="1"/>
+          <p:nvPr/>
+        </p:nvSpPr>
+        <p:spPr>
+          <a:xfrm>
+            <a:off x="2773801" y="2880003"/>
+            <a:ext cx="381117" cy="338554"/>
+          </a:xfrm>
+          <a:prstGeom prst="rect">
+            <a:avLst/>
+          </a:prstGeom>
+          <a:noFill/>
+        </p:spPr>
+        <p:txBody>
+          <a:bodyPr wrap="square" rtlCol="0">
+            <a:spAutoFit/>
+          </a:bodyPr>
+          <a:lstStyle/>
+          <a:p>
+            <a:pPr algn="ctr"/>
+            <a:r>
+              <a:rPr lang="en-US" sz="1600" dirty="0">
+                <a:solidFill>
+                  <a:prstClr val="black"/>
+                </a:solidFill>
+              </a:rPr>
+              <a:t>N</a:t>
+            </a:r>
+            <a:endParaRPr lang="en-US" sz="1600" dirty="0">
+              <a:solidFill>
+                <a:prstClr val="black"/>
+              </a:solidFill>
+            </a:endParaRPr>
+          </a:p>
+        </p:txBody>
+      </p:sp>
+      <p:sp>
+        <p:nvSpPr>
+          <p:cNvPr id="34" name="TextBox 33"/>
+          <p:cNvSpPr txBox="1"/>
+          <p:nvPr/>
+        </p:nvSpPr>
+        <p:spPr>
+          <a:xfrm>
+            <a:off x="10503188" y="2935654"/>
+            <a:ext cx="381117" cy="338554"/>
+          </a:xfrm>
+          <a:prstGeom prst="rect">
+            <a:avLst/>
+          </a:prstGeom>
+          <a:noFill/>
+        </p:spPr>
+        <p:txBody>
+          <a:bodyPr wrap="square" rtlCol="0">
+            <a:spAutoFit/>
+          </a:bodyPr>
+          <a:lstStyle/>
+          <a:p>
+            <a:pPr algn="ctr"/>
+            <a:r>
+              <a:rPr lang="en-US" sz="1600" dirty="0">
+                <a:solidFill>
+                  <a:prstClr val="black"/>
+                </a:solidFill>
+              </a:rPr>
+              <a:t>N</a:t>
+            </a:r>
+            <a:endParaRPr lang="en-US" sz="1600" dirty="0">
+              <a:solidFill>
+                <a:prstClr val="black"/>
+              </a:solidFill>
+            </a:endParaRPr>
+          </a:p>
+        </p:txBody>
+      </p:sp>
+      <p:sp>
+        <p:nvSpPr>
+          <p:cNvPr id="35" name="TextBox 34"/>
+          <p:cNvSpPr txBox="1"/>
+          <p:nvPr/>
+        </p:nvSpPr>
+        <p:spPr>
+          <a:xfrm>
+            <a:off x="4274431" y="3714860"/>
+            <a:ext cx="1868920" cy="338554"/>
+          </a:xfrm>
+          <a:prstGeom prst="rect">
+            <a:avLst/>
+          </a:prstGeom>
+          <a:noFill/>
+        </p:spPr>
+        <p:txBody>
+          <a:bodyPr wrap="square" rtlCol="0">
+            <a:spAutoFit/>
+          </a:bodyPr>
+          <a:lstStyle/>
+          <a:p>
+            <a:pPr algn="ctr"/>
+            <a:r>
+              <a:rPr lang="en-US" sz="1600" dirty="0">
+                <a:solidFill>
+                  <a:prstClr val="black"/>
+                </a:solidFill>
+              </a:rPr>
+              <a:t>Add device</a:t>
+            </a:r>
+            <a:endParaRPr lang="en-US" sz="1600" dirty="0">
+              <a:solidFill>
+                <a:prstClr val="black"/>
+              </a:solidFill>
+            </a:endParaRPr>
+          </a:p>
+        </p:txBody>
+      </p:sp>
+      <p:cxnSp>
+        <p:nvCxnSpPr>
+          <p:cNvPr id="36" name="Elbow Connector 35"/>
+          <p:cNvCxnSpPr>
+            <a:stCxn id="9" idx="2"/>
+            <a:endCxn id="4" idx="0"/>
+          </p:cNvCxnSpPr>
+          <p:nvPr/>
+        </p:nvCxnSpPr>
+        <p:spPr>
+          <a:xfrm rot="5400000">
+            <a:off x="6227397" y="-572373"/>
+            <a:ext cx="811523" cy="7782748"/>
+          </a:xfrm>
+          <a:prstGeom prst="bentConnector3">
+            <a:avLst/>
+          </a:prstGeom>
+          <a:ln>
+            <a:tailEnd type="arrow"/>
+          </a:ln>
+        </p:spPr>
+        <p:style>
+          <a:lnRef idx="2">
+            <a:schemeClr val="accent1"/>
+          </a:lnRef>
+          <a:fillRef idx="0">
+            <a:schemeClr val="accent1"/>
+          </a:fillRef>
+          <a:effectRef idx="1">
+            <a:schemeClr val="accent1"/>
+          </a:effectRef>
+          <a:fontRef idx="minor">
+            <a:schemeClr val="tx1"/>
+          </a:fontRef>
+        </p:style>
+      </p:cxnSp>
+      <p:sp>
+        <p:nvSpPr>
+          <p:cNvPr id="37" name="TextBox 36"/>
+          <p:cNvSpPr txBox="1"/>
+          <p:nvPr/>
+        </p:nvSpPr>
+        <p:spPr>
+          <a:xfrm>
+            <a:off x="8445418" y="6120974"/>
+            <a:ext cx="3390387" cy="584776"/>
+          </a:xfrm>
+          <a:prstGeom prst="rect">
+            <a:avLst/>
+          </a:prstGeom>
+          <a:noFill/>
+        </p:spPr>
+        <p:txBody>
+          <a:bodyPr wrap="square" rtlCol="0">
+            <a:spAutoFit/>
+          </a:bodyPr>
+          <a:lstStyle/>
+          <a:p>
+            <a:r>
+              <a:rPr lang="en-US" sz="1600" dirty="0">
+                <a:solidFill>
+                  <a:prstClr val="black"/>
+                </a:solidFill>
+              </a:rPr>
+              <a:t>Miss keep alive or receive alarm message – add to alarming devices list</a:t>
+            </a:r>
+            <a:endParaRPr lang="en-US" sz="1600" dirty="0">
+              <a:solidFill>
+                <a:prstClr val="black"/>
+              </a:solidFill>
+            </a:endParaRPr>
+          </a:p>
+        </p:txBody>
+      </p:sp>
+      <p:sp>
+        <p:nvSpPr>
+          <p:cNvPr id="38" name="TextBox 37"/>
+          <p:cNvSpPr txBox="1"/>
+          <p:nvPr/>
+        </p:nvSpPr>
+        <p:spPr>
+          <a:xfrm>
+            <a:off x="4954249" y="5979092"/>
+            <a:ext cx="1591071" cy="338554"/>
+          </a:xfrm>
+          <a:prstGeom prst="rect">
+            <a:avLst/>
+          </a:prstGeom>
+          <a:noFill/>
+        </p:spPr>
+        <p:txBody>
+          <a:bodyPr wrap="square" rtlCol="0">
+            <a:spAutoFit/>
+          </a:bodyPr>
+          <a:lstStyle/>
+          <a:p>
+            <a:pPr algn="ctr"/>
+            <a:r>
+              <a:rPr lang="en-US" sz="1600" dirty="0">
+                <a:solidFill>
+                  <a:prstClr val="black"/>
+                </a:solidFill>
+              </a:rPr>
+              <a:t>Disarm device</a:t>
+            </a:r>
+            <a:endParaRPr lang="en-US" sz="1600" dirty="0">
+              <a:solidFill>
+                <a:prstClr val="black"/>
+              </a:solidFill>
+            </a:endParaRPr>
+          </a:p>
+        </p:txBody>
+      </p:sp>
+      <p:sp>
+        <p:nvSpPr>
+          <p:cNvPr id="39" name="TextBox 38"/>
+          <p:cNvSpPr txBox="1"/>
+          <p:nvPr/>
+        </p:nvSpPr>
+        <p:spPr>
+          <a:xfrm>
+            <a:off x="7494668" y="4893482"/>
+            <a:ext cx="3636751" cy="584776"/>
+          </a:xfrm>
+          <a:prstGeom prst="rect">
+            <a:avLst/>
+          </a:prstGeom>
+          <a:noFill/>
+        </p:spPr>
+        <p:txBody>
+          <a:bodyPr wrap="square" rtlCol="0">
+            <a:spAutoFit/>
+          </a:bodyPr>
+          <a:lstStyle/>
+          <a:p>
+            <a:pPr algn="ctr"/>
+            <a:r>
+              <a:rPr lang="en-US" sz="1600" dirty="0">
+                <a:solidFill>
+                  <a:prstClr val="black"/>
+                </a:solidFill>
+              </a:rPr>
+              <a:t>Miss keep alive or receive alarm message – add to alarming devices list</a:t>
+            </a:r>
+            <a:endParaRPr lang="en-US" sz="1600" dirty="0">
+              <a:solidFill>
+                <a:prstClr val="black"/>
+              </a:solidFill>
+            </a:endParaRPr>
+          </a:p>
+        </p:txBody>
+      </p:sp>
+      <p:sp>
+        <p:nvSpPr>
+          <p:cNvPr id="40" name="TextBox 39"/>
+          <p:cNvSpPr txBox="1"/>
+          <p:nvPr/>
+        </p:nvSpPr>
+        <p:spPr>
+          <a:xfrm>
+            <a:off x="8553878" y="3880956"/>
+            <a:ext cx="1280447" cy="584776"/>
+          </a:xfrm>
+          <a:prstGeom prst="rect">
+            <a:avLst/>
+          </a:prstGeom>
+          <a:noFill/>
+        </p:spPr>
+        <p:txBody>
+          <a:bodyPr wrap="square" rtlCol="0">
+            <a:spAutoFit/>
+          </a:bodyPr>
+          <a:lstStyle/>
+          <a:p>
+            <a:r>
+              <a:rPr lang="en-US" sz="1600" dirty="0">
+                <a:solidFill>
+                  <a:prstClr val="black"/>
+                </a:solidFill>
+              </a:rPr>
+              <a:t>Paired – add device to list</a:t>
+            </a:r>
+            <a:endParaRPr lang="en-US" sz="1600" dirty="0">
+              <a:solidFill>
+                <a:prstClr val="black"/>
+              </a:solidFill>
+            </a:endParaRPr>
+          </a:p>
+        </p:txBody>
+      </p:sp>
+      <p:cxnSp>
+        <p:nvCxnSpPr>
+          <p:cNvPr id="41" name="Straight Arrow Connector 40"/>
+          <p:cNvCxnSpPr>
+            <a:stCxn id="5" idx="3"/>
+            <a:endCxn id="4" idx="5"/>
+          </p:cNvCxnSpPr>
+          <p:nvPr/>
+        </p:nvCxnSpPr>
+        <p:spPr>
+          <a:xfrm flipH="1">
+            <a:off x="3296518" y="4315988"/>
+            <a:ext cx="3556745" cy="159645"/>
+          </a:xfrm>
+          <a:prstGeom prst="straightConnector1">
+            <a:avLst/>
+          </a:prstGeom>
+          <a:ln>
+            <a:tailEnd type="arrow"/>
+          </a:ln>
+        </p:spPr>
+        <p:style>
+          <a:lnRef idx="2">
+            <a:schemeClr val="accent1"/>
+          </a:lnRef>
+          <a:fillRef idx="0">
+            <a:schemeClr val="accent1"/>
+          </a:fillRef>
+          <a:effectRef idx="1">
+            <a:schemeClr val="accent1"/>
+          </a:effectRef>
+          <a:fontRef idx="minor">
+            <a:schemeClr val="tx1"/>
+          </a:fontRef>
+        </p:style>
+      </p:cxnSp>
+      <p:sp>
+        <p:nvSpPr>
+          <p:cNvPr id="42" name="TextBox 41"/>
+          <p:cNvSpPr txBox="1"/>
+          <p:nvPr/>
+        </p:nvSpPr>
+        <p:spPr>
+          <a:xfrm>
+            <a:off x="4569677" y="4276503"/>
+            <a:ext cx="1868920" cy="338554"/>
+          </a:xfrm>
+          <a:prstGeom prst="rect">
+            <a:avLst/>
+          </a:prstGeom>
+          <a:noFill/>
+        </p:spPr>
+        <p:txBody>
+          <a:bodyPr wrap="square" rtlCol="0">
+            <a:spAutoFit/>
+          </a:bodyPr>
+          <a:lstStyle/>
+          <a:p>
+            <a:pPr algn="ctr"/>
+            <a:r>
+              <a:rPr lang="en-US" sz="1600" dirty="0">
+                <a:solidFill>
+                  <a:prstClr val="black"/>
+                </a:solidFill>
+              </a:rPr>
+              <a:t>Timeout</a:t>
+            </a:r>
+            <a:endParaRPr lang="en-US" sz="1600" dirty="0">
+              <a:solidFill>
+                <a:prstClr val="black"/>
+              </a:solidFill>
+            </a:endParaRPr>
+          </a:p>
+        </p:txBody>
+      </p:sp>
+      <p:sp>
+        <p:nvSpPr>
+          <p:cNvPr id="43" name="TextBox 42"/>
+          <p:cNvSpPr txBox="1"/>
+          <p:nvPr/>
+        </p:nvSpPr>
+        <p:spPr>
+          <a:xfrm>
+            <a:off x="2747882" y="982481"/>
+            <a:ext cx="4093192" cy="338554"/>
+          </a:xfrm>
+          <a:prstGeom prst="rect">
+            <a:avLst/>
+          </a:prstGeom>
+          <a:noFill/>
+        </p:spPr>
+        <p:txBody>
+          <a:bodyPr wrap="square" rtlCol="0">
+            <a:spAutoFit/>
+          </a:bodyPr>
+          <a:lstStyle/>
+          <a:p>
+            <a:r>
+              <a:rPr lang="en-US" sz="1600" dirty="0">
+                <a:solidFill>
+                  <a:prstClr val="black"/>
+                </a:solidFill>
+              </a:rPr>
+              <a:t>Attempt to connect to all known devices</a:t>
+            </a:r>
+            <a:endParaRPr lang="en-US" sz="1600" dirty="0">
+              <a:solidFill>
+                <a:prstClr val="black"/>
+              </a:solidFill>
+            </a:endParaRPr>
           </a:p>
         </p:txBody>
       </p:sp>
     </p:spTree>
     <p:extLst>
       <p:ext uri="{BB962C8B-B14F-4D97-AF65-F5344CB8AC3E}">
-        <p14:creationId xmlns:p14="http://schemas.microsoft.com/office/powerpoint/2010/main" val="2072431218"/>
+        <p14:creationId xmlns:p14="http://schemas.microsoft.com/office/powerpoint/2010/main" val="1872502863"/>
       </p:ext>
     </p:extLst>
   </p:cSld>
@@ -6178,4 +10951,265 @@
     </a:ext>
   </a:extLst>
 </a:theme>
+</file>
+
+<file path=ppt/theme/theme2.xml><?xml version="1.0" encoding="utf-8"?>
+<a:theme xmlns:a="http://schemas.openxmlformats.org/drawingml/2006/main" name="1_Office Theme">
+  <a:themeElements>
+    <a:clrScheme name="Office">
+      <a:dk1>
+        <a:sysClr val="windowText" lastClr="000000"/>
+      </a:dk1>
+      <a:lt1>
+        <a:sysClr val="window" lastClr="FFFFFF"/>
+      </a:lt1>
+      <a:dk2>
+        <a:srgbClr val="44546A"/>
+      </a:dk2>
+      <a:lt2>
+        <a:srgbClr val="E7E6E6"/>
+      </a:lt2>
+      <a:accent1>
+        <a:srgbClr val="5B9BD5"/>
+      </a:accent1>
+      <a:accent2>
+        <a:srgbClr val="ED7D31"/>
+      </a:accent2>
+      <a:accent3>
+        <a:srgbClr val="A5A5A5"/>
+      </a:accent3>
+      <a:accent4>
+        <a:srgbClr val="FFC000"/>
+      </a:accent4>
+      <a:accent5>
+        <a:srgbClr val="4472C4"/>
+      </a:accent5>
+      <a:accent6>
+        <a:srgbClr val="70AD47"/>
+      </a:accent6>
+      <a:hlink>
+        <a:srgbClr val="0563C1"/>
+      </a:hlink>
+      <a:folHlink>
+        <a:srgbClr val="954F72"/>
+      </a:folHlink>
+    </a:clrScheme>
+    <a:fontScheme name="Office">
+      <a:majorFont>
+        <a:latin typeface="Calibri Light"/>
+        <a:ea typeface=""/>
+        <a:cs typeface=""/>
+        <a:font script="Jpan" typeface="ＭＳ Ｐゴシック"/>
+        <a:font script="Hang" typeface="맑은 고딕"/>
+        <a:font script="Hans" typeface="宋体"/>
+        <a:font script="Hant" typeface="新細明體"/>
+        <a:font script="Arab" typeface="Times New Roman"/>
+        <a:font script="Hebr" typeface="Times New Roman"/>
+        <a:font script="Thai" typeface="Angsana New"/>
+        <a:font script="Ethi" typeface="Nyala"/>
+        <a:font script="Beng" typeface="Vrinda"/>
+        <a:font script="Gujr" typeface="Shruti"/>
+        <a:font script="Khmr" typeface="MoolBoran"/>
+        <a:font script="Knda" typeface="Tunga"/>
+        <a:font script="Guru" typeface="Raavi"/>
+        <a:font script="Cans" typeface="Euphemia"/>
+        <a:font script="Cher" typeface="Plantagenet Cherokee"/>
+        <a:font script="Yiii" typeface="Microsoft Yi Baiti"/>
+        <a:font script="Tibt" typeface="Microsoft Himalaya"/>
+        <a:font script="Thaa" typeface="MV Boli"/>
+        <a:font script="Deva" typeface="Mangal"/>
+        <a:font script="Telu" typeface="Gautami"/>
+        <a:font script="Taml" typeface="Latha"/>
+        <a:font script="Syrc" typeface="Estrangelo Edessa"/>
+        <a:font script="Orya" typeface="Kalinga"/>
+        <a:font script="Mlym" typeface="Kartika"/>
+        <a:font script="Laoo" typeface="DokChampa"/>
+        <a:font script="Sinh" typeface="Iskoola Pota"/>
+        <a:font script="Mong" typeface="Mongolian Baiti"/>
+        <a:font script="Viet" typeface="Times New Roman"/>
+        <a:font script="Uigh" typeface="Microsoft Uighur"/>
+        <a:font script="Geor" typeface="Sylfaen"/>
+      </a:majorFont>
+      <a:minorFont>
+        <a:latin typeface="Calibri"/>
+        <a:ea typeface=""/>
+        <a:cs typeface=""/>
+        <a:font script="Jpan" typeface="ＭＳ Ｐゴシック"/>
+        <a:font script="Hang" typeface="맑은 고딕"/>
+        <a:font script="Hans" typeface="宋体"/>
+        <a:font script="Hant" typeface="新細明體"/>
+        <a:font script="Arab" typeface="Arial"/>
+        <a:font script="Hebr" typeface="Arial"/>
+        <a:font script="Thai" typeface="Cordia New"/>
+        <a:font script="Ethi" typeface="Nyala"/>
+        <a:font script="Beng" typeface="Vrinda"/>
+        <a:font script="Gujr" typeface="Shruti"/>
+        <a:font script="Khmr" typeface="DaunPenh"/>
+        <a:font script="Knda" typeface="Tunga"/>
+        <a:font script="Guru" typeface="Raavi"/>
+        <a:font script="Cans" typeface="Euphemia"/>
+        <a:font script="Cher" typeface="Plantagenet Cherokee"/>
+        <a:font script="Yiii" typeface="Microsoft Yi Baiti"/>
+        <a:font script="Tibt" typeface="Microsoft Himalaya"/>
+        <a:font script="Thaa" typeface="MV Boli"/>
+        <a:font script="Deva" typeface="Mangal"/>
+        <a:font script="Telu" typeface="Gautami"/>
+        <a:font script="Taml" typeface="Latha"/>
+        <a:font script="Syrc" typeface="Estrangelo Edessa"/>
+        <a:font script="Orya" typeface="Kalinga"/>
+        <a:font script="Mlym" typeface="Kartika"/>
+        <a:font script="Laoo" typeface="DokChampa"/>
+        <a:font script="Sinh" typeface="Iskoola Pota"/>
+        <a:font script="Mong" typeface="Mongolian Baiti"/>
+        <a:font script="Viet" typeface="Arial"/>
+        <a:font script="Uigh" typeface="Microsoft Uighur"/>
+        <a:font script="Geor" typeface="Sylfaen"/>
+      </a:minorFont>
+    </a:fontScheme>
+    <a:fmtScheme name="Office">
+      <a:fillStyleLst>
+        <a:solidFill>
+          <a:schemeClr val="phClr"/>
+        </a:solidFill>
+        <a:gradFill rotWithShape="1">
+          <a:gsLst>
+            <a:gs pos="0">
+              <a:schemeClr val="phClr">
+                <a:lumMod val="110000"/>
+                <a:satMod val="105000"/>
+                <a:tint val="67000"/>
+              </a:schemeClr>
+            </a:gs>
+            <a:gs pos="50000">
+              <a:schemeClr val="phClr">
+                <a:lumMod val="105000"/>
+                <a:satMod val="103000"/>
+                <a:tint val="73000"/>
+              </a:schemeClr>
+            </a:gs>
+            <a:gs pos="100000">
+              <a:schemeClr val="phClr">
+                <a:lumMod val="105000"/>
+                <a:satMod val="109000"/>
+                <a:tint val="81000"/>
+              </a:schemeClr>
+            </a:gs>
+          </a:gsLst>
+          <a:lin ang="5400000" scaled="0"/>
+        </a:gradFill>
+        <a:gradFill rotWithShape="1">
+          <a:gsLst>
+            <a:gs pos="0">
+              <a:schemeClr val="phClr">
+                <a:satMod val="103000"/>
+                <a:lumMod val="102000"/>
+                <a:tint val="94000"/>
+              </a:schemeClr>
+            </a:gs>
+            <a:gs pos="50000">
+              <a:schemeClr val="phClr">
+                <a:satMod val="110000"/>
+                <a:lumMod val="100000"/>
+                <a:shade val="100000"/>
+              </a:schemeClr>
+            </a:gs>
+            <a:gs pos="100000">
+              <a:schemeClr val="phClr">
+                <a:lumMod val="99000"/>
+                <a:satMod val="120000"/>
+                <a:shade val="78000"/>
+              </a:schemeClr>
+            </a:gs>
+          </a:gsLst>
+          <a:lin ang="5400000" scaled="0"/>
+        </a:gradFill>
+      </a:fillStyleLst>
+      <a:lnStyleLst>
+        <a:ln w="6350" cap="flat" cmpd="sng" algn="ctr">
+          <a:solidFill>
+            <a:schemeClr val="phClr"/>
+          </a:solidFill>
+          <a:prstDash val="solid"/>
+          <a:miter lim="800000"/>
+        </a:ln>
+        <a:ln w="12700" cap="flat" cmpd="sng" algn="ctr">
+          <a:solidFill>
+            <a:schemeClr val="phClr"/>
+          </a:solidFill>
+          <a:prstDash val="solid"/>
+          <a:miter lim="800000"/>
+        </a:ln>
+        <a:ln w="19050" cap="flat" cmpd="sng" algn="ctr">
+          <a:solidFill>
+            <a:schemeClr val="phClr"/>
+          </a:solidFill>
+          <a:prstDash val="solid"/>
+          <a:miter lim="800000"/>
+        </a:ln>
+      </a:lnStyleLst>
+      <a:effectStyleLst>
+        <a:effectStyle>
+          <a:effectLst/>
+        </a:effectStyle>
+        <a:effectStyle>
+          <a:effectLst/>
+        </a:effectStyle>
+        <a:effectStyle>
+          <a:effectLst>
+            <a:outerShdw blurRad="57150" dist="19050" dir="5400000" algn="ctr" rotWithShape="0">
+              <a:srgbClr val="000000">
+                <a:alpha val="63000"/>
+              </a:srgbClr>
+            </a:outerShdw>
+          </a:effectLst>
+        </a:effectStyle>
+      </a:effectStyleLst>
+      <a:bgFillStyleLst>
+        <a:solidFill>
+          <a:schemeClr val="phClr"/>
+        </a:solidFill>
+        <a:solidFill>
+          <a:schemeClr val="phClr">
+            <a:tint val="95000"/>
+            <a:satMod val="170000"/>
+          </a:schemeClr>
+        </a:solidFill>
+        <a:gradFill rotWithShape="1">
+          <a:gsLst>
+            <a:gs pos="0">
+              <a:schemeClr val="phClr">
+                <a:tint val="93000"/>
+                <a:satMod val="150000"/>
+                <a:shade val="98000"/>
+                <a:lumMod val="102000"/>
+              </a:schemeClr>
+            </a:gs>
+            <a:gs pos="50000">
+              <a:schemeClr val="phClr">
+                <a:tint val="98000"/>
+                <a:satMod val="130000"/>
+                <a:shade val="90000"/>
+                <a:lumMod val="103000"/>
+              </a:schemeClr>
+            </a:gs>
+            <a:gs pos="100000">
+              <a:schemeClr val="phClr">
+                <a:shade val="63000"/>
+                <a:satMod val="120000"/>
+              </a:schemeClr>
+            </a:gs>
+          </a:gsLst>
+          <a:lin ang="5400000" scaled="0"/>
+        </a:gradFill>
+      </a:bgFillStyleLst>
+    </a:fmtScheme>
+  </a:themeElements>
+  <a:objectDefaults/>
+  <a:extraClrSchemeLst/>
+  <a:extLst>
+    <a:ext uri="{05A4C25C-085E-4340-85A3-A5531E510DB2}">
+      <thm15:themeFamily xmlns:thm15="http://schemas.microsoft.com/office/thememl/2012/main" name="Office Theme" id="{62F939B6-93AF-4DB8-9C6B-D6C7DFDC589F}" vid="{4A3C46E8-61CC-4603-A589-7422A47A8E4A}"/>
+    </a:ext>
+  </a:extLst>
+</a:theme>
 </file>